--- a/CM2013 Project Introduction.pptx
+++ b/CM2013 Project Introduction.pptx
@@ -5,7 +5,7 @@
     <p:sldMasterId id="2147483648" r:id="rId1"/>
   </p:sldMasterIdLst>
   <p:notesMasterIdLst>
-    <p:notesMasterId r:id="rId49"/>
+    <p:notesMasterId r:id="rId51"/>
   </p:notesMasterIdLst>
   <p:sldIdLst>
     <p:sldId id="261" r:id="rId2"/>
@@ -14,57 +14,59 @@
     <p:sldId id="264" r:id="rId5"/>
     <p:sldId id="265" r:id="rId6"/>
     <p:sldId id="266" r:id="rId7"/>
-    <p:sldId id="267" r:id="rId8"/>
-    <p:sldId id="268" r:id="rId9"/>
-    <p:sldId id="269" r:id="rId10"/>
-    <p:sldId id="270" r:id="rId11"/>
-    <p:sldId id="271" r:id="rId12"/>
-    <p:sldId id="272" r:id="rId13"/>
-    <p:sldId id="273" r:id="rId14"/>
-    <p:sldId id="274" r:id="rId15"/>
-    <p:sldId id="275" r:id="rId16"/>
-    <p:sldId id="276" r:id="rId17"/>
-    <p:sldId id="277" r:id="rId18"/>
-    <p:sldId id="278" r:id="rId19"/>
-    <p:sldId id="279" r:id="rId20"/>
-    <p:sldId id="280" r:id="rId21"/>
-    <p:sldId id="281" r:id="rId22"/>
-    <p:sldId id="282" r:id="rId23"/>
-    <p:sldId id="283" r:id="rId24"/>
-    <p:sldId id="284" r:id="rId25"/>
-    <p:sldId id="285" r:id="rId26"/>
-    <p:sldId id="286" r:id="rId27"/>
-    <p:sldId id="287" r:id="rId28"/>
-    <p:sldId id="288" r:id="rId29"/>
-    <p:sldId id="289" r:id="rId30"/>
-    <p:sldId id="290" r:id="rId31"/>
-    <p:sldId id="291" r:id="rId32"/>
-    <p:sldId id="292" r:id="rId33"/>
-    <p:sldId id="293" r:id="rId34"/>
-    <p:sldId id="294" r:id="rId35"/>
-    <p:sldId id="295" r:id="rId36"/>
-    <p:sldId id="296" r:id="rId37"/>
-    <p:sldId id="297" r:id="rId38"/>
-    <p:sldId id="298" r:id="rId39"/>
-    <p:sldId id="299" r:id="rId40"/>
-    <p:sldId id="300" r:id="rId41"/>
-    <p:sldId id="301" r:id="rId42"/>
-    <p:sldId id="306" r:id="rId43"/>
-    <p:sldId id="304" r:id="rId44"/>
-    <p:sldId id="305" r:id="rId45"/>
-    <p:sldId id="302" r:id="rId46"/>
-    <p:sldId id="303" r:id="rId47"/>
-    <p:sldId id="256" r:id="rId48"/>
+    <p:sldId id="307" r:id="rId8"/>
+    <p:sldId id="308" r:id="rId9"/>
+    <p:sldId id="267" r:id="rId10"/>
+    <p:sldId id="268" r:id="rId11"/>
+    <p:sldId id="269" r:id="rId12"/>
+    <p:sldId id="270" r:id="rId13"/>
+    <p:sldId id="271" r:id="rId14"/>
+    <p:sldId id="272" r:id="rId15"/>
+    <p:sldId id="273" r:id="rId16"/>
+    <p:sldId id="274" r:id="rId17"/>
+    <p:sldId id="275" r:id="rId18"/>
+    <p:sldId id="276" r:id="rId19"/>
+    <p:sldId id="277" r:id="rId20"/>
+    <p:sldId id="278" r:id="rId21"/>
+    <p:sldId id="279" r:id="rId22"/>
+    <p:sldId id="280" r:id="rId23"/>
+    <p:sldId id="281" r:id="rId24"/>
+    <p:sldId id="282" r:id="rId25"/>
+    <p:sldId id="283" r:id="rId26"/>
+    <p:sldId id="284" r:id="rId27"/>
+    <p:sldId id="285" r:id="rId28"/>
+    <p:sldId id="286" r:id="rId29"/>
+    <p:sldId id="287" r:id="rId30"/>
+    <p:sldId id="288" r:id="rId31"/>
+    <p:sldId id="289" r:id="rId32"/>
+    <p:sldId id="290" r:id="rId33"/>
+    <p:sldId id="291" r:id="rId34"/>
+    <p:sldId id="292" r:id="rId35"/>
+    <p:sldId id="293" r:id="rId36"/>
+    <p:sldId id="294" r:id="rId37"/>
+    <p:sldId id="295" r:id="rId38"/>
+    <p:sldId id="296" r:id="rId39"/>
+    <p:sldId id="297" r:id="rId40"/>
+    <p:sldId id="298" r:id="rId41"/>
+    <p:sldId id="299" r:id="rId42"/>
+    <p:sldId id="300" r:id="rId43"/>
+    <p:sldId id="301" r:id="rId44"/>
+    <p:sldId id="306" r:id="rId45"/>
+    <p:sldId id="304" r:id="rId46"/>
+    <p:sldId id="305" r:id="rId47"/>
+    <p:sldId id="302" r:id="rId48"/>
+    <p:sldId id="303" r:id="rId49"/>
+    <p:sldId id="256" r:id="rId50"/>
   </p:sldIdLst>
   <p:sldSz cx="12192000" cy="6858000"/>
   <p:notesSz cx="6858000" cy="9144000"/>
   <p:embeddedFontLst>
     <p:embeddedFont>
-      <p:font typeface="Figtree" panose="020B0604020202020204" charset="0"/>
-      <p:regular r:id="rId50"/>
-      <p:bold r:id="rId51"/>
-      <p:italic r:id="rId52"/>
-      <p:boldItalic r:id="rId53"/>
+      <p:font typeface="Figtree" pitchFamily="2" charset="0"/>
+      <p:regular r:id="rId52"/>
+      <p:bold r:id="rId53"/>
+      <p:italic r:id="rId54"/>
+      <p:boldItalic r:id="rId55"/>
     </p:embeddedFont>
   </p:embeddedFontLst>
   <p:defaultTextStyle>
@@ -173,9 +175,115 @@
 <file path=ppt/revisionInfo.xml><?xml version="1.0" encoding="utf-8"?>
 <p1510:revInfo xmlns:a="http://schemas.openxmlformats.org/drawingml/2006/main" xmlns:r="http://schemas.openxmlformats.org/officeDocument/2006/relationships" xmlns:p1510="http://schemas.microsoft.com/office/powerpoint/2015/10/main">
   <p1510:revLst>
-    <p1510:client id="{AEA83C89-B301-CC44-87DA-91509837D689}" v="8" dt="2025-10-01T08:46:17.905"/>
+    <p1510:client id="{AEA83C89-B301-CC44-87DA-91509837D689}" v="19" dt="2025-10-01T11:10:25.947"/>
   </p1510:revLst>
 </p1510:revInfo>
+</file>
+
+<file path=ppt/changesInfos/changesInfo1.xml><?xml version="1.0" encoding="utf-8"?>
+<pc:chgInfo xmlns:a="http://schemas.openxmlformats.org/drawingml/2006/main" xmlns:r="http://schemas.openxmlformats.org/officeDocument/2006/relationships" xmlns:ac="http://schemas.microsoft.com/office/drawing/2013/main/command" xmlns:pc="http://schemas.microsoft.com/office/powerpoint/2013/main/command">
+  <pc:docChgLst>
+    <pc:chgData name="Farhad Abtahi" userId="3287f40d-2787-4b7e-a79e-e58fefaa950c" providerId="ADAL" clId="{E137722F-095E-5FF6-A590-4A1B9A57D117}"/>
+    <pc:docChg chg="addSld modSld">
+      <pc:chgData name="Farhad Abtahi" userId="3287f40d-2787-4b7e-a79e-e58fefaa950c" providerId="ADAL" clId="{E137722F-095E-5FF6-A590-4A1B9A57D117}" dt="2025-10-01T11:10:35.150" v="84" actId="14100"/>
+      <pc:docMkLst>
+        <pc:docMk/>
+      </pc:docMkLst>
+      <pc:sldChg chg="addSp modSp mod">
+        <pc:chgData name="Farhad Abtahi" userId="3287f40d-2787-4b7e-a79e-e58fefaa950c" providerId="ADAL" clId="{E137722F-095E-5FF6-A590-4A1B9A57D117}" dt="2025-10-01T11:10:35.150" v="84" actId="14100"/>
+        <pc:sldMkLst>
+          <pc:docMk/>
+          <pc:sldMk cId="0" sldId="262"/>
+        </pc:sldMkLst>
+        <pc:spChg chg="mod">
+          <ac:chgData name="Farhad Abtahi" userId="3287f40d-2787-4b7e-a79e-e58fefaa950c" providerId="ADAL" clId="{E137722F-095E-5FF6-A590-4A1B9A57D117}" dt="2025-10-01T11:08:35.057" v="80" actId="20577"/>
+          <ac:spMkLst>
+            <pc:docMk/>
+            <pc:sldMk cId="0" sldId="262"/>
+            <ac:spMk id="3" creationId="{00000000-0000-0000-0000-000000000000}"/>
+          </ac:spMkLst>
+        </pc:spChg>
+        <pc:picChg chg="add mod">
+          <ac:chgData name="Farhad Abtahi" userId="3287f40d-2787-4b7e-a79e-e58fefaa950c" providerId="ADAL" clId="{E137722F-095E-5FF6-A590-4A1B9A57D117}" dt="2025-10-01T11:10:35.150" v="84" actId="14100"/>
+          <ac:picMkLst>
+            <pc:docMk/>
+            <pc:sldMk cId="0" sldId="262"/>
+            <ac:picMk id="5" creationId="{5FA55993-8453-DED4-8EBE-11A8C8E9FF9C}"/>
+          </ac:picMkLst>
+        </pc:picChg>
+      </pc:sldChg>
+      <pc:sldChg chg="addSp delSp modSp">
+        <pc:chgData name="Farhad Abtahi" userId="3287f40d-2787-4b7e-a79e-e58fefaa950c" providerId="ADAL" clId="{E137722F-095E-5FF6-A590-4A1B9A57D117}" dt="2025-10-01T10:59:37.454" v="3" actId="21"/>
+        <pc:sldMkLst>
+          <pc:docMk/>
+          <pc:sldMk cId="0" sldId="266"/>
+        </pc:sldMkLst>
+        <pc:picChg chg="add del mod">
+          <ac:chgData name="Farhad Abtahi" userId="3287f40d-2787-4b7e-a79e-e58fefaa950c" providerId="ADAL" clId="{E137722F-095E-5FF6-A590-4A1B9A57D117}" dt="2025-10-01T10:59:37.454" v="3" actId="21"/>
+          <ac:picMkLst>
+            <pc:docMk/>
+            <pc:sldMk cId="0" sldId="266"/>
+            <ac:picMk id="9" creationId="{ABBBA083-CA5E-4ABF-4D66-96820165BA20}"/>
+          </ac:picMkLst>
+        </pc:picChg>
+      </pc:sldChg>
+      <pc:sldChg chg="addSp modSp new">
+        <pc:chgData name="Farhad Abtahi" userId="3287f40d-2787-4b7e-a79e-e58fefaa950c" providerId="ADAL" clId="{E137722F-095E-5FF6-A590-4A1B9A57D117}" dt="2025-10-01T11:01:08.660" v="11"/>
+        <pc:sldMkLst>
+          <pc:docMk/>
+          <pc:sldMk cId="2606194971" sldId="307"/>
+        </pc:sldMkLst>
+        <pc:spChg chg="mod">
+          <ac:chgData name="Farhad Abtahi" userId="3287f40d-2787-4b7e-a79e-e58fefaa950c" providerId="ADAL" clId="{E137722F-095E-5FF6-A590-4A1B9A57D117}" dt="2025-10-01T11:01:08.660" v="11"/>
+          <ac:spMkLst>
+            <pc:docMk/>
+            <pc:sldMk cId="2606194971" sldId="307"/>
+            <ac:spMk id="2" creationId="{6374F524-F566-7A5D-691B-2F36C58B1894}"/>
+          </ac:spMkLst>
+        </pc:spChg>
+        <pc:picChg chg="add mod">
+          <ac:chgData name="Farhad Abtahi" userId="3287f40d-2787-4b7e-a79e-e58fefaa950c" providerId="ADAL" clId="{E137722F-095E-5FF6-A590-4A1B9A57D117}" dt="2025-10-01T10:59:40.286" v="5" actId="1076"/>
+          <ac:picMkLst>
+            <pc:docMk/>
+            <pc:sldMk cId="2606194971" sldId="307"/>
+            <ac:picMk id="3" creationId="{BD8728DA-48CE-DD73-0D3A-A8F9C182D074}"/>
+          </ac:picMkLst>
+        </pc:picChg>
+        <pc:picChg chg="add mod">
+          <ac:chgData name="Farhad Abtahi" userId="3287f40d-2787-4b7e-a79e-e58fefaa950c" providerId="ADAL" clId="{E137722F-095E-5FF6-A590-4A1B9A57D117}" dt="2025-10-01T11:00:55.121" v="7"/>
+          <ac:picMkLst>
+            <pc:docMk/>
+            <pc:sldMk cId="2606194971" sldId="307"/>
+            <ac:picMk id="4" creationId="{7D39483F-0112-7C2A-E42B-92431FF5A960}"/>
+          </ac:picMkLst>
+        </pc:picChg>
+      </pc:sldChg>
+      <pc:sldChg chg="addSp modSp new mod">
+        <pc:chgData name="Farhad Abtahi" userId="3287f40d-2787-4b7e-a79e-e58fefaa950c" providerId="ADAL" clId="{E137722F-095E-5FF6-A590-4A1B9A57D117}" dt="2025-10-01T11:01:31.806" v="48" actId="1076"/>
+        <pc:sldMkLst>
+          <pc:docMk/>
+          <pc:sldMk cId="1140467033" sldId="308"/>
+        </pc:sldMkLst>
+        <pc:spChg chg="mod">
+          <ac:chgData name="Farhad Abtahi" userId="3287f40d-2787-4b7e-a79e-e58fefaa950c" providerId="ADAL" clId="{E137722F-095E-5FF6-A590-4A1B9A57D117}" dt="2025-10-01T11:01:21.834" v="45" actId="20577"/>
+          <ac:spMkLst>
+            <pc:docMk/>
+            <pc:sldMk cId="1140467033" sldId="308"/>
+            <ac:spMk id="2" creationId="{E3A69B62-631D-4B7E-609D-B926709F915B}"/>
+          </ac:spMkLst>
+        </pc:spChg>
+        <pc:picChg chg="add mod">
+          <ac:chgData name="Farhad Abtahi" userId="3287f40d-2787-4b7e-a79e-e58fefaa950c" providerId="ADAL" clId="{E137722F-095E-5FF6-A590-4A1B9A57D117}" dt="2025-10-01T11:01:31.806" v="48" actId="1076"/>
+          <ac:picMkLst>
+            <pc:docMk/>
+            <pc:sldMk cId="1140467033" sldId="308"/>
+            <ac:picMk id="3" creationId="{5BF5095C-7682-75C2-7CB5-9F30A7439D84}"/>
+          </ac:picMkLst>
+        </pc:picChg>
+      </pc:sldChg>
+    </pc:docChg>
+  </pc:docChgLst>
+</pc:chgInfo>
 </file>
 
 <file path=ppt/notesMasters/notesMaster1.xml><?xml version="1.0" encoding="utf-8"?>
@@ -21401,7 +21509,7 @@
           <a:p>
             <a:fld id="{5BCAD085-E8A6-8845-BD4E-CB4CCA059FC4}" type="datetimeFigureOut">
               <a:rPr lang="en-US" smtClean="0"/>
-              <a:t>10/1/2025</a:t>
+              <a:t>10/1/25</a:t>
             </a:fld>
             <a:endParaRPr lang="en-US"/>
           </a:p>
@@ -24227,6 +24335,640 @@
         <p:spPr/>
         <p:txBody>
           <a:bodyPr>
+            <a:normAutofit/>
+          </a:bodyPr>
+          <a:lstStyle/>
+          <a:p>
+            <a:r>
+              <a:rPr sz="3200" dirty="0"/>
+              <a:t>Iteration Planning:</a:t>
+            </a:r>
+          </a:p>
+          <a:p>
+            <a:r>
+              <a:rPr sz="3200" dirty="0"/>
+              <a:t>4 Sprints Over 10 Weeks</a:t>
+            </a:r>
+          </a:p>
+        </p:txBody>
+      </p:sp>
+      <p:sp>
+        <p:nvSpPr>
+          <p:cNvPr id="3" name="Text Placeholder 2"/>
+          <p:cNvSpPr>
+            <a:spLocks noGrp="1"/>
+          </p:cNvSpPr>
+          <p:nvPr>
+            <p:ph type="body" idx="1"/>
+          </p:nvPr>
+        </p:nvSpPr>
+        <p:spPr/>
+        <p:txBody>
+          <a:bodyPr/>
+          <a:lstStyle/>
+          <a:p>
+            <a:endParaRPr/>
+          </a:p>
+        </p:txBody>
+      </p:sp>
+    </p:spTree>
+  </p:cSld>
+  <p:clrMapOvr>
+    <a:masterClrMapping/>
+  </p:clrMapOvr>
+</p:sld>
+</file>
+
+<file path=ppt/slides/slide11.xml><?xml version="1.0" encoding="utf-8"?>
+<p:sld xmlns:a="http://schemas.openxmlformats.org/drawingml/2006/main" xmlns:r="http://schemas.openxmlformats.org/officeDocument/2006/relationships" xmlns:p="http://schemas.openxmlformats.org/presentationml/2006/main">
+  <p:cSld>
+    <p:spTree>
+      <p:nvGrpSpPr>
+        <p:cNvPr id="1" name=""/>
+        <p:cNvGrpSpPr/>
+        <p:nvPr/>
+      </p:nvGrpSpPr>
+      <p:grpSpPr>
+        <a:xfrm>
+          <a:off x="0" y="0"/>
+          <a:ext cx="0" cy="0"/>
+          <a:chOff x="0" y="0"/>
+          <a:chExt cx="0" cy="0"/>
+        </a:xfrm>
+      </p:grpSpPr>
+      <p:sp>
+        <p:nvSpPr>
+          <p:cNvPr id="2" name="Title 1"/>
+          <p:cNvSpPr>
+            <a:spLocks noGrp="1"/>
+          </p:cNvSpPr>
+          <p:nvPr>
+            <p:ph type="title"/>
+          </p:nvPr>
+        </p:nvSpPr>
+        <p:spPr/>
+        <p:txBody>
+          <a:bodyPr>
+            <a:normAutofit fontScale="90000"/>
+          </a:bodyPr>
+          <a:lstStyle/>
+          <a:p>
+            <a:r>
+              <a:rPr sz="3200" dirty="0"/>
+              <a:t>Project Timeline - Key Milestones</a:t>
+            </a:r>
+          </a:p>
+        </p:txBody>
+      </p:sp>
+      <p:cxnSp>
+        <p:nvCxnSpPr>
+          <p:cNvPr id="3" name="Connector 2"/>
+          <p:cNvCxnSpPr/>
+          <p:nvPr/>
+        </p:nvCxnSpPr>
+        <p:spPr>
+          <a:xfrm>
+            <a:off x="2438400" y="3657600"/>
+            <a:ext cx="7315200" cy="0"/>
+          </a:xfrm>
+          <a:prstGeom prst="line">
+            <a:avLst/>
+          </a:prstGeom>
+          <a:ln w="38100">
+            <a:solidFill>
+              <a:srgbClr val="4472C4"/>
+            </a:solidFill>
+          </a:ln>
+        </p:spPr>
+        <p:style>
+          <a:lnRef idx="2">
+            <a:schemeClr val="accent1"/>
+          </a:lnRef>
+          <a:fillRef idx="0">
+            <a:schemeClr val="accent1"/>
+          </a:fillRef>
+          <a:effectRef idx="1">
+            <a:schemeClr val="accent1"/>
+          </a:effectRef>
+          <a:fontRef idx="minor">
+            <a:schemeClr val="tx1"/>
+          </a:fontRef>
+        </p:style>
+      </p:cxnSp>
+      <p:sp>
+        <p:nvSpPr>
+          <p:cNvPr id="4" name="Oval 3"/>
+          <p:cNvSpPr/>
+          <p:nvPr/>
+        </p:nvSpPr>
+        <p:spPr>
+          <a:xfrm>
+            <a:off x="2209800" y="3429000"/>
+            <a:ext cx="457200" cy="457200"/>
+          </a:xfrm>
+          <a:prstGeom prst="ellipse">
+            <a:avLst/>
+          </a:prstGeom>
+          <a:solidFill>
+            <a:srgbClr val="4472C4"/>
+          </a:solidFill>
+          <a:ln w="25400">
+            <a:solidFill>
+              <a:srgbClr val="FFFFFF"/>
+            </a:solidFill>
+          </a:ln>
+        </p:spPr>
+        <p:style>
+          <a:lnRef idx="1">
+            <a:schemeClr val="accent1"/>
+          </a:lnRef>
+          <a:fillRef idx="3">
+            <a:schemeClr val="accent1"/>
+          </a:fillRef>
+          <a:effectRef idx="2">
+            <a:schemeClr val="accent1"/>
+          </a:effectRef>
+          <a:fontRef idx="minor">
+            <a:schemeClr val="lt1"/>
+          </a:fontRef>
+        </p:style>
+        <p:txBody>
+          <a:bodyPr rtlCol="0" anchor="ctr"/>
+          <a:lstStyle/>
+          <a:p>
+            <a:pPr algn="ctr"/>
+            <a:endParaRPr/>
+          </a:p>
+        </p:txBody>
+      </p:sp>
+      <p:sp>
+        <p:nvSpPr>
+          <p:cNvPr id="5" name="TextBox 4"/>
+          <p:cNvSpPr txBox="1"/>
+          <p:nvPr/>
+        </p:nvSpPr>
+        <p:spPr>
+          <a:xfrm>
+            <a:off x="1815890" y="2286001"/>
+            <a:ext cx="1245021" cy="584775"/>
+          </a:xfrm>
+          <a:prstGeom prst="rect">
+            <a:avLst/>
+          </a:prstGeom>
+          <a:noFill/>
+        </p:spPr>
+        <p:txBody>
+          <a:bodyPr wrap="none">
+            <a:spAutoFit/>
+          </a:bodyPr>
+          <a:lstStyle/>
+          <a:p>
+            <a:pPr algn="ctr">
+              <a:defRPr sz="1400" b="1"/>
+            </a:pPr>
+            <a:r>
+              <a:rPr sz="1400"/>
+              <a:t>Iteration 1</a:t>
+            </a:r>
+          </a:p>
+          <a:p>
+            <a:r>
+              <a:t>Basic EEG</a:t>
+            </a:r>
+          </a:p>
+        </p:txBody>
+      </p:sp>
+      <p:sp>
+        <p:nvSpPr>
+          <p:cNvPr id="6" name="TextBox 5"/>
+          <p:cNvSpPr txBox="1"/>
+          <p:nvPr/>
+        </p:nvSpPr>
+        <p:spPr>
+          <a:xfrm>
+            <a:off x="1943714" y="4206240"/>
+            <a:ext cx="989373" cy="261610"/>
+          </a:xfrm>
+          <a:prstGeom prst="rect">
+            <a:avLst/>
+          </a:prstGeom>
+          <a:noFill/>
+        </p:spPr>
+        <p:txBody>
+          <a:bodyPr wrap="none">
+            <a:spAutoFit/>
+          </a:bodyPr>
+          <a:lstStyle/>
+          <a:p>
+            <a:pPr algn="ctr">
+              <a:defRPr sz="1100">
+                <a:solidFill>
+                  <a:srgbClr val="646464"/>
+                </a:solidFill>
+              </a:defRPr>
+            </a:pPr>
+            <a:r>
+              <a:rPr sz="1100"/>
+              <a:t>Oct 31, 2025</a:t>
+            </a:r>
+          </a:p>
+        </p:txBody>
+      </p:sp>
+      <p:sp>
+        <p:nvSpPr>
+          <p:cNvPr id="7" name="Oval 6"/>
+          <p:cNvSpPr/>
+          <p:nvPr/>
+        </p:nvSpPr>
+        <p:spPr>
+          <a:xfrm>
+            <a:off x="4648200" y="3429000"/>
+            <a:ext cx="457200" cy="457200"/>
+          </a:xfrm>
+          <a:prstGeom prst="ellipse">
+            <a:avLst/>
+          </a:prstGeom>
+          <a:solidFill>
+            <a:srgbClr val="70AD47"/>
+          </a:solidFill>
+          <a:ln w="25400">
+            <a:solidFill>
+              <a:srgbClr val="FFFFFF"/>
+            </a:solidFill>
+          </a:ln>
+        </p:spPr>
+        <p:style>
+          <a:lnRef idx="1">
+            <a:schemeClr val="accent1"/>
+          </a:lnRef>
+          <a:fillRef idx="3">
+            <a:schemeClr val="accent1"/>
+          </a:fillRef>
+          <a:effectRef idx="2">
+            <a:schemeClr val="accent1"/>
+          </a:effectRef>
+          <a:fontRef idx="minor">
+            <a:schemeClr val="lt1"/>
+          </a:fontRef>
+        </p:style>
+        <p:txBody>
+          <a:bodyPr rtlCol="0" anchor="ctr"/>
+          <a:lstStyle/>
+          <a:p>
+            <a:pPr algn="ctr"/>
+            <a:endParaRPr/>
+          </a:p>
+        </p:txBody>
+      </p:sp>
+      <p:sp>
+        <p:nvSpPr>
+          <p:cNvPr id="8" name="TextBox 7"/>
+          <p:cNvSpPr txBox="1"/>
+          <p:nvPr/>
+        </p:nvSpPr>
+        <p:spPr>
+          <a:xfrm>
+            <a:off x="4243454" y="2286001"/>
+            <a:ext cx="1266693" cy="584775"/>
+          </a:xfrm>
+          <a:prstGeom prst="rect">
+            <a:avLst/>
+          </a:prstGeom>
+          <a:noFill/>
+        </p:spPr>
+        <p:txBody>
+          <a:bodyPr wrap="none">
+            <a:spAutoFit/>
+          </a:bodyPr>
+          <a:lstStyle/>
+          <a:p>
+            <a:pPr algn="ctr">
+              <a:defRPr sz="1400" b="1"/>
+            </a:pPr>
+            <a:r>
+              <a:rPr sz="1400"/>
+              <a:t>Iteration 2</a:t>
+            </a:r>
+          </a:p>
+          <a:p>
+            <a:r>
+              <a:t>EEG+EOG</a:t>
+            </a:r>
+          </a:p>
+        </p:txBody>
+      </p:sp>
+      <p:sp>
+        <p:nvSpPr>
+          <p:cNvPr id="9" name="TextBox 8"/>
+          <p:cNvSpPr txBox="1"/>
+          <p:nvPr/>
+        </p:nvSpPr>
+        <p:spPr>
+          <a:xfrm>
+            <a:off x="4367687" y="4206240"/>
+            <a:ext cx="1018227" cy="261610"/>
+          </a:xfrm>
+          <a:prstGeom prst="rect">
+            <a:avLst/>
+          </a:prstGeom>
+          <a:noFill/>
+        </p:spPr>
+        <p:txBody>
+          <a:bodyPr wrap="none">
+            <a:spAutoFit/>
+          </a:bodyPr>
+          <a:lstStyle/>
+          <a:p>
+            <a:pPr algn="ctr">
+              <a:defRPr sz="1100">
+                <a:solidFill>
+                  <a:srgbClr val="646464"/>
+                </a:solidFill>
+              </a:defRPr>
+            </a:pPr>
+            <a:r>
+              <a:rPr sz="1100"/>
+              <a:t>Nov 19, 2025</a:t>
+            </a:r>
+          </a:p>
+        </p:txBody>
+      </p:sp>
+      <p:sp>
+        <p:nvSpPr>
+          <p:cNvPr id="10" name="Oval 9"/>
+          <p:cNvSpPr/>
+          <p:nvPr/>
+        </p:nvSpPr>
+        <p:spPr>
+          <a:xfrm>
+            <a:off x="7086600" y="3429000"/>
+            <a:ext cx="457200" cy="457200"/>
+          </a:xfrm>
+          <a:prstGeom prst="ellipse">
+            <a:avLst/>
+          </a:prstGeom>
+          <a:solidFill>
+            <a:srgbClr val="ED7D31"/>
+          </a:solidFill>
+          <a:ln w="25400">
+            <a:solidFill>
+              <a:srgbClr val="FFFFFF"/>
+            </a:solidFill>
+          </a:ln>
+        </p:spPr>
+        <p:style>
+          <a:lnRef idx="1">
+            <a:schemeClr val="accent1"/>
+          </a:lnRef>
+          <a:fillRef idx="3">
+            <a:schemeClr val="accent1"/>
+          </a:fillRef>
+          <a:effectRef idx="2">
+            <a:schemeClr val="accent1"/>
+          </a:effectRef>
+          <a:fontRef idx="minor">
+            <a:schemeClr val="lt1"/>
+          </a:fontRef>
+        </p:style>
+        <p:txBody>
+          <a:bodyPr rtlCol="0" anchor="ctr"/>
+          <a:lstStyle/>
+          <a:p>
+            <a:pPr algn="ctr"/>
+            <a:endParaRPr/>
+          </a:p>
+        </p:txBody>
+      </p:sp>
+      <p:sp>
+        <p:nvSpPr>
+          <p:cNvPr id="11" name="TextBox 10"/>
+          <p:cNvSpPr txBox="1"/>
+          <p:nvPr/>
+        </p:nvSpPr>
+        <p:spPr>
+          <a:xfrm>
+            <a:off x="6356445" y="2286001"/>
+            <a:ext cx="1917513" cy="584775"/>
+          </a:xfrm>
+          <a:prstGeom prst="rect">
+            <a:avLst/>
+          </a:prstGeom>
+          <a:noFill/>
+        </p:spPr>
+        <p:txBody>
+          <a:bodyPr wrap="none">
+            <a:spAutoFit/>
+          </a:bodyPr>
+          <a:lstStyle/>
+          <a:p>
+            <a:pPr algn="ctr">
+              <a:defRPr sz="1400" b="1"/>
+            </a:pPr>
+            <a:r>
+              <a:rPr sz="1400"/>
+              <a:t>Iteration 3</a:t>
+            </a:r>
+          </a:p>
+          <a:p>
+            <a:r>
+              <a:t>EEG+EOG+EMG</a:t>
+            </a:r>
+          </a:p>
+        </p:txBody>
+      </p:sp>
+      <p:sp>
+        <p:nvSpPr>
+          <p:cNvPr id="12" name="TextBox 11"/>
+          <p:cNvSpPr txBox="1"/>
+          <p:nvPr/>
+        </p:nvSpPr>
+        <p:spPr>
+          <a:xfrm>
+            <a:off x="6840551" y="4206240"/>
+            <a:ext cx="949299" cy="261610"/>
+          </a:xfrm>
+          <a:prstGeom prst="rect">
+            <a:avLst/>
+          </a:prstGeom>
+          <a:noFill/>
+        </p:spPr>
+        <p:txBody>
+          <a:bodyPr wrap="none">
+            <a:spAutoFit/>
+          </a:bodyPr>
+          <a:lstStyle/>
+          <a:p>
+            <a:pPr algn="ctr">
+              <a:defRPr sz="1100">
+                <a:solidFill>
+                  <a:srgbClr val="646464"/>
+                </a:solidFill>
+              </a:defRPr>
+            </a:pPr>
+            <a:r>
+              <a:rPr sz="1100"/>
+              <a:t>Dec 5, 2025</a:t>
+            </a:r>
+          </a:p>
+        </p:txBody>
+      </p:sp>
+      <p:sp>
+        <p:nvSpPr>
+          <p:cNvPr id="13" name="Oval 12"/>
+          <p:cNvSpPr/>
+          <p:nvPr/>
+        </p:nvSpPr>
+        <p:spPr>
+          <a:xfrm>
+            <a:off x="9525000" y="3429000"/>
+            <a:ext cx="457200" cy="457200"/>
+          </a:xfrm>
+          <a:prstGeom prst="ellipse">
+            <a:avLst/>
+          </a:prstGeom>
+          <a:solidFill>
+            <a:srgbClr val="A5A5A5"/>
+          </a:solidFill>
+          <a:ln w="25400">
+            <a:solidFill>
+              <a:srgbClr val="FFFFFF"/>
+            </a:solidFill>
+          </a:ln>
+        </p:spPr>
+        <p:style>
+          <a:lnRef idx="1">
+            <a:schemeClr val="accent1"/>
+          </a:lnRef>
+          <a:fillRef idx="3">
+            <a:schemeClr val="accent1"/>
+          </a:fillRef>
+          <a:effectRef idx="2">
+            <a:schemeClr val="accent1"/>
+          </a:effectRef>
+          <a:fontRef idx="minor">
+            <a:schemeClr val="lt1"/>
+          </a:fontRef>
+        </p:style>
+        <p:txBody>
+          <a:bodyPr rtlCol="0" anchor="ctr"/>
+          <a:lstStyle/>
+          <a:p>
+            <a:pPr algn="ctr"/>
+            <a:endParaRPr/>
+          </a:p>
+        </p:txBody>
+      </p:sp>
+      <p:sp>
+        <p:nvSpPr>
+          <p:cNvPr id="14" name="TextBox 13"/>
+          <p:cNvSpPr txBox="1"/>
+          <p:nvPr/>
+        </p:nvSpPr>
+        <p:spPr>
+          <a:xfrm>
+            <a:off x="9004837" y="2286001"/>
+            <a:ext cx="1497526" cy="584775"/>
+          </a:xfrm>
+          <a:prstGeom prst="rect">
+            <a:avLst/>
+          </a:prstGeom>
+          <a:noFill/>
+        </p:spPr>
+        <p:txBody>
+          <a:bodyPr wrap="none">
+            <a:spAutoFit/>
+          </a:bodyPr>
+          <a:lstStyle/>
+          <a:p>
+            <a:pPr algn="ctr">
+              <a:defRPr sz="1400" b="1"/>
+            </a:pPr>
+            <a:r>
+              <a:rPr sz="1400"/>
+              <a:t>Iteration 4</a:t>
+            </a:r>
+          </a:p>
+          <a:p>
+            <a:r>
+              <a:t>Final System</a:t>
+            </a:r>
+          </a:p>
+        </p:txBody>
+      </p:sp>
+      <p:sp>
+        <p:nvSpPr>
+          <p:cNvPr id="15" name="TextBox 14"/>
+          <p:cNvSpPr txBox="1"/>
+          <p:nvPr/>
+        </p:nvSpPr>
+        <p:spPr>
+          <a:xfrm>
+            <a:off x="9247693" y="4206240"/>
+            <a:ext cx="1011815" cy="261610"/>
+          </a:xfrm>
+          <a:prstGeom prst="rect">
+            <a:avLst/>
+          </a:prstGeom>
+          <a:noFill/>
+        </p:spPr>
+        <p:txBody>
+          <a:bodyPr wrap="none">
+            <a:spAutoFit/>
+          </a:bodyPr>
+          <a:lstStyle/>
+          <a:p>
+            <a:pPr algn="ctr">
+              <a:defRPr sz="1100">
+                <a:solidFill>
+                  <a:srgbClr val="646464"/>
+                </a:solidFill>
+              </a:defRPr>
+            </a:pPr>
+            <a:r>
+              <a:rPr sz="1100"/>
+              <a:t>Dec 18, 2025</a:t>
+            </a:r>
+          </a:p>
+        </p:txBody>
+      </p:sp>
+    </p:spTree>
+  </p:cSld>
+  <p:clrMapOvr>
+    <a:masterClrMapping/>
+  </p:clrMapOvr>
+</p:sld>
+</file>
+
+<file path=ppt/slides/slide12.xml><?xml version="1.0" encoding="utf-8"?>
+<p:sld xmlns:a="http://schemas.openxmlformats.org/drawingml/2006/main" xmlns:r="http://schemas.openxmlformats.org/officeDocument/2006/relationships" xmlns:p="http://schemas.openxmlformats.org/presentationml/2006/main">
+  <p:cSld>
+    <p:spTree>
+      <p:nvGrpSpPr>
+        <p:cNvPr id="1" name=""/>
+        <p:cNvGrpSpPr/>
+        <p:nvPr/>
+      </p:nvGrpSpPr>
+      <p:grpSpPr>
+        <a:xfrm>
+          <a:off x="0" y="0"/>
+          <a:ext cx="0" cy="0"/>
+          <a:chOff x="0" y="0"/>
+          <a:chExt cx="0" cy="0"/>
+        </a:xfrm>
+      </p:grpSpPr>
+      <p:sp>
+        <p:nvSpPr>
+          <p:cNvPr id="2" name="Title 1"/>
+          <p:cNvSpPr>
+            <a:spLocks noGrp="1"/>
+          </p:cNvSpPr>
+          <p:nvPr>
+            <p:ph type="title"/>
+          </p:nvPr>
+        </p:nvSpPr>
+        <p:spPr/>
+        <p:txBody>
+          <a:bodyPr>
             <a:normAutofit fontScale="90000"/>
           </a:bodyPr>
           <a:lstStyle/>
@@ -24755,256 +25497,6 @@
 </p:sld>
 </file>
 
-<file path=ppt/slides/slide11.xml><?xml version="1.0" encoding="utf-8"?>
-<p:sld xmlns:a="http://schemas.openxmlformats.org/drawingml/2006/main" xmlns:r="http://schemas.openxmlformats.org/officeDocument/2006/relationships" xmlns:p="http://schemas.openxmlformats.org/presentationml/2006/main">
-  <p:cSld>
-    <p:spTree>
-      <p:nvGrpSpPr>
-        <p:cNvPr id="1" name=""/>
-        <p:cNvGrpSpPr/>
-        <p:nvPr/>
-      </p:nvGrpSpPr>
-      <p:grpSpPr>
-        <a:xfrm>
-          <a:off x="0" y="0"/>
-          <a:ext cx="0" cy="0"/>
-          <a:chOff x="0" y="0"/>
-          <a:chExt cx="0" cy="0"/>
-        </a:xfrm>
-      </p:grpSpPr>
-      <p:sp>
-        <p:nvSpPr>
-          <p:cNvPr id="2" name="Title 1"/>
-          <p:cNvSpPr>
-            <a:spLocks noGrp="1"/>
-          </p:cNvSpPr>
-          <p:nvPr>
-            <p:ph type="title"/>
-          </p:nvPr>
-        </p:nvSpPr>
-        <p:spPr/>
-        <p:txBody>
-          <a:bodyPr>
-            <a:normAutofit fontScale="90000"/>
-          </a:bodyPr>
-          <a:lstStyle/>
-          <a:p>
-            <a:r>
-              <a:rPr sz="3200" dirty="0"/>
-              <a:t>Iteration 1: Basic Pipeline (Oct 31)</a:t>
-            </a:r>
-          </a:p>
-        </p:txBody>
-      </p:sp>
-      <p:sp>
-        <p:nvSpPr>
-          <p:cNvPr id="3" name="Content Placeholder 2"/>
-          <p:cNvSpPr>
-            <a:spLocks noGrp="1"/>
-          </p:cNvSpPr>
-          <p:nvPr>
-            <p:ph idx="1"/>
-          </p:nvPr>
-        </p:nvSpPr>
-        <p:spPr/>
-        <p:txBody>
-          <a:bodyPr>
-            <a:noAutofit/>
-          </a:bodyPr>
-          <a:lstStyle/>
-          <a:p>
-            <a:endParaRPr/>
-          </a:p>
-          <a:p>
-            <a:r>
-              <a:t>Focus: Get something working end-to-end</a:t>
-            </a:r>
-          </a:p>
-          <a:p>
-            <a:r>
-              <a:t>Signals: EEG only (single or dual channel)</a:t>
-            </a:r>
-          </a:p>
-          <a:p>
-            <a:r>
-              <a:t>Features: 16 time-domain features per channel</a:t>
-            </a:r>
-          </a:p>
-          <a:p>
-            <a:pPr lvl="1"/>
-            <a:r>
-              <a:t>Mean, median, std, variance, RMS, Hjorth parameters</a:t>
-            </a:r>
-          </a:p>
-          <a:p>
-            <a:r>
-              <a:t>Classifier: k-Nearest Neighbors (k-NN)</a:t>
-            </a:r>
-          </a:p>
-          <a:p>
-            <a:pPr lvl="1"/>
-            <a:r>
-              <a:t>Simple, interpretable baseline</a:t>
-            </a:r>
-          </a:p>
-          <a:p>
-            <a:r>
-              <a:t>Deliverables:</a:t>
-            </a:r>
-          </a:p>
-          <a:p>
-            <a:pPr lvl="1"/>
-            <a:r>
-              <a:t>Complete data loading pipeline</a:t>
-            </a:r>
-          </a:p>
-          <a:p>
-            <a:pPr lvl="1"/>
-            <a:r>
-              <a:t>Basic preprocessing (filtering, epoching)</a:t>
-            </a:r>
-          </a:p>
-          <a:p>
-            <a:pPr lvl="1"/>
-            <a:r>
-              <a:t>Working end-to-end classification</a:t>
-            </a:r>
-          </a:p>
-        </p:txBody>
-      </p:sp>
-    </p:spTree>
-  </p:cSld>
-  <p:clrMapOvr>
-    <a:masterClrMapping/>
-  </p:clrMapOvr>
-</p:sld>
-</file>
-
-<file path=ppt/slides/slide12.xml><?xml version="1.0" encoding="utf-8"?>
-<p:sld xmlns:a="http://schemas.openxmlformats.org/drawingml/2006/main" xmlns:r="http://schemas.openxmlformats.org/officeDocument/2006/relationships" xmlns:p="http://schemas.openxmlformats.org/presentationml/2006/main">
-  <p:cSld>
-    <p:spTree>
-      <p:nvGrpSpPr>
-        <p:cNvPr id="1" name=""/>
-        <p:cNvGrpSpPr/>
-        <p:nvPr/>
-      </p:nvGrpSpPr>
-      <p:grpSpPr>
-        <a:xfrm>
-          <a:off x="0" y="0"/>
-          <a:ext cx="0" cy="0"/>
-          <a:chOff x="0" y="0"/>
-          <a:chExt cx="0" cy="0"/>
-        </a:xfrm>
-      </p:grpSpPr>
-      <p:sp>
-        <p:nvSpPr>
-          <p:cNvPr id="2" name="Title 1"/>
-          <p:cNvSpPr>
-            <a:spLocks noGrp="1"/>
-          </p:cNvSpPr>
-          <p:nvPr>
-            <p:ph type="title"/>
-          </p:nvPr>
-        </p:nvSpPr>
-        <p:spPr/>
-        <p:txBody>
-          <a:bodyPr>
-            <a:noAutofit/>
-          </a:bodyPr>
-          <a:lstStyle/>
-          <a:p>
-            <a:r>
-              <a:rPr sz="3200" dirty="0"/>
-              <a:t>Iteration 2: Enhanced Processing (Nov 19)</a:t>
-            </a:r>
-          </a:p>
-        </p:txBody>
-      </p:sp>
-      <p:sp>
-        <p:nvSpPr>
-          <p:cNvPr id="3" name="Content Placeholder 2"/>
-          <p:cNvSpPr>
-            <a:spLocks noGrp="1"/>
-          </p:cNvSpPr>
-          <p:nvPr>
-            <p:ph idx="1"/>
-          </p:nvPr>
-        </p:nvSpPr>
-        <p:spPr/>
-        <p:txBody>
-          <a:bodyPr>
-            <a:noAutofit/>
-          </a:bodyPr>
-          <a:lstStyle/>
-          <a:p>
-            <a:endParaRPr/>
-          </a:p>
-          <a:p>
-            <a:r>
-              <a:t>Focus: Add EOG and frequency-domain features</a:t>
-            </a:r>
-          </a:p>
-          <a:p>
-            <a:r>
-              <a:t>Signals: EEG + EOG (eye movement detection)</a:t>
-            </a:r>
-          </a:p>
-          <a:p>
-            <a:r>
-              <a:t>Features: ~31 features (time + frequency domain)</a:t>
-            </a:r>
-          </a:p>
-          <a:p>
-            <a:pPr lvl="1"/>
-            <a:r>
-              <a:t>Add frequency features: band powers, spectral entropy</a:t>
-            </a:r>
-          </a:p>
-          <a:p>
-            <a:pPr lvl="1"/>
-            <a:r>
-              <a:t>EOG-specific: eye movement characteristics</a:t>
-            </a:r>
-          </a:p>
-          <a:p>
-            <a:r>
-              <a:t>Classifier: Support Vector Machine (SVM)</a:t>
-            </a:r>
-          </a:p>
-          <a:p>
-            <a:pPr lvl="1"/>
-            <a:r>
-              <a:t>Better handling of high-dimensional data</a:t>
-            </a:r>
-          </a:p>
-          <a:p>
-            <a:r>
-              <a:t>Deliverables:</a:t>
-            </a:r>
-          </a:p>
-          <a:p>
-            <a:pPr lvl="1"/>
-            <a:r>
-              <a:t>Multi-signal processing capability</a:t>
-            </a:r>
-          </a:p>
-          <a:p>
-            <a:pPr lvl="1"/>
-            <a:r>
-              <a:t>Frequency-domain feature extraction</a:t>
-            </a:r>
-          </a:p>
-        </p:txBody>
-      </p:sp>
-    </p:spTree>
-  </p:cSld>
-  <p:clrMapOvr>
-    <a:masterClrMapping/>
-  </p:clrMapOvr>
-</p:sld>
-</file>
-
 <file path=ppt/slides/slide13.xml><?xml version="1.0" encoding="utf-8"?>
 <p:sld xmlns:a="http://schemas.openxmlformats.org/drawingml/2006/main" xmlns:r="http://schemas.openxmlformats.org/officeDocument/2006/relationships" xmlns:p="http://schemas.openxmlformats.org/presentationml/2006/main">
   <p:cSld>
@@ -25041,7 +25533,7 @@
           <a:p>
             <a:r>
               <a:rPr sz="3200" dirty="0"/>
-              <a:t>Iteration 3: Multi-Signal (Dec 5)</a:t>
+              <a:t>Iteration 1: Basic Pipeline (Oct 31)</a:t>
             </a:r>
           </a:p>
         </p:txBody>
@@ -25067,57 +25559,57 @@
           </a:p>
           <a:p>
             <a:r>
-              <a:t>Focus: Add EMG and implement feature selection</a:t>
-            </a:r>
-          </a:p>
-          <a:p>
-            <a:r>
-              <a:t>Signals: EEG + EOG + EMG (muscle tone)</a:t>
-            </a:r>
-          </a:p>
-          <a:p>
-            <a:r>
-              <a:t>Features: ~30 selected features (down from 50+)</a:t>
+              <a:t>Focus: Get something working end-to-end</a:t>
+            </a:r>
+          </a:p>
+          <a:p>
+            <a:r>
+              <a:t>Signals: EEG only (single or dual channel)</a:t>
+            </a:r>
+          </a:p>
+          <a:p>
+            <a:r>
+              <a:t>Features: 16 time-domain features per channel</a:t>
             </a:r>
           </a:p>
           <a:p>
             <a:pPr lvl="1"/>
             <a:r>
-              <a:t>Feature selection: statistical tests, mutual information</a:t>
+              <a:t>Mean, median, std, variance, RMS, Hjorth parameters</a:t>
+            </a:r>
+          </a:p>
+          <a:p>
+            <a:r>
+              <a:t>Classifier: k-Nearest Neighbors (k-NN)</a:t>
             </a:r>
           </a:p>
           <a:p>
             <a:pPr lvl="1"/>
             <a:r>
-              <a:t>EMG features: muscle activity indicators</a:t>
-            </a:r>
-          </a:p>
-          <a:p>
-            <a:r>
-              <a:t>Classifier: Random Forest</a:t>
+              <a:t>Simple, interpretable baseline</a:t>
+            </a:r>
+          </a:p>
+          <a:p>
+            <a:r>
+              <a:t>Deliverables:</a:t>
             </a:r>
           </a:p>
           <a:p>
             <a:pPr lvl="1"/>
             <a:r>
-              <a:t>Handles non-linear relationships, provides feature importance</a:t>
-            </a:r>
-          </a:p>
-          <a:p>
-            <a:r>
-              <a:t>Deliverables:</a:t>
+              <a:t>Complete data loading pipeline</a:t>
             </a:r>
           </a:p>
           <a:p>
             <a:pPr lvl="1"/>
             <a:r>
-              <a:t>Complete multi-signal processing</a:t>
+              <a:t>Basic preprocessing (filtering, epoching)</a:t>
             </a:r>
           </a:p>
           <a:p>
             <a:pPr lvl="1"/>
             <a:r>
-              <a:t>Intelligent feature selection</a:t>
+              <a:t>Working end-to-end classification</a:t>
             </a:r>
           </a:p>
         </p:txBody>
@@ -25160,13 +25652,13 @@
         <p:spPr/>
         <p:txBody>
           <a:bodyPr>
-            <a:normAutofit fontScale="90000"/>
+            <a:noAutofit/>
           </a:bodyPr>
           <a:lstStyle/>
           <a:p>
             <a:r>
               <a:rPr sz="3200" dirty="0"/>
-              <a:t>Iteration 4: Full System (Dec 18)</a:t>
+              <a:t>Iteration 2: Enhanced Processing (Nov 19)</a:t>
             </a:r>
           </a:p>
         </p:txBody>
@@ -25192,34 +25684,40 @@
           </a:p>
           <a:p>
             <a:r>
-              <a:t>Focus: Optimization and finalization</a:t>
-            </a:r>
-          </a:p>
-          <a:p>
-            <a:r>
-              <a:t>Signals: All available channels optimally combined</a:t>
-            </a:r>
-          </a:p>
-          <a:p>
-            <a:r>
-              <a:t>Features: Optimized feature set</a:t>
+              <a:t>Focus: Add EOG and frequency-domain features</a:t>
+            </a:r>
+          </a:p>
+          <a:p>
+            <a:r>
+              <a:t>Signals: EEG + EOG (eye movement detection)</a:t>
+            </a:r>
+          </a:p>
+          <a:p>
+            <a:r>
+              <a:t>Features: ~31 features (time + frequency domain)</a:t>
             </a:r>
           </a:p>
           <a:p>
             <a:pPr lvl="1"/>
             <a:r>
-              <a:t>Cross-validation for robustness</a:t>
-            </a:r>
-          </a:p>
-          <a:p>
-            <a:r>
-              <a:t>Classifier: Optimized Random Forest</a:t>
+              <a:t>Add frequency features: band powers, spectral entropy</a:t>
             </a:r>
           </a:p>
           <a:p>
             <a:pPr lvl="1"/>
             <a:r>
-              <a:t>Hyperparameter tuning, ensemble methods</a:t>
+              <a:t>EOG-specific: eye movement characteristics</a:t>
+            </a:r>
+          </a:p>
+          <a:p>
+            <a:r>
+              <a:t>Classifier: Support Vector Machine (SVM)</a:t>
+            </a:r>
+          </a:p>
+          <a:p>
+            <a:pPr lvl="1"/>
+            <a:r>
+              <a:t>Better handling of high-dimensional data</a:t>
             </a:r>
           </a:p>
           <a:p>
@@ -25230,19 +25728,13 @@
           <a:p>
             <a:pPr lvl="1"/>
             <a:r>
-              <a:t>Final competition submission</a:t>
+              <a:t>Multi-signal processing capability</a:t>
             </a:r>
           </a:p>
           <a:p>
             <a:pPr lvl="1"/>
             <a:r>
-              <a:t>Complete technical report</a:t>
-            </a:r>
-          </a:p>
-          <a:p>
-            <a:pPr lvl="1"/>
-            <a:r>
-              <a:t>Project documentation and presentation</a:t>
+              <a:t>Frequency-domain feature extraction</a:t>
             </a:r>
           </a:p>
         </p:txBody>
@@ -25285,44 +25777,90 @@
         <p:spPr/>
         <p:txBody>
           <a:bodyPr>
-            <a:normAutofit/>
+            <a:normAutofit fontScale="90000"/>
           </a:bodyPr>
           <a:lstStyle/>
           <a:p>
             <a:r>
               <a:rPr sz="3200" dirty="0"/>
-              <a:t>Project Management:</a:t>
-            </a:r>
-          </a:p>
-          <a:p>
-            <a:r>
-              <a:rPr sz="3200" dirty="0"/>
-              <a:t>Using </a:t>
-            </a:r>
-            <a:r>
-              <a:rPr sz="3200" dirty="0" err="1"/>
-              <a:t>ClickUp</a:t>
-            </a:r>
-            <a:endParaRPr sz="3200" dirty="0"/>
-          </a:p>
-        </p:txBody>
-      </p:sp>
-      <p:sp>
-        <p:nvSpPr>
-          <p:cNvPr id="3" name="Text Placeholder 2"/>
-          <p:cNvSpPr>
-            <a:spLocks noGrp="1"/>
-          </p:cNvSpPr>
-          <p:nvPr>
-            <p:ph type="body" idx="1"/>
+              <a:t>Iteration 3: Multi-Signal (Dec 5)</a:t>
+            </a:r>
+          </a:p>
+        </p:txBody>
+      </p:sp>
+      <p:sp>
+        <p:nvSpPr>
+          <p:cNvPr id="3" name="Content Placeholder 2"/>
+          <p:cNvSpPr>
+            <a:spLocks noGrp="1"/>
+          </p:cNvSpPr>
+          <p:nvPr>
+            <p:ph idx="1"/>
           </p:nvPr>
         </p:nvSpPr>
         <p:spPr/>
         <p:txBody>
-          <a:bodyPr/>
+          <a:bodyPr>
+            <a:noAutofit/>
+          </a:bodyPr>
           <a:lstStyle/>
           <a:p>
             <a:endParaRPr/>
+          </a:p>
+          <a:p>
+            <a:r>
+              <a:t>Focus: Add EMG and implement feature selection</a:t>
+            </a:r>
+          </a:p>
+          <a:p>
+            <a:r>
+              <a:t>Signals: EEG + EOG + EMG (muscle tone)</a:t>
+            </a:r>
+          </a:p>
+          <a:p>
+            <a:r>
+              <a:t>Features: ~30 selected features (down from 50+)</a:t>
+            </a:r>
+          </a:p>
+          <a:p>
+            <a:pPr lvl="1"/>
+            <a:r>
+              <a:t>Feature selection: statistical tests, mutual information</a:t>
+            </a:r>
+          </a:p>
+          <a:p>
+            <a:pPr lvl="1"/>
+            <a:r>
+              <a:t>EMG features: muscle activity indicators</a:t>
+            </a:r>
+          </a:p>
+          <a:p>
+            <a:r>
+              <a:t>Classifier: Random Forest</a:t>
+            </a:r>
+          </a:p>
+          <a:p>
+            <a:pPr lvl="1"/>
+            <a:r>
+              <a:t>Handles non-linear relationships, provides feature importance</a:t>
+            </a:r>
+          </a:p>
+          <a:p>
+            <a:r>
+              <a:t>Deliverables:</a:t>
+            </a:r>
+          </a:p>
+          <a:p>
+            <a:pPr lvl="1"/>
+            <a:r>
+              <a:t>Complete multi-signal processing</a:t>
+            </a:r>
+          </a:p>
+          <a:p>
+            <a:pPr lvl="1"/>
+            <a:r>
+              <a:t>Intelligent feature selection</a:t>
+            </a:r>
           </a:p>
         </p:txBody>
       </p:sp>
@@ -25370,7 +25908,7 @@
           <a:p>
             <a:r>
               <a:rPr sz="3200" dirty="0"/>
-              <a:t>Why Project Management Tools?</a:t>
+              <a:t>Iteration 4: Full System (Dec 18)</a:t>
             </a:r>
           </a:p>
         </p:txBody>
@@ -25392,74 +25930,61 @@
           </a:bodyPr>
           <a:lstStyle/>
           <a:p>
-            <a:endParaRPr dirty="0"/>
-          </a:p>
-          <a:p>
-            <a:r>
-              <a:rPr dirty="0"/>
-              <a:t>Essential for team collaboration and coordination</a:t>
+            <a:endParaRPr/>
+          </a:p>
+          <a:p>
+            <a:r>
+              <a:t>Focus: Optimization and finalization</a:t>
+            </a:r>
+          </a:p>
+          <a:p>
+            <a:r>
+              <a:t>Signals: All available channels optimally combined</a:t>
+            </a:r>
+          </a:p>
+          <a:p>
+            <a:r>
+              <a:t>Features: Optimized feature set</a:t>
             </a:r>
           </a:p>
           <a:p>
             <a:pPr lvl="1"/>
             <a:r>
-              <a:rPr dirty="0"/>
-              <a:t>Track who is doing what and when</a:t>
+              <a:t>Cross-validation for robustness</a:t>
+            </a:r>
+          </a:p>
+          <a:p>
+            <a:r>
+              <a:t>Classifier: Optimized Random Forest</a:t>
             </a:r>
           </a:p>
           <a:p>
             <a:pPr lvl="1"/>
             <a:r>
-              <a:rPr dirty="0"/>
-              <a:t>Visualize progress and identify blockers</a:t>
+              <a:t>Hyperparameter tuning, ensemble methods</a:t>
+            </a:r>
+          </a:p>
+          <a:p>
+            <a:r>
+              <a:t>Deliverables:</a:t>
             </a:r>
           </a:p>
           <a:p>
             <a:pPr lvl="1"/>
             <a:r>
-              <a:rPr dirty="0"/>
-              <a:t>Maintain accountability and transparency</a:t>
-            </a:r>
-          </a:p>
-          <a:p>
-            <a:r>
-              <a:rPr dirty="0"/>
-              <a:t>Professional skill development:</a:t>
+              <a:t>Final competition submission</a:t>
             </a:r>
           </a:p>
           <a:p>
             <a:pPr lvl="1"/>
             <a:r>
-              <a:rPr dirty="0"/>
-              <a:t>Industry standard practice</a:t>
+              <a:t>Complete technical report</a:t>
             </a:r>
           </a:p>
           <a:p>
             <a:pPr lvl="1"/>
             <a:r>
-              <a:rPr dirty="0"/>
-              <a:t>Critical for remote/distributed teams</a:t>
-            </a:r>
-          </a:p>
-          <a:p>
-            <a:r>
-              <a:rPr dirty="0"/>
-              <a:t>Required for assessment (grading checkpoints)</a:t>
-            </a:r>
-          </a:p>
-          <a:p>
-            <a:pPr lvl="1"/>
-            <a:r>
-              <a:rPr dirty="0"/>
-              <a:t>Instructor reviews your </a:t>
-            </a:r>
-            <a:r>
-              <a:rPr dirty="0" err="1"/>
-              <a:t>ClickUp</a:t>
-            </a:r>
-            <a:r>
-              <a:rPr dirty="0"/>
-              <a:t> at each milestone</a:t>
+              <a:t>Project documentation and presentation</a:t>
             </a:r>
           </a:p>
         </p:txBody>
@@ -25502,94 +26027,44 @@
         <p:spPr/>
         <p:txBody>
           <a:bodyPr>
-            <a:normAutofit fontScale="90000"/>
+            <a:normAutofit/>
           </a:bodyPr>
           <a:lstStyle/>
           <a:p>
+            <a:r>
+              <a:rPr sz="3200" dirty="0"/>
+              <a:t>Project Management:</a:t>
+            </a:r>
+          </a:p>
+          <a:p>
+            <a:r>
+              <a:rPr sz="3200" dirty="0"/>
+              <a:t>Using </a:t>
+            </a:r>
             <a:r>
               <a:rPr sz="3200" dirty="0" err="1"/>
               <a:t>ClickUp</a:t>
             </a:r>
-            <a:r>
-              <a:rPr sz="3200" dirty="0"/>
-              <a:t> Setup (Project Manager Task)</a:t>
-            </a:r>
-          </a:p>
-        </p:txBody>
-      </p:sp>
-      <p:sp>
-        <p:nvSpPr>
-          <p:cNvPr id="3" name="Content Placeholder 2"/>
-          <p:cNvSpPr>
-            <a:spLocks noGrp="1"/>
-          </p:cNvSpPr>
-          <p:nvPr>
-            <p:ph idx="1"/>
+            <a:endParaRPr sz="3200" dirty="0"/>
+          </a:p>
+        </p:txBody>
+      </p:sp>
+      <p:sp>
+        <p:nvSpPr>
+          <p:cNvPr id="3" name="Text Placeholder 2"/>
+          <p:cNvSpPr>
+            <a:spLocks noGrp="1"/>
+          </p:cNvSpPr>
+          <p:nvPr>
+            <p:ph type="body" idx="1"/>
           </p:nvPr>
         </p:nvSpPr>
         <p:spPr/>
         <p:txBody>
-          <a:bodyPr>
-            <a:noAutofit/>
-          </a:bodyPr>
+          <a:bodyPr/>
           <a:lstStyle/>
           <a:p>
             <a:endParaRPr/>
-          </a:p>
-          <a:p>
-            <a:r>
-              <a:t>1. Designate one team member as Project Manager</a:t>
-            </a:r>
-          </a:p>
-          <a:p>
-            <a:pPr lvl="1"/>
-            <a:r>
-              <a:t>Role can rotate between iterations</a:t>
-            </a:r>
-          </a:p>
-          <a:p>
-            <a:r>
-              <a:t>2. Create workspace: CM2013_Sleep_Scoring_Group[X]</a:t>
-            </a:r>
-          </a:p>
-          <a:p>
-            <a:r>
-              <a:t>3. Add all team members with edit access</a:t>
-            </a:r>
-          </a:p>
-          <a:p>
-            <a:r>
-              <a:t>4. ⚠️ MANDATORY: Add instructor as viewer</a:t>
-            </a:r>
-          </a:p>
-          <a:p>
-            <a:r>
-              <a:t>5. Create sprint folders:</a:t>
-            </a:r>
-          </a:p>
-          <a:p>
-            <a:pPr lvl="1"/>
-            <a:r>
-              <a:t>Iteration 1: Basic EEG (Due: Oct 31, 2025)</a:t>
-            </a:r>
-          </a:p>
-          <a:p>
-            <a:pPr lvl="1"/>
-            <a:r>
-              <a:t>Iteration 2: EEG+EOG (Due: Nov 19, 2025)</a:t>
-            </a:r>
-          </a:p>
-          <a:p>
-            <a:pPr lvl="1"/>
-            <a:r>
-              <a:t>Iteration 3: EEG+EOG+EMG (Due: Dec 5, 2025)</a:t>
-            </a:r>
-          </a:p>
-          <a:p>
-            <a:pPr lvl="1"/>
-            <a:r>
-              <a:t>Iteration 4: Full System (Due: Dec 18, 2025)</a:t>
-            </a:r>
           </a:p>
         </p:txBody>
       </p:sp>
@@ -25637,13 +26112,8 @@
           <a:p>
             <a:r>
               <a:rPr sz="3200" dirty="0"/>
-              <a:t>Task Organization in </a:t>
-            </a:r>
-            <a:r>
-              <a:rPr sz="3200" dirty="0" err="1"/>
-              <a:t>ClickUp</a:t>
-            </a:r>
-            <a:endParaRPr sz="3200" dirty="0"/>
+              <a:t>Why Project Management Tools?</a:t>
+            </a:r>
           </a:p>
         </p:txBody>
       </p:sp>
@@ -25664,63 +26134,74 @@
           </a:bodyPr>
           <a:lstStyle/>
           <a:p>
-            <a:endParaRPr/>
-          </a:p>
-          <a:p>
-            <a:r>
-              <a:t>Create tags for organization (free version):</a:t>
+            <a:endParaRPr dirty="0"/>
+          </a:p>
+          <a:p>
+            <a:r>
+              <a:rPr dirty="0"/>
+              <a:t>Essential for team collaboration and coordination</a:t>
             </a:r>
           </a:p>
           <a:p>
             <a:pPr lvl="1"/>
             <a:r>
-              <a:t>Priority: 🔴 HIGH, 🟡 MEDIUM, 🟢 LOW</a:t>
+              <a:rPr dirty="0"/>
+              <a:t>Track who is doing what and when</a:t>
             </a:r>
           </a:p>
           <a:p>
             <a:pPr lvl="1"/>
             <a:r>
-              <a:t>Signals: #EEG, #EOG, #EMG</a:t>
+              <a:rPr dirty="0"/>
+              <a:t>Visualize progress and identify blockers</a:t>
             </a:r>
           </a:p>
           <a:p>
             <a:pPr lvl="1"/>
             <a:r>
-              <a:t>Components: #preprocessing, #features, #classification</a:t>
+              <a:rPr dirty="0"/>
+              <a:t>Maintain accountability and transparency</a:t>
+            </a:r>
+          </a:p>
+          <a:p>
+            <a:r>
+              <a:rPr dirty="0"/>
+              <a:t>Professional skill development:</a:t>
             </a:r>
           </a:p>
           <a:p>
             <a:pPr lvl="1"/>
             <a:r>
-              <a:t>Status: #BLOCKED, #NEEDS-REVIEW, #BUG</a:t>
-            </a:r>
-          </a:p>
-          <a:p>
-            <a:r>
-              <a:t>Task workflow:</a:t>
+              <a:rPr dirty="0"/>
+              <a:t>Industry standard practice</a:t>
             </a:r>
           </a:p>
           <a:p>
             <a:pPr lvl="1"/>
             <a:r>
-              <a:t>To Do → In Progress → Review → Testing → Complete</a:t>
-            </a:r>
-          </a:p>
-          <a:p>
-            <a:r>
-              <a:t>Each task must have:</a:t>
+              <a:rPr dirty="0"/>
+              <a:t>Critical for remote/distributed teams</a:t>
+            </a:r>
+          </a:p>
+          <a:p>
+            <a:r>
+              <a:rPr dirty="0"/>
+              <a:t>Required for assessment (grading checkpoints)</a:t>
             </a:r>
           </a:p>
           <a:p>
             <a:pPr lvl="1"/>
             <a:r>
-              <a:t>Clear title: [Component] Specific action</a:t>
-            </a:r>
-          </a:p>
-          <a:p>
-            <a:pPr lvl="1"/>
-            <a:r>
-              <a:t>Assignee, due date, priority, description</a:t>
+              <a:rPr dirty="0"/>
+              <a:t>Instructor reviews your </a:t>
+            </a:r>
+            <a:r>
+              <a:rPr dirty="0" err="1"/>
+              <a:t>ClickUp</a:t>
+            </a:r>
+            <a:r>
+              <a:rPr dirty="0"/>
+              <a:t> at each milestone</a:t>
             </a:r>
           </a:p>
         </p:txBody>
@@ -25768,16 +26249,12 @@
           <a:lstStyle/>
           <a:p>
             <a:r>
-              <a:rPr sz="3200" dirty="0"/>
-              <a:t>Daily Standups (via </a:t>
-            </a:r>
-            <a:r>
               <a:rPr sz="3200" dirty="0" err="1"/>
               <a:t>ClickUp</a:t>
             </a:r>
             <a:r>
               <a:rPr sz="3200" dirty="0"/>
-              <a:t>)</a:t>
+              <a:t> Setup (Project Manager Task)</a:t>
             </a:r>
           </a:p>
         </p:txBody>
@@ -25803,65 +26280,57 @@
           </a:p>
           <a:p>
             <a:r>
-              <a:t>Each team member posts daily update as task comment:</a:t>
-            </a:r>
-          </a:p>
-          <a:p>
-            <a:endParaRPr/>
-          </a:p>
-          <a:p>
-            <a:r>
-              <a:t>Format:</a:t>
+              <a:t>1. Designate one team member as Project Manager</a:t>
             </a:r>
           </a:p>
           <a:p>
             <a:pPr lvl="1"/>
             <a:r>
-              <a:t>"Today: [what I did]</a:t>
+              <a:t>Role can rotate between iterations</a:t>
+            </a:r>
+          </a:p>
+          <a:p>
+            <a:r>
+              <a:t>2. Create workspace: CM2013_Sleep_Scoring_Group[X]</a:t>
+            </a:r>
+          </a:p>
+          <a:p>
+            <a:r>
+              <a:t>3. Add all team members with edit access</a:t>
+            </a:r>
+          </a:p>
+          <a:p>
+            <a:r>
+              <a:t>4. ⚠️ MANDATORY: Add instructor as viewer</a:t>
+            </a:r>
+          </a:p>
+          <a:p>
+            <a:r>
+              <a:t>5. Create sprint folders:</a:t>
             </a:r>
           </a:p>
           <a:p>
             <a:pPr lvl="1"/>
             <a:r>
-              <a:t>Tomorrow: [what I'll do]</a:t>
+              <a:t>Iteration 1: Basic EEG (Due: Oct 31, 2025)</a:t>
             </a:r>
           </a:p>
           <a:p>
             <a:pPr lvl="1"/>
             <a:r>
-              <a:t>Blockers: [any issues]"</a:t>
-            </a:r>
-          </a:p>
-          <a:p>
-            <a:endParaRPr/>
-          </a:p>
-          <a:p>
-            <a:r>
-              <a:t>Benefits:</a:t>
+              <a:t>Iteration 2: EEG+EOG (Due: Nov 19, 2025)</a:t>
             </a:r>
           </a:p>
           <a:p>
             <a:pPr lvl="1"/>
             <a:r>
-              <a:t>Keep everyone informed without meetings</a:t>
+              <a:t>Iteration 3: EEG+EOG+EMG (Due: Dec 5, 2025)</a:t>
             </a:r>
           </a:p>
           <a:p>
             <a:pPr lvl="1"/>
             <a:r>
-              <a:t>Identify problems early</a:t>
-            </a:r>
-          </a:p>
-          <a:p>
-            <a:pPr lvl="1"/>
-            <a:r>
-              <a:t>Build accountability and momentum</a:t>
-            </a:r>
-          </a:p>
-          <a:p>
-            <a:pPr lvl="1"/>
-            <a:r>
-              <a:t>Tag PM if blocked: @mention</a:t>
+              <a:t>Iteration 4: Full System (Due: Dec 18, 2025)</a:t>
             </a:r>
           </a:p>
         </p:txBody>
@@ -25965,13 +26434,29 @@
           <a:p>
             <a:r>
               <a:rPr dirty="0"/>
-              <a:t>Duration: 10 weeks with 4 iterations</a:t>
-            </a:r>
-          </a:p>
-          <a:p>
+              <a:t>Duration: 10</a:t>
+            </a:r>
+            <a:r>
+              <a:rPr lang="sv-SE" dirty="0"/>
+              <a:t>-12</a:t>
+            </a:r>
             <a:r>
               <a:rPr dirty="0"/>
-              <a:t>Team-based development (3 members per group)</a:t>
+              <a:t> weeks with 4 iterations</a:t>
+            </a:r>
+          </a:p>
+          <a:p>
+            <a:r>
+              <a:rPr dirty="0"/>
+              <a:t>Team-based development (3</a:t>
+            </a:r>
+            <a:r>
+              <a:rPr lang="sv-SE" dirty="0"/>
+              <a:t>-4</a:t>
+            </a:r>
+            <a:r>
+              <a:rPr dirty="0"/>
+              <a:t> members per group)</a:t>
             </a:r>
           </a:p>
           <a:p>
@@ -26000,9 +26485,72 @@
               <a:rPr dirty="0"/>
               <a:t>Project management documentation</a:t>
             </a:r>
-          </a:p>
-        </p:txBody>
-      </p:sp>
+            <a:endParaRPr lang="en-SE" dirty="0"/>
+          </a:p>
+          <a:p>
+            <a:pPr marL="457200" lvl="1" indent="0">
+              <a:buNone/>
+            </a:pPr>
+            <a:endParaRPr lang="en-SE" dirty="0"/>
+          </a:p>
+          <a:p>
+            <a:pPr marL="457200" lvl="1" indent="0">
+              <a:buNone/>
+            </a:pPr>
+            <a:r>
+              <a:rPr lang="en-GB" dirty="0"/>
+              <a:t>https://</a:t>
+            </a:r>
+            <a:r>
+              <a:rPr lang="en-GB" dirty="0" err="1"/>
+              <a:t>github.com</a:t>
+            </a:r>
+            <a:r>
+              <a:rPr lang="en-GB" dirty="0"/>
+              <a:t>/</a:t>
+            </a:r>
+            <a:r>
+              <a:rPr lang="en-GB" dirty="0" err="1"/>
+              <a:t>farhad-abtahi</a:t>
+            </a:r>
+            <a:r>
+              <a:rPr lang="en-GB" dirty="0"/>
+              <a:t>/CM2013</a:t>
+            </a:r>
+            <a:endParaRPr lang="en-SE" dirty="0"/>
+          </a:p>
+        </p:txBody>
+      </p:sp>
+      <p:pic>
+        <p:nvPicPr>
+          <p:cNvPr id="5" name="Picture 4">
+            <a:extLst>
+              <a:ext uri="{FF2B5EF4-FFF2-40B4-BE49-F238E27FC236}">
+                <a16:creationId xmlns:a16="http://schemas.microsoft.com/office/drawing/2014/main" id="{5FA55993-8453-DED4-8EBE-11A8C8E9FF9C}"/>
+              </a:ext>
+            </a:extLst>
+          </p:cNvPr>
+          <p:cNvPicPr>
+            <a:picLocks noChangeAspect="1"/>
+          </p:cNvPicPr>
+          <p:nvPr/>
+        </p:nvPicPr>
+        <p:blipFill>
+          <a:blip r:embed="rId2"/>
+          <a:stretch>
+            <a:fillRect/>
+          </a:stretch>
+        </p:blipFill>
+        <p:spPr>
+          <a:xfrm>
+            <a:off x="8416635" y="2549664"/>
+            <a:ext cx="2828637" cy="2828637"/>
+          </a:xfrm>
+          <a:prstGeom prst="rect">
+            <a:avLst/>
+          </a:prstGeom>
+        </p:spPr>
+      </p:pic>
     </p:spTree>
   </p:cSld>
   <p:clrMapOvr>
@@ -26046,13 +26594,14 @@
           <a:lstStyle/>
           <a:p>
             <a:r>
+              <a:rPr sz="3200" dirty="0"/>
+              <a:t>Task Organization in </a:t>
+            </a:r>
+            <a:r>
               <a:rPr sz="3200" dirty="0" err="1"/>
               <a:t>ClickUp</a:t>
             </a:r>
-            <a:r>
-              <a:rPr sz="3200" dirty="0"/>
-              <a:t> Grading Checkpoints</a:t>
-            </a:r>
+            <a:endParaRPr sz="3200" dirty="0"/>
           </a:p>
         </p:txBody>
       </p:sp>
@@ -26077,62 +26626,59 @@
           </a:p>
           <a:p>
             <a:r>
-              <a:t>Instructor will review your ClickUp at:</a:t>
-            </a:r>
-          </a:p>
-          <a:p>
-            <a:endParaRPr/>
-          </a:p>
-          <a:p>
-            <a:r>
-              <a:t>✓ October 31, 2025 - Iteration 1 complete</a:t>
-            </a:r>
-          </a:p>
-          <a:p>
-            <a:r>
-              <a:t>✓ November 19, 2025 - Iteration 2 complete</a:t>
-            </a:r>
-          </a:p>
-          <a:p>
-            <a:r>
-              <a:t>✓ December 5, 2025 - Iteration 3 complete</a:t>
-            </a:r>
-          </a:p>
-          <a:p>
-            <a:r>
-              <a:t>✓ December 18, 2025 - Final delivery</a:t>
-            </a:r>
-          </a:p>
-          <a:p>
-            <a:endParaRPr/>
-          </a:p>
-          <a:p>
-            <a:r>
-              <a:t>What is evaluated:</a:t>
+              <a:t>Create tags for organization (free version):</a:t>
             </a:r>
           </a:p>
           <a:p>
             <a:pPr lvl="1"/>
             <a:r>
-              <a:t>Task organization and clarity</a:t>
+              <a:t>Priority: 🔴 HIGH, 🟡 MEDIUM, 🟢 LOW</a:t>
             </a:r>
           </a:p>
           <a:p>
             <a:pPr lvl="1"/>
             <a:r>
-              <a:t>Regular updates and progress</a:t>
+              <a:t>Signals: #EEG, #EOG, #EMG</a:t>
             </a:r>
           </a:p>
           <a:p>
             <a:pPr lvl="1"/>
             <a:r>
-              <a:t>Team communication and collaboration</a:t>
+              <a:t>Components: #preprocessing, #features, #classification</a:t>
             </a:r>
           </a:p>
           <a:p>
             <a:pPr lvl="1"/>
             <a:r>
-              <a:t>Problem-solving and adaptability</a:t>
+              <a:t>Status: #BLOCKED, #NEEDS-REVIEW, #BUG</a:t>
+            </a:r>
+          </a:p>
+          <a:p>
+            <a:r>
+              <a:t>Task workflow:</a:t>
+            </a:r>
+          </a:p>
+          <a:p>
+            <a:pPr lvl="1"/>
+            <a:r>
+              <a:t>To Do → In Progress → Review → Testing → Complete</a:t>
+            </a:r>
+          </a:p>
+          <a:p>
+            <a:r>
+              <a:t>Each task must have:</a:t>
+            </a:r>
+          </a:p>
+          <a:p>
+            <a:pPr lvl="1"/>
+            <a:r>
+              <a:t>Clear title: [Component] Specific action</a:t>
+            </a:r>
+          </a:p>
+          <a:p>
+            <a:pPr lvl="1"/>
+            <a:r>
+              <a:t>Assignee, due date, priority, description</a:t>
             </a:r>
           </a:p>
         </p:txBody>
@@ -26175,39 +26721,106 @@
         <p:spPr/>
         <p:txBody>
           <a:bodyPr>
-            <a:normAutofit/>
+            <a:normAutofit fontScale="90000"/>
           </a:bodyPr>
           <a:lstStyle/>
           <a:p>
             <a:r>
               <a:rPr sz="3200" dirty="0"/>
-              <a:t>Python Jumpstart:</a:t>
-            </a:r>
-          </a:p>
-          <a:p>
+              <a:t>Daily Standups (via </a:t>
+            </a:r>
+            <a:r>
+              <a:rPr sz="3200" dirty="0" err="1"/>
+              <a:t>ClickUp</a:t>
+            </a:r>
             <a:r>
               <a:rPr sz="3200" dirty="0"/>
-              <a:t>Project Structure &amp; Usage</a:t>
-            </a:r>
-          </a:p>
-        </p:txBody>
-      </p:sp>
-      <p:sp>
-        <p:nvSpPr>
-          <p:cNvPr id="3" name="Text Placeholder 2"/>
-          <p:cNvSpPr>
-            <a:spLocks noGrp="1"/>
-          </p:cNvSpPr>
-          <p:nvPr>
-            <p:ph type="body" idx="1"/>
+              <a:t>)</a:t>
+            </a:r>
+          </a:p>
+        </p:txBody>
+      </p:sp>
+      <p:sp>
+        <p:nvSpPr>
+          <p:cNvPr id="3" name="Content Placeholder 2"/>
+          <p:cNvSpPr>
+            <a:spLocks noGrp="1"/>
+          </p:cNvSpPr>
+          <p:nvPr>
+            <p:ph idx="1"/>
           </p:nvPr>
         </p:nvSpPr>
         <p:spPr/>
         <p:txBody>
-          <a:bodyPr/>
+          <a:bodyPr>
+            <a:noAutofit/>
+          </a:bodyPr>
           <a:lstStyle/>
           <a:p>
             <a:endParaRPr/>
+          </a:p>
+          <a:p>
+            <a:r>
+              <a:t>Each team member posts daily update as task comment:</a:t>
+            </a:r>
+          </a:p>
+          <a:p>
+            <a:endParaRPr/>
+          </a:p>
+          <a:p>
+            <a:r>
+              <a:t>Format:</a:t>
+            </a:r>
+          </a:p>
+          <a:p>
+            <a:pPr lvl="1"/>
+            <a:r>
+              <a:t>"Today: [what I did]</a:t>
+            </a:r>
+          </a:p>
+          <a:p>
+            <a:pPr lvl="1"/>
+            <a:r>
+              <a:t>Tomorrow: [what I'll do]</a:t>
+            </a:r>
+          </a:p>
+          <a:p>
+            <a:pPr lvl="1"/>
+            <a:r>
+              <a:t>Blockers: [any issues]"</a:t>
+            </a:r>
+          </a:p>
+          <a:p>
+            <a:endParaRPr/>
+          </a:p>
+          <a:p>
+            <a:r>
+              <a:t>Benefits:</a:t>
+            </a:r>
+          </a:p>
+          <a:p>
+            <a:pPr lvl="1"/>
+            <a:r>
+              <a:t>Keep everyone informed without meetings</a:t>
+            </a:r>
+          </a:p>
+          <a:p>
+            <a:pPr lvl="1"/>
+            <a:r>
+              <a:t>Identify problems early</a:t>
+            </a:r>
+          </a:p>
+          <a:p>
+            <a:pPr lvl="1"/>
+            <a:r>
+              <a:t>Build accountability and momentum</a:t>
+            </a:r>
+          </a:p>
+          <a:p>
+            <a:pPr lvl="1"/>
+            <a:r>
+              <a:t>Tag PM if blocked: @mention</a:t>
+            </a:r>
           </a:p>
         </p:txBody>
       </p:sp>
@@ -26254,8 +26867,12 @@
           <a:lstStyle/>
           <a:p>
             <a:r>
+              <a:rPr sz="3200" dirty="0" err="1"/>
+              <a:t>ClickUp</a:t>
+            </a:r>
+            <a:r>
               <a:rPr sz="3200" dirty="0"/>
-              <a:t>Python Jumpstart: What's Provided</a:t>
+              <a:t> Grading Checkpoints</a:t>
             </a:r>
           </a:p>
         </p:txBody>
@@ -26281,7 +26898,7 @@
           </a:p>
           <a:p>
             <a:r>
-              <a:t>⚠️ Structure and examples ONLY - not complete solution!</a:t>
+              <a:t>Instructor will review your ClickUp at:</a:t>
             </a:r>
           </a:p>
           <a:p>
@@ -26289,55 +26906,54 @@
           </a:p>
           <a:p>
             <a:r>
-              <a:t>Provided:</a:t>
+              <a:t>✓ October 31, 2025 - Iteration 1 complete</a:t>
+            </a:r>
+          </a:p>
+          <a:p>
+            <a:r>
+              <a:t>✓ November 19, 2025 - Iteration 2 complete</a:t>
+            </a:r>
+          </a:p>
+          <a:p>
+            <a:r>
+              <a:t>✓ December 5, 2025 - Iteration 3 complete</a:t>
+            </a:r>
+          </a:p>
+          <a:p>
+            <a:r>
+              <a:t>✓ December 18, 2025 - Final delivery</a:t>
+            </a:r>
+          </a:p>
+          <a:p>
+            <a:endParaRPr/>
+          </a:p>
+          <a:p>
+            <a:r>
+              <a:t>What is evaluated:</a:t>
             </a:r>
           </a:p>
           <a:p>
             <a:pPr lvl="1"/>
             <a:r>
-              <a:t>Modular project structure (src/ directory)</a:t>
+              <a:t>Task organization and clarity</a:t>
             </a:r>
           </a:p>
           <a:p>
             <a:pPr lvl="1"/>
             <a:r>
-              <a:t>Configuration system (config.py)</a:t>
+              <a:t>Regular updates and progress</a:t>
             </a:r>
           </a:p>
           <a:p>
             <a:pPr lvl="1"/>
             <a:r>
-              <a:t>Basic filter example (lowpass at 40Hz)</a:t>
+              <a:t>Team communication and collaboration</a:t>
             </a:r>
           </a:p>
           <a:p>
             <a:pPr lvl="1"/>
             <a:r>
-              <a:t>3 simple features (mean, median, std)</a:t>
-            </a:r>
-          </a:p>
-          <a:p>
-            <a:pPr lvl="1"/>
-            <a:r>
-              <a:t>Basic k-NN classifier with train/test split</a:t>
-            </a:r>
-          </a:p>
-          <a:p>
-            <a:pPr lvl="1"/>
-            <a:r>
-              <a:t>Caching system for efficiency</a:t>
-            </a:r>
-          </a:p>
-          <a:p>
-            <a:pPr lvl="1"/>
-            <a:r>
-              <a:t>Testing framework (pytest)</a:t>
-            </a:r>
-          </a:p>
-          <a:p>
-            <a:pPr lvl="1"/>
-            <a:r>
-              <a:t>Google Colab notebook</a:t>
+              <a:t>Problem-solving and adaptability</a:t>
             </a:r>
           </a:p>
         </p:txBody>
@@ -26380,112 +26996,39 @@
         <p:spPr/>
         <p:txBody>
           <a:bodyPr>
-            <a:normAutofit fontScale="90000"/>
+            <a:normAutofit/>
           </a:bodyPr>
           <a:lstStyle/>
           <a:p>
             <a:r>
               <a:rPr sz="3200" dirty="0"/>
-              <a:t>Python Project Structure</a:t>
-            </a:r>
-          </a:p>
-        </p:txBody>
-      </p:sp>
-      <p:sp>
-        <p:nvSpPr>
-          <p:cNvPr id="3" name="Content Placeholder 2"/>
-          <p:cNvSpPr>
-            <a:spLocks noGrp="1"/>
-          </p:cNvSpPr>
-          <p:nvPr>
-            <p:ph idx="1"/>
+              <a:t>Python Jumpstart:</a:t>
+            </a:r>
+          </a:p>
+          <a:p>
+            <a:r>
+              <a:rPr sz="3200" dirty="0"/>
+              <a:t>Project Structure &amp; Usage</a:t>
+            </a:r>
+          </a:p>
+        </p:txBody>
+      </p:sp>
+      <p:sp>
+        <p:nvSpPr>
+          <p:cNvPr id="3" name="Text Placeholder 2"/>
+          <p:cNvSpPr>
+            <a:spLocks noGrp="1"/>
+          </p:cNvSpPr>
+          <p:nvPr>
+            <p:ph type="body" idx="1"/>
           </p:nvPr>
         </p:nvSpPr>
         <p:spPr/>
         <p:txBody>
-          <a:bodyPr>
-            <a:noAutofit/>
-          </a:bodyPr>
+          <a:bodyPr/>
           <a:lstStyle/>
           <a:p>
             <a:endParaRPr/>
-          </a:p>
-          <a:p>
-            <a:r>
-              <a:t>Python/</a:t>
-            </a:r>
-          </a:p>
-          <a:p>
-            <a:pPr lvl="1"/>
-            <a:r>
-              <a:t>src/ - Core modules:</a:t>
-            </a:r>
-          </a:p>
-          <a:p>
-            <a:pPr lvl="2"/>
-            <a:r>
-              <a:t>data_loader.py - Load EDF/XML files</a:t>
-            </a:r>
-          </a:p>
-          <a:p>
-            <a:pPr lvl="2"/>
-            <a:r>
-              <a:t>preprocessing.py - Signal filtering</a:t>
-            </a:r>
-          </a:p>
-          <a:p>
-            <a:pPr lvl="2"/>
-            <a:r>
-              <a:t>feature_extraction.py - Extract features</a:t>
-            </a:r>
-          </a:p>
-          <a:p>
-            <a:pPr lvl="2"/>
-            <a:r>
-              <a:t>feature_selection.py - Select best features</a:t>
-            </a:r>
-          </a:p>
-          <a:p>
-            <a:pPr lvl="2"/>
-            <a:r>
-              <a:t>classification.py - ML classifiers</a:t>
-            </a:r>
-          </a:p>
-          <a:p>
-            <a:pPr lvl="2"/>
-            <a:r>
-              <a:t>visualization.py - Plot results</a:t>
-            </a:r>
-          </a:p>
-          <a:p>
-            <a:pPr lvl="2"/>
-            <a:r>
-              <a:t>report.py - Generate reports</a:t>
-            </a:r>
-          </a:p>
-          <a:p>
-            <a:pPr lvl="1"/>
-            <a:r>
-              <a:t>main.py - Training pipeline orchestration</a:t>
-            </a:r>
-          </a:p>
-          <a:p>
-            <a:pPr lvl="1"/>
-            <a:r>
-              <a:t>run_inference.py - Generate predictions</a:t>
-            </a:r>
-          </a:p>
-          <a:p>
-            <a:pPr lvl="1"/>
-            <a:r>
-              <a:t>config.py - Central configuration</a:t>
-            </a:r>
-          </a:p>
-          <a:p>
-            <a:pPr lvl="1"/>
-            <a:r>
-              <a:t>colab_notebook.ipynb - Run in Google Colab</a:t>
-            </a:r>
           </a:p>
         </p:txBody>
       </p:sp>
@@ -26498,6 +27041,284 @@
 </file>
 
 <file path=ppt/slides/slide24.xml><?xml version="1.0" encoding="utf-8"?>
+<p:sld xmlns:a="http://schemas.openxmlformats.org/drawingml/2006/main" xmlns:r="http://schemas.openxmlformats.org/officeDocument/2006/relationships" xmlns:p="http://schemas.openxmlformats.org/presentationml/2006/main">
+  <p:cSld>
+    <p:spTree>
+      <p:nvGrpSpPr>
+        <p:cNvPr id="1" name=""/>
+        <p:cNvGrpSpPr/>
+        <p:nvPr/>
+      </p:nvGrpSpPr>
+      <p:grpSpPr>
+        <a:xfrm>
+          <a:off x="0" y="0"/>
+          <a:ext cx="0" cy="0"/>
+          <a:chOff x="0" y="0"/>
+          <a:chExt cx="0" cy="0"/>
+        </a:xfrm>
+      </p:grpSpPr>
+      <p:sp>
+        <p:nvSpPr>
+          <p:cNvPr id="2" name="Title 1"/>
+          <p:cNvSpPr>
+            <a:spLocks noGrp="1"/>
+          </p:cNvSpPr>
+          <p:nvPr>
+            <p:ph type="title"/>
+          </p:nvPr>
+        </p:nvSpPr>
+        <p:spPr/>
+        <p:txBody>
+          <a:bodyPr>
+            <a:normAutofit fontScale="90000"/>
+          </a:bodyPr>
+          <a:lstStyle/>
+          <a:p>
+            <a:r>
+              <a:rPr sz="3200" dirty="0"/>
+              <a:t>Python Jumpstart: What's Provided</a:t>
+            </a:r>
+          </a:p>
+        </p:txBody>
+      </p:sp>
+      <p:sp>
+        <p:nvSpPr>
+          <p:cNvPr id="3" name="Content Placeholder 2"/>
+          <p:cNvSpPr>
+            <a:spLocks noGrp="1"/>
+          </p:cNvSpPr>
+          <p:nvPr>
+            <p:ph idx="1"/>
+          </p:nvPr>
+        </p:nvSpPr>
+        <p:spPr/>
+        <p:txBody>
+          <a:bodyPr>
+            <a:noAutofit/>
+          </a:bodyPr>
+          <a:lstStyle/>
+          <a:p>
+            <a:endParaRPr/>
+          </a:p>
+          <a:p>
+            <a:r>
+              <a:t>⚠️ Structure and examples ONLY - not complete solution!</a:t>
+            </a:r>
+          </a:p>
+          <a:p>
+            <a:endParaRPr/>
+          </a:p>
+          <a:p>
+            <a:r>
+              <a:t>Provided:</a:t>
+            </a:r>
+          </a:p>
+          <a:p>
+            <a:pPr lvl="1"/>
+            <a:r>
+              <a:t>Modular project structure (src/ directory)</a:t>
+            </a:r>
+          </a:p>
+          <a:p>
+            <a:pPr lvl="1"/>
+            <a:r>
+              <a:t>Configuration system (config.py)</a:t>
+            </a:r>
+          </a:p>
+          <a:p>
+            <a:pPr lvl="1"/>
+            <a:r>
+              <a:t>Basic filter example (lowpass at 40Hz)</a:t>
+            </a:r>
+          </a:p>
+          <a:p>
+            <a:pPr lvl="1"/>
+            <a:r>
+              <a:t>3 simple features (mean, median, std)</a:t>
+            </a:r>
+          </a:p>
+          <a:p>
+            <a:pPr lvl="1"/>
+            <a:r>
+              <a:t>Basic k-NN classifier with train/test split</a:t>
+            </a:r>
+          </a:p>
+          <a:p>
+            <a:pPr lvl="1"/>
+            <a:r>
+              <a:t>Caching system for efficiency</a:t>
+            </a:r>
+          </a:p>
+          <a:p>
+            <a:pPr lvl="1"/>
+            <a:r>
+              <a:t>Testing framework (pytest)</a:t>
+            </a:r>
+          </a:p>
+          <a:p>
+            <a:pPr lvl="1"/>
+            <a:r>
+              <a:t>Google Colab notebook</a:t>
+            </a:r>
+          </a:p>
+        </p:txBody>
+      </p:sp>
+    </p:spTree>
+  </p:cSld>
+  <p:clrMapOvr>
+    <a:masterClrMapping/>
+  </p:clrMapOvr>
+</p:sld>
+</file>
+
+<file path=ppt/slides/slide25.xml><?xml version="1.0" encoding="utf-8"?>
+<p:sld xmlns:a="http://schemas.openxmlformats.org/drawingml/2006/main" xmlns:r="http://schemas.openxmlformats.org/officeDocument/2006/relationships" xmlns:p="http://schemas.openxmlformats.org/presentationml/2006/main">
+  <p:cSld>
+    <p:spTree>
+      <p:nvGrpSpPr>
+        <p:cNvPr id="1" name=""/>
+        <p:cNvGrpSpPr/>
+        <p:nvPr/>
+      </p:nvGrpSpPr>
+      <p:grpSpPr>
+        <a:xfrm>
+          <a:off x="0" y="0"/>
+          <a:ext cx="0" cy="0"/>
+          <a:chOff x="0" y="0"/>
+          <a:chExt cx="0" cy="0"/>
+        </a:xfrm>
+      </p:grpSpPr>
+      <p:sp>
+        <p:nvSpPr>
+          <p:cNvPr id="2" name="Title 1"/>
+          <p:cNvSpPr>
+            <a:spLocks noGrp="1"/>
+          </p:cNvSpPr>
+          <p:nvPr>
+            <p:ph type="title"/>
+          </p:nvPr>
+        </p:nvSpPr>
+        <p:spPr/>
+        <p:txBody>
+          <a:bodyPr>
+            <a:normAutofit fontScale="90000"/>
+          </a:bodyPr>
+          <a:lstStyle/>
+          <a:p>
+            <a:r>
+              <a:rPr sz="3200" dirty="0"/>
+              <a:t>Python Project Structure</a:t>
+            </a:r>
+          </a:p>
+        </p:txBody>
+      </p:sp>
+      <p:sp>
+        <p:nvSpPr>
+          <p:cNvPr id="3" name="Content Placeholder 2"/>
+          <p:cNvSpPr>
+            <a:spLocks noGrp="1"/>
+          </p:cNvSpPr>
+          <p:nvPr>
+            <p:ph idx="1"/>
+          </p:nvPr>
+        </p:nvSpPr>
+        <p:spPr/>
+        <p:txBody>
+          <a:bodyPr>
+            <a:noAutofit/>
+          </a:bodyPr>
+          <a:lstStyle/>
+          <a:p>
+            <a:endParaRPr/>
+          </a:p>
+          <a:p>
+            <a:r>
+              <a:t>Python/</a:t>
+            </a:r>
+          </a:p>
+          <a:p>
+            <a:pPr lvl="1"/>
+            <a:r>
+              <a:t>src/ - Core modules:</a:t>
+            </a:r>
+          </a:p>
+          <a:p>
+            <a:pPr lvl="2"/>
+            <a:r>
+              <a:t>data_loader.py - Load EDF/XML files</a:t>
+            </a:r>
+          </a:p>
+          <a:p>
+            <a:pPr lvl="2"/>
+            <a:r>
+              <a:t>preprocessing.py - Signal filtering</a:t>
+            </a:r>
+          </a:p>
+          <a:p>
+            <a:pPr lvl="2"/>
+            <a:r>
+              <a:t>feature_extraction.py - Extract features</a:t>
+            </a:r>
+          </a:p>
+          <a:p>
+            <a:pPr lvl="2"/>
+            <a:r>
+              <a:t>feature_selection.py - Select best features</a:t>
+            </a:r>
+          </a:p>
+          <a:p>
+            <a:pPr lvl="2"/>
+            <a:r>
+              <a:t>classification.py - ML classifiers</a:t>
+            </a:r>
+          </a:p>
+          <a:p>
+            <a:pPr lvl="2"/>
+            <a:r>
+              <a:t>visualization.py - Plot results</a:t>
+            </a:r>
+          </a:p>
+          <a:p>
+            <a:pPr lvl="2"/>
+            <a:r>
+              <a:t>report.py - Generate reports</a:t>
+            </a:r>
+          </a:p>
+          <a:p>
+            <a:pPr lvl="1"/>
+            <a:r>
+              <a:t>main.py - Training pipeline orchestration</a:t>
+            </a:r>
+          </a:p>
+          <a:p>
+            <a:pPr lvl="1"/>
+            <a:r>
+              <a:t>run_inference.py - Generate predictions</a:t>
+            </a:r>
+          </a:p>
+          <a:p>
+            <a:pPr lvl="1"/>
+            <a:r>
+              <a:t>config.py - Central configuration</a:t>
+            </a:r>
+          </a:p>
+          <a:p>
+            <a:pPr lvl="1"/>
+            <a:r>
+              <a:t>colab_notebook.ipynb - Run in Google Colab</a:t>
+            </a:r>
+          </a:p>
+        </p:txBody>
+      </p:sp>
+    </p:spTree>
+  </p:cSld>
+  <p:clrMapOvr>
+    <a:masterClrMapping/>
+  </p:clrMapOvr>
+</p:sld>
+</file>
+
+<file path=ppt/slides/slide26.xml><?xml version="1.0" encoding="utf-8"?>
 <p:sld xmlns:a="http://schemas.openxmlformats.org/drawingml/2006/main" xmlns:r="http://schemas.openxmlformats.org/officeDocument/2006/relationships" xmlns:p="http://schemas.openxmlformats.org/presentationml/2006/main">
   <p:cSld>
     <p:spTree>
@@ -27156,268 +27977,6 @@
 </p:sld>
 </file>
 
-<file path=ppt/slides/slide25.xml><?xml version="1.0" encoding="utf-8"?>
-<p:sld xmlns:a="http://schemas.openxmlformats.org/drawingml/2006/main" xmlns:r="http://schemas.openxmlformats.org/officeDocument/2006/relationships" xmlns:p="http://schemas.openxmlformats.org/presentationml/2006/main">
-  <p:cSld>
-    <p:spTree>
-      <p:nvGrpSpPr>
-        <p:cNvPr id="1" name=""/>
-        <p:cNvGrpSpPr/>
-        <p:nvPr/>
-      </p:nvGrpSpPr>
-      <p:grpSpPr>
-        <a:xfrm>
-          <a:off x="0" y="0"/>
-          <a:ext cx="0" cy="0"/>
-          <a:chOff x="0" y="0"/>
-          <a:chExt cx="0" cy="0"/>
-        </a:xfrm>
-      </p:grpSpPr>
-      <p:sp>
-        <p:nvSpPr>
-          <p:cNvPr id="2" name="Title 1"/>
-          <p:cNvSpPr>
-            <a:spLocks noGrp="1"/>
-          </p:cNvSpPr>
-          <p:nvPr>
-            <p:ph type="title"/>
-          </p:nvPr>
-        </p:nvSpPr>
-        <p:spPr/>
-        <p:txBody>
-          <a:bodyPr>
-            <a:normAutofit fontScale="90000"/>
-          </a:bodyPr>
-          <a:lstStyle/>
-          <a:p>
-            <a:r>
-              <a:rPr sz="3200" dirty="0"/>
-              <a:t>Configuration System (config.py)</a:t>
-            </a:r>
-          </a:p>
-        </p:txBody>
-      </p:sp>
-      <p:sp>
-        <p:nvSpPr>
-          <p:cNvPr id="3" name="Content Placeholder 2"/>
-          <p:cNvSpPr>
-            <a:spLocks noGrp="1"/>
-          </p:cNvSpPr>
-          <p:nvPr>
-            <p:ph idx="1"/>
-          </p:nvPr>
-        </p:nvSpPr>
-        <p:spPr/>
-        <p:txBody>
-          <a:bodyPr>
-            <a:noAutofit/>
-          </a:bodyPr>
-          <a:lstStyle/>
-          <a:p>
-            <a:endParaRPr/>
-          </a:p>
-          <a:p>
-            <a:r>
-              <a:t>Central control for the entire pipeline</a:t>
-            </a:r>
-          </a:p>
-          <a:p>
-            <a:endParaRPr/>
-          </a:p>
-          <a:p>
-            <a:r>
-              <a:t>Key settings:</a:t>
-            </a:r>
-          </a:p>
-          <a:p>
-            <a:pPr lvl="1"/>
-            <a:r>
-              <a:t>CURRENT_ITERATION (1-4) - Controls which features/algorithms</a:t>
-            </a:r>
-          </a:p>
-          <a:p>
-            <a:pPr lvl="1"/>
-            <a:r>
-              <a:t>USE_CACHE (True/False) - Speed up development</a:t>
-            </a:r>
-          </a:p>
-          <a:p>
-            <a:pPr lvl="1"/>
-            <a:r>
-              <a:t>File paths - Data directories</a:t>
-            </a:r>
-          </a:p>
-          <a:p>
-            <a:pPr lvl="1"/>
-            <a:r>
-              <a:t>Preprocessing parameters - Filter frequencies</a:t>
-            </a:r>
-          </a:p>
-          <a:p>
-            <a:pPr lvl="1"/>
-            <a:r>
-              <a:t>Model hyperparameters - Classifier settings</a:t>
-            </a:r>
-          </a:p>
-          <a:p>
-            <a:endParaRPr/>
-          </a:p>
-          <a:p>
-            <a:r>
-              <a:t>Benefits:</a:t>
-            </a:r>
-          </a:p>
-          <a:p>
-            <a:pPr lvl="1"/>
-            <a:r>
-              <a:t>Easy to switch between iterations</a:t>
-            </a:r>
-          </a:p>
-          <a:p>
-            <a:pPr lvl="1"/>
-            <a:r>
-              <a:t>Consistent settings across team</a:t>
-            </a:r>
-          </a:p>
-        </p:txBody>
-      </p:sp>
-    </p:spTree>
-  </p:cSld>
-  <p:clrMapOvr>
-    <a:masterClrMapping/>
-  </p:clrMapOvr>
-</p:sld>
-</file>
-
-<file path=ppt/slides/slide26.xml><?xml version="1.0" encoding="utf-8"?>
-<p:sld xmlns:a="http://schemas.openxmlformats.org/drawingml/2006/main" xmlns:r="http://schemas.openxmlformats.org/officeDocument/2006/relationships" xmlns:p="http://schemas.openxmlformats.org/presentationml/2006/main">
-  <p:cSld>
-    <p:spTree>
-      <p:nvGrpSpPr>
-        <p:cNvPr id="1" name=""/>
-        <p:cNvGrpSpPr/>
-        <p:nvPr/>
-      </p:nvGrpSpPr>
-      <p:grpSpPr>
-        <a:xfrm>
-          <a:off x="0" y="0"/>
-          <a:ext cx="0" cy="0"/>
-          <a:chOff x="0" y="0"/>
-          <a:chExt cx="0" cy="0"/>
-        </a:xfrm>
-      </p:grpSpPr>
-      <p:sp>
-        <p:nvSpPr>
-          <p:cNvPr id="2" name="Title 1"/>
-          <p:cNvSpPr>
-            <a:spLocks noGrp="1"/>
-          </p:cNvSpPr>
-          <p:nvPr>
-            <p:ph type="title"/>
-          </p:nvPr>
-        </p:nvSpPr>
-        <p:spPr/>
-        <p:txBody>
-          <a:bodyPr>
-            <a:normAutofit fontScale="90000"/>
-          </a:bodyPr>
-          <a:lstStyle/>
-          <a:p>
-            <a:r>
-              <a:rPr sz="3200" dirty="0"/>
-              <a:t>Running the Training Pipeline</a:t>
-            </a:r>
-          </a:p>
-        </p:txBody>
-      </p:sp>
-      <p:sp>
-        <p:nvSpPr>
-          <p:cNvPr id="3" name="Content Placeholder 2"/>
-          <p:cNvSpPr>
-            <a:spLocks noGrp="1"/>
-          </p:cNvSpPr>
-          <p:nvPr>
-            <p:ph idx="1"/>
-          </p:nvPr>
-        </p:nvSpPr>
-        <p:spPr/>
-        <p:txBody>
-          <a:bodyPr>
-            <a:noAutofit/>
-          </a:bodyPr>
-          <a:lstStyle/>
-          <a:p>
-            <a:endParaRPr/>
-          </a:p>
-          <a:p>
-            <a:r>
-              <a:t>1. Setup (first time only):</a:t>
-            </a:r>
-          </a:p>
-          <a:p>
-            <a:pPr lvl="1"/>
-            <a:r>
-              <a:t>pip install -r requirements.txt</a:t>
-            </a:r>
-          </a:p>
-          <a:p>
-            <a:endParaRPr/>
-          </a:p>
-          <a:p>
-            <a:r>
-              <a:t>2. Verify setup:</a:t>
-            </a:r>
-          </a:p>
-          <a:p>
-            <a:pPr lvl="1"/>
-            <a:r>
-              <a:t>python -m pytest tests/ -v</a:t>
-            </a:r>
-          </a:p>
-          <a:p>
-            <a:endParaRPr/>
-          </a:p>
-          <a:p>
-            <a:r>
-              <a:t>3. Run training pipeline:</a:t>
-            </a:r>
-          </a:p>
-          <a:p>
-            <a:pPr lvl="1"/>
-            <a:r>
-              <a:t>python main.py</a:t>
-            </a:r>
-          </a:p>
-          <a:p>
-            <a:endParaRPr/>
-          </a:p>
-          <a:p>
-            <a:r>
-              <a:t>4. Run inference (generate submission):</a:t>
-            </a:r>
-          </a:p>
-          <a:p>
-            <a:pPr lvl="1"/>
-            <a:r>
-              <a:t>python run_inference.py</a:t>
-            </a:r>
-          </a:p>
-          <a:p>
-            <a:pPr lvl="1"/>
-            <a:r>
-              <a:t>Creates submission.csv in data/ directory</a:t>
-            </a:r>
-          </a:p>
-        </p:txBody>
-      </p:sp>
-    </p:spTree>
-  </p:cSld>
-  <p:clrMapOvr>
-    <a:masterClrMapping/>
-  </p:clrMapOvr>
-</p:sld>
-</file>
-
 <file path=ppt/slides/slide27.xml><?xml version="1.0" encoding="utf-8"?>
 <p:sld xmlns:a="http://schemas.openxmlformats.org/drawingml/2006/main" xmlns:r="http://schemas.openxmlformats.org/officeDocument/2006/relationships" xmlns:p="http://schemas.openxmlformats.org/presentationml/2006/main">
   <p:cSld>
@@ -27454,7 +28013,7 @@
           <a:p>
             <a:r>
               <a:rPr sz="3200" dirty="0"/>
-              <a:t>Caching System for Efficiency</a:t>
+              <a:t>Configuration System (config.py)</a:t>
             </a:r>
           </a:p>
         </p:txBody>
@@ -27480,25 +28039,45 @@
           </a:p>
           <a:p>
             <a:r>
-              <a:t>Why caching?</a:t>
+              <a:t>Central control for the entire pipeline</a:t>
+            </a:r>
+          </a:p>
+          <a:p>
+            <a:endParaRPr/>
+          </a:p>
+          <a:p>
+            <a:r>
+              <a:t>Key settings:</a:t>
             </a:r>
           </a:p>
           <a:p>
             <a:pPr lvl="1"/>
             <a:r>
-              <a:t>Preprocessing is slow (minutes per file)</a:t>
+              <a:t>CURRENT_ITERATION (1-4) - Controls which features/algorithms</a:t>
             </a:r>
           </a:p>
           <a:p>
             <a:pPr lvl="1"/>
             <a:r>
-              <a:t>Feature extraction takes time</a:t>
+              <a:t>USE_CACHE (True/False) - Speed up development</a:t>
             </a:r>
           </a:p>
           <a:p>
             <a:pPr lvl="1"/>
             <a:r>
-              <a:t>Don't repeat work during development</a:t>
+              <a:t>File paths - Data directories</a:t>
+            </a:r>
+          </a:p>
+          <a:p>
+            <a:pPr lvl="1"/>
+            <a:r>
+              <a:t>Preprocessing parameters - Filter frequencies</a:t>
+            </a:r>
+          </a:p>
+          <a:p>
+            <a:pPr lvl="1"/>
+            <a:r>
+              <a:t>Model hyperparameters - Classifier settings</a:t>
             </a:r>
           </a:p>
           <a:p>
@@ -27506,45 +28085,19 @@
           </a:p>
           <a:p>
             <a:r>
-              <a:t>How it works:</a:t>
+              <a:t>Benefits:</a:t>
             </a:r>
           </a:p>
           <a:p>
             <a:pPr lvl="1"/>
             <a:r>
-              <a:t>Results saved to cache/ directory</a:t>
+              <a:t>Easy to switch between iterations</a:t>
             </a:r>
           </a:p>
           <a:p>
             <a:pPr lvl="1"/>
             <a:r>
-              <a:t>Automatically reused on next run</a:t>
-            </a:r>
-          </a:p>
-          <a:p>
-            <a:pPr lvl="1"/>
-            <a:r>
-              <a:t>Control with USE_CACHE in config.py</a:t>
-            </a:r>
-          </a:p>
-          <a:p>
-            <a:endParaRPr/>
-          </a:p>
-          <a:p>
-            <a:r>
-              <a:t>When to clear cache:</a:t>
-            </a:r>
-          </a:p>
-          <a:p>
-            <a:pPr lvl="1"/>
-            <a:r>
-              <a:t>Changed preprocessing parameters</a:t>
-            </a:r>
-          </a:p>
-          <a:p>
-            <a:pPr lvl="1"/>
-            <a:r>
-              <a:t>Modified feature extraction code</a:t>
+              <a:t>Consistent settings across team</a:t>
             </a:r>
           </a:p>
         </p:txBody>
@@ -27593,15 +28146,7 @@
           <a:p>
             <a:r>
               <a:rPr sz="3200" dirty="0"/>
-              <a:t>Google </a:t>
-            </a:r>
-            <a:r>
-              <a:rPr sz="3200" dirty="0" err="1"/>
-              <a:t>Colab</a:t>
-            </a:r>
-            <a:r>
-              <a:rPr sz="3200" dirty="0"/>
-              <a:t> Notebook</a:t>
+              <a:t>Running the Training Pipeline</a:t>
             </a:r>
           </a:p>
         </p:txBody>
@@ -27627,12 +28172,13 @@
           </a:p>
           <a:p>
             <a:r>
-              <a:t>Alternative to local development</a:t>
-            </a:r>
-          </a:p>
-          <a:p>
-            <a:r>
-              <a:t>File: colab_notebook.ipynb</a:t>
+              <a:t>1. Setup (first time only):</a:t>
+            </a:r>
+          </a:p>
+          <a:p>
+            <a:pPr lvl="1"/>
+            <a:r>
+              <a:t>pip install -r requirements.txt</a:t>
             </a:r>
           </a:p>
           <a:p>
@@ -27640,57 +28186,47 @@
           </a:p>
           <a:p>
             <a:r>
-              <a:t>Features:</a:t>
+              <a:t>2. Verify setup:</a:t>
             </a:r>
           </a:p>
           <a:p>
             <a:pPr lvl="1"/>
             <a:r>
-              <a:t>No local setup required</a:t>
+              <a:t>python -m pytest tests/ -v</a:t>
+            </a:r>
+          </a:p>
+          <a:p>
+            <a:endParaRPr/>
+          </a:p>
+          <a:p>
+            <a:r>
+              <a:t>3. Run training pipeline:</a:t>
             </a:r>
           </a:p>
           <a:p>
             <a:pPr lvl="1"/>
             <a:r>
-              <a:t>Free GPU access (if needed)</a:t>
+              <a:t>python main.py</a:t>
+            </a:r>
+          </a:p>
+          <a:p>
+            <a:endParaRPr/>
+          </a:p>
+          <a:p>
+            <a:r>
+              <a:t>4. Run inference (generate submission):</a:t>
             </a:r>
           </a:p>
           <a:p>
             <a:pPr lvl="1"/>
             <a:r>
-              <a:t>Load from GitHub or Google Drive</a:t>
+              <a:t>python run_inference.py</a:t>
             </a:r>
           </a:p>
           <a:p>
             <a:pPr lvl="1"/>
             <a:r>
-              <a:t>Run complete pipeline in browser</a:t>
-            </a:r>
-          </a:p>
-          <a:p>
-            <a:endParaRPr/>
-          </a:p>
-          <a:p>
-            <a:r>
-              <a:t>Usage:</a:t>
-            </a:r>
-          </a:p>
-          <a:p>
-            <a:pPr lvl="1"/>
-            <a:r>
-              <a:t>Upload to Google Colab</a:t>
-            </a:r>
-          </a:p>
-          <a:p>
-            <a:pPr lvl="1"/>
-            <a:r>
-              <a:t>Follow cell-by-cell instructions</a:t>
-            </a:r>
-          </a:p>
-          <a:p>
-            <a:pPr lvl="1"/>
-            <a:r>
-              <a:t>View results inline</a:t>
+              <a:t>Creates submission.csv in data/ directory</a:t>
             </a:r>
           </a:p>
         </p:txBody>
@@ -27739,7 +28275,7 @@
           <a:p>
             <a:r>
               <a:rPr sz="3200" dirty="0"/>
-              <a:t>What You Must Implement</a:t>
+              <a:t>Caching System for Efficiency</a:t>
             </a:r>
           </a:p>
         </p:txBody>
@@ -27765,76 +28301,71 @@
           </a:p>
           <a:p>
             <a:r>
-              <a:t>Iteration 1:</a:t>
+              <a:t>Why caching?</a:t>
             </a:r>
           </a:p>
           <a:p>
             <a:pPr lvl="1"/>
             <a:r>
-              <a:t>Real EDF/XML file parsing</a:t>
+              <a:t>Preprocessing is slow (minutes per file)</a:t>
             </a:r>
           </a:p>
           <a:p>
             <a:pPr lvl="1"/>
             <a:r>
-              <a:t>Bandpass filtering (0.5-40 Hz)</a:t>
+              <a:t>Feature extraction takes time</a:t>
             </a:r>
           </a:p>
           <a:p>
             <a:pPr lvl="1"/>
             <a:r>
-              <a:t>13+ additional time-domain features</a:t>
-            </a:r>
-          </a:p>
-          <a:p>
-            <a:r>
-              <a:t>Iteration 2:</a:t>
+              <a:t>Don't repeat work during development</a:t>
+            </a:r>
+          </a:p>
+          <a:p>
+            <a:endParaRPr/>
+          </a:p>
+          <a:p>
+            <a:r>
+              <a:t>How it works:</a:t>
             </a:r>
           </a:p>
           <a:p>
             <a:pPr lvl="1"/>
             <a:r>
-              <a:t>Multi-channel processing (EEG+EOG)</a:t>
+              <a:t>Results saved to cache/ directory</a:t>
             </a:r>
           </a:p>
           <a:p>
             <a:pPr lvl="1"/>
             <a:r>
-              <a:t>Frequency-domain features (band powers)</a:t>
+              <a:t>Automatically reused on next run</a:t>
             </a:r>
           </a:p>
           <a:p>
             <a:pPr lvl="1"/>
             <a:r>
-              <a:t>SVM hyperparameter tuning</a:t>
-            </a:r>
-          </a:p>
-          <a:p>
-            <a:r>
-              <a:t>Iteration 3:</a:t>
+              <a:t>Control with USE_CACHE in config.py</a:t>
+            </a:r>
+          </a:p>
+          <a:p>
+            <a:endParaRPr/>
+          </a:p>
+          <a:p>
+            <a:r>
+              <a:t>When to clear cache:</a:t>
             </a:r>
           </a:p>
           <a:p>
             <a:pPr lvl="1"/>
             <a:r>
-              <a:t>EMG signal processing</a:t>
+              <a:t>Changed preprocessing parameters</a:t>
             </a:r>
           </a:p>
           <a:p>
             <a:pPr lvl="1"/>
             <a:r>
-              <a:t>Feature selection algorithms</a:t>
-            </a:r>
-          </a:p>
-          <a:p>
-            <a:r>
-              <a:t>Iteration 4:</a:t>
-            </a:r>
-          </a:p>
-          <a:p>
-            <a:pPr lvl="1"/>
-            <a:r>
-              <a:t>Cross-validation, optimization, final report</a:t>
+              <a:t>Modified feature extraction code</a:t>
             </a:r>
           </a:p>
         </p:txBody>
@@ -27991,39 +28522,111 @@
         <p:spPr/>
         <p:txBody>
           <a:bodyPr>
-            <a:normAutofit/>
+            <a:normAutofit fontScale="90000"/>
           </a:bodyPr>
           <a:lstStyle/>
           <a:p>
             <a:r>
               <a:rPr sz="3200" dirty="0"/>
-              <a:t>Final Report:</a:t>
-            </a:r>
-          </a:p>
-          <a:p>
+              <a:t>Google </a:t>
+            </a:r>
+            <a:r>
+              <a:rPr sz="3200" dirty="0" err="1"/>
+              <a:t>Colab</a:t>
+            </a:r>
             <a:r>
               <a:rPr sz="3200" dirty="0"/>
-              <a:t>Structure &amp; Requirements</a:t>
-            </a:r>
-          </a:p>
-        </p:txBody>
-      </p:sp>
-      <p:sp>
-        <p:nvSpPr>
-          <p:cNvPr id="3" name="Text Placeholder 2"/>
-          <p:cNvSpPr>
-            <a:spLocks noGrp="1"/>
-          </p:cNvSpPr>
-          <p:nvPr>
-            <p:ph type="body" idx="1"/>
+              <a:t> Notebook</a:t>
+            </a:r>
+          </a:p>
+        </p:txBody>
+      </p:sp>
+      <p:sp>
+        <p:nvSpPr>
+          <p:cNvPr id="3" name="Content Placeholder 2"/>
+          <p:cNvSpPr>
+            <a:spLocks noGrp="1"/>
+          </p:cNvSpPr>
+          <p:nvPr>
+            <p:ph idx="1"/>
           </p:nvPr>
         </p:nvSpPr>
         <p:spPr/>
         <p:txBody>
-          <a:bodyPr/>
+          <a:bodyPr>
+            <a:noAutofit/>
+          </a:bodyPr>
           <a:lstStyle/>
           <a:p>
             <a:endParaRPr/>
+          </a:p>
+          <a:p>
+            <a:r>
+              <a:t>Alternative to local development</a:t>
+            </a:r>
+          </a:p>
+          <a:p>
+            <a:r>
+              <a:t>File: colab_notebook.ipynb</a:t>
+            </a:r>
+          </a:p>
+          <a:p>
+            <a:endParaRPr/>
+          </a:p>
+          <a:p>
+            <a:r>
+              <a:t>Features:</a:t>
+            </a:r>
+          </a:p>
+          <a:p>
+            <a:pPr lvl="1"/>
+            <a:r>
+              <a:t>No local setup required</a:t>
+            </a:r>
+          </a:p>
+          <a:p>
+            <a:pPr lvl="1"/>
+            <a:r>
+              <a:t>Free GPU access (if needed)</a:t>
+            </a:r>
+          </a:p>
+          <a:p>
+            <a:pPr lvl="1"/>
+            <a:r>
+              <a:t>Load from GitHub or Google Drive</a:t>
+            </a:r>
+          </a:p>
+          <a:p>
+            <a:pPr lvl="1"/>
+            <a:r>
+              <a:t>Run complete pipeline in browser</a:t>
+            </a:r>
+          </a:p>
+          <a:p>
+            <a:endParaRPr/>
+          </a:p>
+          <a:p>
+            <a:r>
+              <a:t>Usage:</a:t>
+            </a:r>
+          </a:p>
+          <a:p>
+            <a:pPr lvl="1"/>
+            <a:r>
+              <a:t>Upload to Google Colab</a:t>
+            </a:r>
+          </a:p>
+          <a:p>
+            <a:pPr lvl="1"/>
+            <a:r>
+              <a:t>Follow cell-by-cell instructions</a:t>
+            </a:r>
+          </a:p>
+          <a:p>
+            <a:pPr lvl="1"/>
+            <a:r>
+              <a:t>View results inline</a:t>
+            </a:r>
           </a:p>
         </p:txBody>
       </p:sp>
@@ -28071,7 +28674,7 @@
           <a:p>
             <a:r>
               <a:rPr sz="3200" dirty="0"/>
-              <a:t>Technical Report (15 pages max)</a:t>
+              <a:t>What You Must Implement</a:t>
             </a:r>
           </a:p>
         </p:txBody>
@@ -28097,62 +28700,76 @@
           </a:p>
           <a:p>
             <a:r>
-              <a:t>1. Introduction (1 page)</a:t>
+              <a:t>Iteration 1:</a:t>
             </a:r>
           </a:p>
           <a:p>
             <a:pPr lvl="1"/>
             <a:r>
-              <a:t>Problem statement, objectives</a:t>
-            </a:r>
-          </a:p>
-          <a:p>
-            <a:r>
-              <a:t>2. Methods (3 pages)</a:t>
+              <a:t>Real EDF/XML file parsing</a:t>
             </a:r>
           </a:p>
           <a:p>
             <a:pPr lvl="1"/>
             <a:r>
-              <a:t>Signal processing, features, classification</a:t>
-            </a:r>
-          </a:p>
-          <a:p>
-            <a:r>
-              <a:t>3. Results (4-5 pages)</a:t>
+              <a:t>Bandpass filtering (0.5-40 Hz)</a:t>
             </a:r>
           </a:p>
           <a:p>
             <a:pPr lvl="1"/>
             <a:r>
-              <a:t>Performance metrics, confusion matrices, analysis</a:t>
-            </a:r>
-          </a:p>
-          <a:p>
-            <a:r>
-              <a:t>4. Discussion (3-4 pages)</a:t>
+              <a:t>13+ additional time-domain features</a:t>
+            </a:r>
+          </a:p>
+          <a:p>
+            <a:r>
+              <a:t>Iteration 2:</a:t>
             </a:r>
           </a:p>
           <a:p>
             <a:pPr lvl="1"/>
             <a:r>
-              <a:t>Interpretation, challenges, improvements</a:t>
-            </a:r>
-          </a:p>
-          <a:p>
-            <a:r>
-              <a:t>5. Conclusion (1 page)</a:t>
+              <a:t>Multi-channel processing (EEG+EOG)</a:t>
             </a:r>
           </a:p>
           <a:p>
             <a:pPr lvl="1"/>
             <a:r>
-              <a:t>Summary, future work</a:t>
-            </a:r>
-          </a:p>
-          <a:p>
-            <a:r>
-              <a:t>6. References (1 page)</a:t>
+              <a:t>Frequency-domain features (band powers)</a:t>
+            </a:r>
+          </a:p>
+          <a:p>
+            <a:pPr lvl="1"/>
+            <a:r>
+              <a:t>SVM hyperparameter tuning</a:t>
+            </a:r>
+          </a:p>
+          <a:p>
+            <a:r>
+              <a:t>Iteration 3:</a:t>
+            </a:r>
+          </a:p>
+          <a:p>
+            <a:pPr lvl="1"/>
+            <a:r>
+              <a:t>EMG signal processing</a:t>
+            </a:r>
+          </a:p>
+          <a:p>
+            <a:pPr lvl="1"/>
+            <a:r>
+              <a:t>Feature selection algorithms</a:t>
+            </a:r>
+          </a:p>
+          <a:p>
+            <a:r>
+              <a:t>Iteration 4:</a:t>
+            </a:r>
+          </a:p>
+          <a:p>
+            <a:pPr lvl="1"/>
+            <a:r>
+              <a:t>Cross-validation, optimization, final report</a:t>
             </a:r>
           </a:p>
         </p:txBody>
@@ -28195,115 +28812,39 @@
         <p:spPr/>
         <p:txBody>
           <a:bodyPr>
-            <a:normAutofit fontScale="90000"/>
+            <a:normAutofit/>
           </a:bodyPr>
           <a:lstStyle/>
           <a:p>
             <a:r>
               <a:rPr sz="3200" dirty="0"/>
-              <a:t>Report Content Focus</a:t>
-            </a:r>
-          </a:p>
-        </p:txBody>
-      </p:sp>
-      <p:sp>
-        <p:nvSpPr>
-          <p:cNvPr id="3" name="Content Placeholder 2"/>
-          <p:cNvSpPr>
-            <a:spLocks noGrp="1"/>
-          </p:cNvSpPr>
-          <p:nvPr>
-            <p:ph idx="1"/>
+              <a:t>Final Report:</a:t>
+            </a:r>
+          </a:p>
+          <a:p>
+            <a:r>
+              <a:rPr sz="3200" dirty="0"/>
+              <a:t>Structure &amp; Requirements</a:t>
+            </a:r>
+          </a:p>
+        </p:txBody>
+      </p:sp>
+      <p:sp>
+        <p:nvSpPr>
+          <p:cNvPr id="3" name="Text Placeholder 2"/>
+          <p:cNvSpPr>
+            <a:spLocks noGrp="1"/>
+          </p:cNvSpPr>
+          <p:nvPr>
+            <p:ph type="body" idx="1"/>
           </p:nvPr>
         </p:nvSpPr>
         <p:spPr/>
         <p:txBody>
-          <a:bodyPr>
-            <a:noAutofit/>
-          </a:bodyPr>
-          <a:lstStyle/>
-          <a:p>
-            <a:endParaRPr dirty="0"/>
-          </a:p>
-          <a:p>
-            <a:r>
-              <a:rPr dirty="0"/>
-              <a:t>Focus on the process, not just results</a:t>
-            </a:r>
-          </a:p>
-          <a:p>
-            <a:r>
-              <a:rPr dirty="0"/>
-              <a:t>Methods section should explain:</a:t>
-            </a:r>
-          </a:p>
-          <a:p>
-            <a:pPr lvl="1"/>
-            <a:r>
-              <a:rPr dirty="0"/>
-              <a:t>WHY you chose specific approaches</a:t>
-            </a:r>
-          </a:p>
-          <a:p>
-            <a:pPr lvl="1"/>
-            <a:r>
-              <a:rPr dirty="0"/>
-              <a:t>HOW you implemented them</a:t>
-            </a:r>
-          </a:p>
-          <a:p>
-            <a:pPr lvl="1"/>
-            <a:r>
-              <a:rPr dirty="0"/>
-              <a:t>What alternatives you considered</a:t>
-            </a:r>
-          </a:p>
-          <a:p>
-            <a:r>
-              <a:rPr dirty="0"/>
-              <a:t>Results section should show:</a:t>
-            </a:r>
-          </a:p>
-          <a:p>
-            <a:pPr lvl="1"/>
-            <a:r>
-              <a:rPr dirty="0"/>
-              <a:t>Progression through iterations</a:t>
-            </a:r>
-          </a:p>
-          <a:p>
-            <a:pPr lvl="1"/>
-            <a:r>
-              <a:rPr dirty="0"/>
-              <a:t>Impact of different decisions</a:t>
-            </a:r>
-          </a:p>
-          <a:p>
-            <a:pPr lvl="1"/>
-            <a:r>
-              <a:rPr dirty="0"/>
-              <a:t>Statistical analysis of performance</a:t>
-            </a:r>
-          </a:p>
-          <a:p>
-            <a:r>
-              <a:rPr dirty="0"/>
-              <a:t>Discussion should reflect:</a:t>
-            </a:r>
-          </a:p>
-          <a:p>
-            <a:pPr lvl="1"/>
-            <a:r>
-              <a:rPr dirty="0"/>
-              <a:t>Critical thinking about your approach</a:t>
-            </a:r>
-          </a:p>
-          <a:p>
-            <a:pPr lvl="1"/>
-            <a:r>
-              <a:rPr dirty="0"/>
-              <a:t>Learning from what didn't work</a:t>
-            </a:r>
+          <a:bodyPr/>
+          <a:lstStyle/>
+          <a:p>
+            <a:endParaRPr/>
           </a:p>
         </p:txBody>
       </p:sp>
@@ -28345,33 +28886,95 @@
         <p:spPr/>
         <p:txBody>
           <a:bodyPr>
-            <a:normAutofit/>
+            <a:normAutofit fontScale="90000"/>
           </a:bodyPr>
           <a:lstStyle/>
           <a:p>
             <a:r>
               <a:rPr sz="3200" dirty="0"/>
-              <a:t>Data &amp; File Formats</a:t>
-            </a:r>
-          </a:p>
-        </p:txBody>
-      </p:sp>
-      <p:sp>
-        <p:nvSpPr>
-          <p:cNvPr id="3" name="Text Placeholder 2"/>
-          <p:cNvSpPr>
-            <a:spLocks noGrp="1"/>
-          </p:cNvSpPr>
-          <p:nvPr>
-            <p:ph type="body" idx="1"/>
+              <a:t>Technical Report (15 pages max)</a:t>
+            </a:r>
+          </a:p>
+        </p:txBody>
+      </p:sp>
+      <p:sp>
+        <p:nvSpPr>
+          <p:cNvPr id="3" name="Content Placeholder 2"/>
+          <p:cNvSpPr>
+            <a:spLocks noGrp="1"/>
+          </p:cNvSpPr>
+          <p:nvPr>
+            <p:ph idx="1"/>
           </p:nvPr>
         </p:nvSpPr>
         <p:spPr/>
         <p:txBody>
-          <a:bodyPr/>
+          <a:bodyPr>
+            <a:noAutofit/>
+          </a:bodyPr>
           <a:lstStyle/>
           <a:p>
             <a:endParaRPr/>
+          </a:p>
+          <a:p>
+            <a:r>
+              <a:t>1. Introduction (1 page)</a:t>
+            </a:r>
+          </a:p>
+          <a:p>
+            <a:pPr lvl="1"/>
+            <a:r>
+              <a:t>Problem statement, objectives</a:t>
+            </a:r>
+          </a:p>
+          <a:p>
+            <a:r>
+              <a:t>2. Methods (3 pages)</a:t>
+            </a:r>
+          </a:p>
+          <a:p>
+            <a:pPr lvl="1"/>
+            <a:r>
+              <a:t>Signal processing, features, classification</a:t>
+            </a:r>
+          </a:p>
+          <a:p>
+            <a:r>
+              <a:t>3. Results (4-5 pages)</a:t>
+            </a:r>
+          </a:p>
+          <a:p>
+            <a:pPr lvl="1"/>
+            <a:r>
+              <a:t>Performance metrics, confusion matrices, analysis</a:t>
+            </a:r>
+          </a:p>
+          <a:p>
+            <a:r>
+              <a:t>4. Discussion (3-4 pages)</a:t>
+            </a:r>
+          </a:p>
+          <a:p>
+            <a:pPr lvl="1"/>
+            <a:r>
+              <a:t>Interpretation, challenges, improvements</a:t>
+            </a:r>
+          </a:p>
+          <a:p>
+            <a:r>
+              <a:t>5. Conclusion (1 page)</a:t>
+            </a:r>
+          </a:p>
+          <a:p>
+            <a:pPr lvl="1"/>
+            <a:r>
+              <a:t>Summary, future work</a:t>
+            </a:r>
+          </a:p>
+          <a:p>
+            <a:r>
+              <a:t>6. References (1 page)</a:t>
+            </a:r>
           </a:p>
         </p:txBody>
       </p:sp>
@@ -28419,7 +29022,7 @@
           <a:p>
             <a:r>
               <a:rPr sz="3200" dirty="0"/>
-              <a:t>Data Organization</a:t>
+              <a:t>Report Content Focus</a:t>
             </a:r>
           </a:p>
         </p:txBody>
@@ -28441,77 +29044,86 @@
           </a:bodyPr>
           <a:lstStyle/>
           <a:p>
-            <a:endParaRPr/>
-          </a:p>
-          <a:p>
-            <a:r>
-              <a:t>data/training/ - EDF + XML files with labels</a:t>
+            <a:endParaRPr dirty="0"/>
+          </a:p>
+          <a:p>
+            <a:r>
+              <a:rPr dirty="0"/>
+              <a:t>Focus on the process, not just results</a:t>
+            </a:r>
+          </a:p>
+          <a:p>
+            <a:r>
+              <a:rPr dirty="0"/>
+              <a:t>Methods section should explain:</a:t>
             </a:r>
           </a:p>
           <a:p>
             <a:pPr lvl="1"/>
             <a:r>
-              <a:t>Use for training and validation</a:t>
+              <a:rPr dirty="0"/>
+              <a:t>WHY you chose specific approaches</a:t>
             </a:r>
           </a:p>
           <a:p>
             <a:pPr lvl="1"/>
             <a:r>
-              <a:t>Both EDF and XML required for each recording</a:t>
-            </a:r>
-          </a:p>
-          <a:p>
-            <a:r>
-              <a:t>data/holdout/ - EDF files only (no labels)</a:t>
+              <a:rPr dirty="0"/>
+              <a:t>HOW you implemented them</a:t>
             </a:r>
           </a:p>
           <a:p>
             <a:pPr lvl="1"/>
             <a:r>
-              <a:t>Use for final predictions/competition</a:t>
-            </a:r>
-          </a:p>
-          <a:p>
-            <a:r>
-              <a:t>data/sample/ - Small test dataset</a:t>
+              <a:rPr dirty="0"/>
+              <a:t>What alternatives you considered</a:t>
+            </a:r>
+          </a:p>
+          <a:p>
+            <a:r>
+              <a:rPr dirty="0"/>
+              <a:t>Results section should show:</a:t>
             </a:r>
           </a:p>
           <a:p>
             <a:pPr lvl="1"/>
             <a:r>
-              <a:t>Quick testing during development</a:t>
-            </a:r>
-          </a:p>
-          <a:p>
-            <a:endParaRPr/>
-          </a:p>
-          <a:p>
-            <a:r>
-              <a:t>Key signals in EDF files:</a:t>
+              <a:rPr dirty="0"/>
+              <a:t>Progression through iterations</a:t>
             </a:r>
           </a:p>
           <a:p>
             <a:pPr lvl="1"/>
             <a:r>
-              <a:t>EEG: C3-A2, C4-A1 (125 Hz, hardware high-pass 0.15 Hz)</a:t>
+              <a:rPr dirty="0"/>
+              <a:t>Impact of different decisions</a:t>
             </a:r>
           </a:p>
           <a:p>
             <a:pPr lvl="1"/>
             <a:r>
-              <a:t>EOG: Left/Right (50 Hz, hardware high-pass 0.15 Hz)</a:t>
+              <a:rPr dirty="0"/>
+              <a:t>Statistical analysis of performance</a:t>
+            </a:r>
+          </a:p>
+          <a:p>
+            <a:r>
+              <a:rPr dirty="0"/>
+              <a:t>Discussion should reflect:</a:t>
             </a:r>
           </a:p>
           <a:p>
             <a:pPr lvl="1"/>
             <a:r>
-              <a:t>EMG: (125 Hz, hardware high-pass 0.15 Hz)</a:t>
+              <a:rPr dirty="0"/>
+              <a:t>Critical thinking about your approach</a:t>
             </a:r>
           </a:p>
           <a:p>
             <a:pPr lvl="1"/>
             <a:r>
-              <a:t>ECG: (125 Hz), Respiration: Thor/Abdo (10 Hz), SpO2/HR (1 Hz)</a:t>
+              <a:rPr dirty="0"/>
+              <a:t>Learning from what didn't work</a:t>
             </a:r>
           </a:p>
         </p:txBody>
@@ -28525,6 +29137,215 @@
 </file>
 
 <file path=ppt/slides/slide35.xml><?xml version="1.0" encoding="utf-8"?>
+<p:sld xmlns:a="http://schemas.openxmlformats.org/drawingml/2006/main" xmlns:r="http://schemas.openxmlformats.org/officeDocument/2006/relationships" xmlns:p="http://schemas.openxmlformats.org/presentationml/2006/main">
+  <p:cSld>
+    <p:spTree>
+      <p:nvGrpSpPr>
+        <p:cNvPr id="1" name=""/>
+        <p:cNvGrpSpPr/>
+        <p:nvPr/>
+      </p:nvGrpSpPr>
+      <p:grpSpPr>
+        <a:xfrm>
+          <a:off x="0" y="0"/>
+          <a:ext cx="0" cy="0"/>
+          <a:chOff x="0" y="0"/>
+          <a:chExt cx="0" cy="0"/>
+        </a:xfrm>
+      </p:grpSpPr>
+      <p:sp>
+        <p:nvSpPr>
+          <p:cNvPr id="2" name="Title 1"/>
+          <p:cNvSpPr>
+            <a:spLocks noGrp="1"/>
+          </p:cNvSpPr>
+          <p:nvPr>
+            <p:ph type="title"/>
+          </p:nvPr>
+        </p:nvSpPr>
+        <p:spPr/>
+        <p:txBody>
+          <a:bodyPr>
+            <a:normAutofit/>
+          </a:bodyPr>
+          <a:lstStyle/>
+          <a:p>
+            <a:r>
+              <a:rPr sz="3200" dirty="0"/>
+              <a:t>Data &amp; File Formats</a:t>
+            </a:r>
+          </a:p>
+        </p:txBody>
+      </p:sp>
+      <p:sp>
+        <p:nvSpPr>
+          <p:cNvPr id="3" name="Text Placeholder 2"/>
+          <p:cNvSpPr>
+            <a:spLocks noGrp="1"/>
+          </p:cNvSpPr>
+          <p:nvPr>
+            <p:ph type="body" idx="1"/>
+          </p:nvPr>
+        </p:nvSpPr>
+        <p:spPr/>
+        <p:txBody>
+          <a:bodyPr/>
+          <a:lstStyle/>
+          <a:p>
+            <a:endParaRPr/>
+          </a:p>
+        </p:txBody>
+      </p:sp>
+    </p:spTree>
+  </p:cSld>
+  <p:clrMapOvr>
+    <a:masterClrMapping/>
+  </p:clrMapOvr>
+</p:sld>
+</file>
+
+<file path=ppt/slides/slide36.xml><?xml version="1.0" encoding="utf-8"?>
+<p:sld xmlns:a="http://schemas.openxmlformats.org/drawingml/2006/main" xmlns:r="http://schemas.openxmlformats.org/officeDocument/2006/relationships" xmlns:p="http://schemas.openxmlformats.org/presentationml/2006/main">
+  <p:cSld>
+    <p:spTree>
+      <p:nvGrpSpPr>
+        <p:cNvPr id="1" name=""/>
+        <p:cNvGrpSpPr/>
+        <p:nvPr/>
+      </p:nvGrpSpPr>
+      <p:grpSpPr>
+        <a:xfrm>
+          <a:off x="0" y="0"/>
+          <a:ext cx="0" cy="0"/>
+          <a:chOff x="0" y="0"/>
+          <a:chExt cx="0" cy="0"/>
+        </a:xfrm>
+      </p:grpSpPr>
+      <p:sp>
+        <p:nvSpPr>
+          <p:cNvPr id="2" name="Title 1"/>
+          <p:cNvSpPr>
+            <a:spLocks noGrp="1"/>
+          </p:cNvSpPr>
+          <p:nvPr>
+            <p:ph type="title"/>
+          </p:nvPr>
+        </p:nvSpPr>
+        <p:spPr/>
+        <p:txBody>
+          <a:bodyPr>
+            <a:normAutofit fontScale="90000"/>
+          </a:bodyPr>
+          <a:lstStyle/>
+          <a:p>
+            <a:r>
+              <a:rPr sz="3200" dirty="0"/>
+              <a:t>Data Organization</a:t>
+            </a:r>
+          </a:p>
+        </p:txBody>
+      </p:sp>
+      <p:sp>
+        <p:nvSpPr>
+          <p:cNvPr id="3" name="Content Placeholder 2"/>
+          <p:cNvSpPr>
+            <a:spLocks noGrp="1"/>
+          </p:cNvSpPr>
+          <p:nvPr>
+            <p:ph idx="1"/>
+          </p:nvPr>
+        </p:nvSpPr>
+        <p:spPr/>
+        <p:txBody>
+          <a:bodyPr>
+            <a:noAutofit/>
+          </a:bodyPr>
+          <a:lstStyle/>
+          <a:p>
+            <a:endParaRPr/>
+          </a:p>
+          <a:p>
+            <a:r>
+              <a:t>data/training/ - EDF + XML files with labels</a:t>
+            </a:r>
+          </a:p>
+          <a:p>
+            <a:pPr lvl="1"/>
+            <a:r>
+              <a:t>Use for training and validation</a:t>
+            </a:r>
+          </a:p>
+          <a:p>
+            <a:pPr lvl="1"/>
+            <a:r>
+              <a:t>Both EDF and XML required for each recording</a:t>
+            </a:r>
+          </a:p>
+          <a:p>
+            <a:r>
+              <a:t>data/holdout/ - EDF files only (no labels)</a:t>
+            </a:r>
+          </a:p>
+          <a:p>
+            <a:pPr lvl="1"/>
+            <a:r>
+              <a:t>Use for final predictions/competition</a:t>
+            </a:r>
+          </a:p>
+          <a:p>
+            <a:r>
+              <a:t>data/sample/ - Small test dataset</a:t>
+            </a:r>
+          </a:p>
+          <a:p>
+            <a:pPr lvl="1"/>
+            <a:r>
+              <a:t>Quick testing during development</a:t>
+            </a:r>
+          </a:p>
+          <a:p>
+            <a:endParaRPr/>
+          </a:p>
+          <a:p>
+            <a:r>
+              <a:t>Key signals in EDF files:</a:t>
+            </a:r>
+          </a:p>
+          <a:p>
+            <a:pPr lvl="1"/>
+            <a:r>
+              <a:t>EEG: C3-A2, C4-A1 (125 Hz, hardware high-pass 0.15 Hz)</a:t>
+            </a:r>
+          </a:p>
+          <a:p>
+            <a:pPr lvl="1"/>
+            <a:r>
+              <a:t>EOG: Left/Right (50 Hz, hardware high-pass 0.15 Hz)</a:t>
+            </a:r>
+          </a:p>
+          <a:p>
+            <a:pPr lvl="1"/>
+            <a:r>
+              <a:t>EMG: (125 Hz, hardware high-pass 0.15 Hz)</a:t>
+            </a:r>
+          </a:p>
+          <a:p>
+            <a:pPr lvl="1"/>
+            <a:r>
+              <a:t>ECG: (125 Hz), Respiration: Thor/Abdo (10 Hz), SpO2/HR (1 Hz)</a:t>
+            </a:r>
+          </a:p>
+        </p:txBody>
+      </p:sp>
+    </p:spTree>
+  </p:cSld>
+  <p:clrMapOvr>
+    <a:masterClrMapping/>
+  </p:clrMapOvr>
+</p:sld>
+</file>
+
+<file path=ppt/slides/slide37.xml><?xml version="1.0" encoding="utf-8"?>
 <p:sld xmlns:a="http://schemas.openxmlformats.org/drawingml/2006/main" xmlns:r="http://schemas.openxmlformats.org/officeDocument/2006/relationships" xmlns:p="http://schemas.openxmlformats.org/presentationml/2006/main">
   <p:cSld>
     <p:spTree>
@@ -29394,266 +30215,6 @@
 </p:sld>
 </file>
 
-<file path=ppt/slides/slide36.xml><?xml version="1.0" encoding="utf-8"?>
-<p:sld xmlns:a="http://schemas.openxmlformats.org/drawingml/2006/main" xmlns:r="http://schemas.openxmlformats.org/officeDocument/2006/relationships" xmlns:p="http://schemas.openxmlformats.org/presentationml/2006/main">
-  <p:cSld>
-    <p:spTree>
-      <p:nvGrpSpPr>
-        <p:cNvPr id="1" name=""/>
-        <p:cNvGrpSpPr/>
-        <p:nvPr/>
-      </p:nvGrpSpPr>
-      <p:grpSpPr>
-        <a:xfrm>
-          <a:off x="0" y="0"/>
-          <a:ext cx="0" cy="0"/>
-          <a:chOff x="0" y="0"/>
-          <a:chExt cx="0" cy="0"/>
-        </a:xfrm>
-      </p:grpSpPr>
-      <p:sp>
-        <p:nvSpPr>
-          <p:cNvPr id="2" name="Title 1"/>
-          <p:cNvSpPr>
-            <a:spLocks noGrp="1"/>
-          </p:cNvSpPr>
-          <p:nvPr>
-            <p:ph type="title"/>
-          </p:nvPr>
-        </p:nvSpPr>
-        <p:spPr/>
-        <p:txBody>
-          <a:bodyPr>
-            <a:normAutofit fontScale="90000"/>
-          </a:bodyPr>
-          <a:lstStyle/>
-          <a:p>
-            <a:r>
-              <a:rPr sz="3200" dirty="0"/>
-              <a:t>EDF and XML File Formats</a:t>
-            </a:r>
-          </a:p>
-        </p:txBody>
-      </p:sp>
-      <p:sp>
-        <p:nvSpPr>
-          <p:cNvPr id="3" name="Content Placeholder 2"/>
-          <p:cNvSpPr>
-            <a:spLocks noGrp="1"/>
-          </p:cNvSpPr>
-          <p:nvPr>
-            <p:ph idx="1"/>
-          </p:nvPr>
-        </p:nvSpPr>
-        <p:spPr/>
-        <p:txBody>
-          <a:bodyPr>
-            <a:noAutofit/>
-          </a:bodyPr>
-          <a:lstStyle/>
-          <a:p>
-            <a:endParaRPr/>
-          </a:p>
-          <a:p>
-            <a:r>
-              <a:t>EDF (European Data Format):</a:t>
-            </a:r>
-          </a:p>
-          <a:p>
-            <a:pPr lvl="1"/>
-            <a:r>
-              <a:t>Standard for biosignals (EEG, EOG, EMG)</a:t>
-            </a:r>
-          </a:p>
-          <a:p>
-            <a:pPr lvl="1"/>
-            <a:r>
-              <a:t>Multiple channels with metadata</a:t>
-            </a:r>
-          </a:p>
-          <a:p>
-            <a:pPr lvl="1"/>
-            <a:r>
-              <a:t>Python: Use MNE library (mne.io.read_raw_edf)</a:t>
-            </a:r>
-          </a:p>
-          <a:p>
-            <a:endParaRPr/>
-          </a:p>
-          <a:p>
-            <a:r>
-              <a:t>XML (Compumedics Annotation Format):</a:t>
-            </a:r>
-          </a:p>
-          <a:p>
-            <a:pPr lvl="1"/>
-            <a:r>
-              <a:t>Sleep stage labels for each 30-second epoch</a:t>
-            </a:r>
-          </a:p>
-          <a:p>
-            <a:pPr lvl="1"/>
-            <a:r>
-              <a:t>Stages: Wake, N1, N2, N3, REM</a:t>
-            </a:r>
-          </a:p>
-          <a:p>
-            <a:pPr lvl="1"/>
-            <a:r>
-              <a:t>Python: Use xml.etree.ElementTree</a:t>
-            </a:r>
-          </a:p>
-          <a:p>
-            <a:endParaRPr/>
-          </a:p>
-          <a:p>
-            <a:r>
-              <a:t>📚 Reference: github.com/nsrr/edf-editor-translator/wiki</a:t>
-            </a:r>
-          </a:p>
-        </p:txBody>
-      </p:sp>
-    </p:spTree>
-  </p:cSld>
-  <p:clrMapOvr>
-    <a:masterClrMapping/>
-  </p:clrMapOvr>
-</p:sld>
-</file>
-
-<file path=ppt/slides/slide37.xml><?xml version="1.0" encoding="utf-8"?>
-<p:sld xmlns:a="http://schemas.openxmlformats.org/drawingml/2006/main" xmlns:r="http://schemas.openxmlformats.org/officeDocument/2006/relationships" xmlns:p="http://schemas.openxmlformats.org/presentationml/2006/main">
-  <p:cSld>
-    <p:spTree>
-      <p:nvGrpSpPr>
-        <p:cNvPr id="1" name=""/>
-        <p:cNvGrpSpPr/>
-        <p:nvPr/>
-      </p:nvGrpSpPr>
-      <p:grpSpPr>
-        <a:xfrm>
-          <a:off x="0" y="0"/>
-          <a:ext cx="0" cy="0"/>
-          <a:chOff x="0" y="0"/>
-          <a:chExt cx="0" cy="0"/>
-        </a:xfrm>
-      </p:grpSpPr>
-      <p:sp>
-        <p:nvSpPr>
-          <p:cNvPr id="2" name="Title 1"/>
-          <p:cNvSpPr>
-            <a:spLocks noGrp="1"/>
-          </p:cNvSpPr>
-          <p:nvPr>
-            <p:ph type="title"/>
-          </p:nvPr>
-        </p:nvSpPr>
-        <p:spPr/>
-        <p:txBody>
-          <a:bodyPr>
-            <a:normAutofit fontScale="90000"/>
-          </a:bodyPr>
-          <a:lstStyle/>
-          <a:p>
-            <a:r>
-              <a:rPr sz="3200" dirty="0"/>
-              <a:t>Signal Processing Considerations</a:t>
-            </a:r>
-          </a:p>
-        </p:txBody>
-      </p:sp>
-      <p:sp>
-        <p:nvSpPr>
-          <p:cNvPr id="3" name="Content Placeholder 2"/>
-          <p:cNvSpPr>
-            <a:spLocks noGrp="1"/>
-          </p:cNvSpPr>
-          <p:nvPr>
-            <p:ph idx="1"/>
-          </p:nvPr>
-        </p:nvSpPr>
-        <p:spPr/>
-        <p:txBody>
-          <a:bodyPr>
-            <a:noAutofit/>
-          </a:bodyPr>
-          <a:lstStyle/>
-          <a:p>
-            <a:endParaRPr/>
-          </a:p>
-          <a:p>
-            <a:r>
-              <a:t>Hardware Filtering Already Applied:</a:t>
-            </a:r>
-          </a:p>
-          <a:p>
-            <a:pPr lvl="1"/>
-            <a:r>
-              <a:t>EEG/EOG/EMG/ECG: High-pass 0.15 Hz</a:t>
-            </a:r>
-          </a:p>
-          <a:p>
-            <a:pPr lvl="1"/>
-            <a:r>
-              <a:t>Respiration: High-pass 0.05 Hz</a:t>
-            </a:r>
-          </a:p>
-          <a:p>
-            <a:pPr lvl="1"/>
-            <a:r>
-              <a:t>Design additional filters accordingly</a:t>
-            </a:r>
-          </a:p>
-          <a:p>
-            <a:endParaRPr/>
-          </a:p>
-          <a:p>
-            <a:r>
-              <a:t>Different Sampling Rates:</a:t>
-            </a:r>
-          </a:p>
-          <a:p>
-            <a:pPr lvl="1"/>
-            <a:r>
-              <a:t>Primary signals (EEG/EMG/ECG): 125 Hz</a:t>
-            </a:r>
-          </a:p>
-          <a:p>
-            <a:pPr lvl="1"/>
-            <a:r>
-              <a:t>EOG signals: 50 Hz</a:t>
-            </a:r>
-          </a:p>
-          <a:p>
-            <a:pPr lvl="1"/>
-            <a:r>
-              <a:t>Respiration/Airflow: 10 Hz</a:t>
-            </a:r>
-          </a:p>
-          <a:p>
-            <a:pPr lvl="1"/>
-            <a:r>
-              <a:t>SpO2/Heart Rate: 1 Hz</a:t>
-            </a:r>
-          </a:p>
-          <a:p>
-            <a:endParaRPr/>
-          </a:p>
-          <a:p>
-            <a:r>
-              <a:t>30-second epochs = different sample counts per signal</a:t>
-            </a:r>
-          </a:p>
-        </p:txBody>
-      </p:sp>
-    </p:spTree>
-  </p:cSld>
-  <p:clrMapOvr>
-    <a:masterClrMapping/>
-  </p:clrMapOvr>
-</p:sld>
-</file>
-
 <file path=ppt/slides/slide38.xml><?xml version="1.0" encoding="utf-8"?>
 <p:sld xmlns:a="http://schemas.openxmlformats.org/drawingml/2006/main" xmlns:r="http://schemas.openxmlformats.org/officeDocument/2006/relationships" xmlns:p="http://schemas.openxmlformats.org/presentationml/2006/main">
   <p:cSld>
@@ -29684,33 +30245,92 @@
         <p:spPr/>
         <p:txBody>
           <a:bodyPr>
-            <a:normAutofit/>
+            <a:normAutofit fontScale="90000"/>
           </a:bodyPr>
           <a:lstStyle/>
           <a:p>
             <a:r>
               <a:rPr sz="3200" dirty="0"/>
-              <a:t>Tips for Success</a:t>
-            </a:r>
-          </a:p>
-        </p:txBody>
-      </p:sp>
-      <p:sp>
-        <p:nvSpPr>
-          <p:cNvPr id="3" name="Text Placeholder 2"/>
-          <p:cNvSpPr>
-            <a:spLocks noGrp="1"/>
-          </p:cNvSpPr>
-          <p:nvPr>
-            <p:ph type="body" idx="1"/>
+              <a:t>EDF and XML File Formats</a:t>
+            </a:r>
+          </a:p>
+        </p:txBody>
+      </p:sp>
+      <p:sp>
+        <p:nvSpPr>
+          <p:cNvPr id="3" name="Content Placeholder 2"/>
+          <p:cNvSpPr>
+            <a:spLocks noGrp="1"/>
+          </p:cNvSpPr>
+          <p:nvPr>
+            <p:ph idx="1"/>
           </p:nvPr>
         </p:nvSpPr>
         <p:spPr/>
         <p:txBody>
-          <a:bodyPr/>
+          <a:bodyPr>
+            <a:noAutofit/>
+          </a:bodyPr>
           <a:lstStyle/>
           <a:p>
             <a:endParaRPr/>
+          </a:p>
+          <a:p>
+            <a:r>
+              <a:t>EDF (European Data Format):</a:t>
+            </a:r>
+          </a:p>
+          <a:p>
+            <a:pPr lvl="1"/>
+            <a:r>
+              <a:t>Standard for biosignals (EEG, EOG, EMG)</a:t>
+            </a:r>
+          </a:p>
+          <a:p>
+            <a:pPr lvl="1"/>
+            <a:r>
+              <a:t>Multiple channels with metadata</a:t>
+            </a:r>
+          </a:p>
+          <a:p>
+            <a:pPr lvl="1"/>
+            <a:r>
+              <a:t>Python: Use MNE library (mne.io.read_raw_edf)</a:t>
+            </a:r>
+          </a:p>
+          <a:p>
+            <a:endParaRPr/>
+          </a:p>
+          <a:p>
+            <a:r>
+              <a:t>XML (Compumedics Annotation Format):</a:t>
+            </a:r>
+          </a:p>
+          <a:p>
+            <a:pPr lvl="1"/>
+            <a:r>
+              <a:t>Sleep stage labels for each 30-second epoch</a:t>
+            </a:r>
+          </a:p>
+          <a:p>
+            <a:pPr lvl="1"/>
+            <a:r>
+              <a:t>Stages: Wake, N1, N2, N3, REM</a:t>
+            </a:r>
+          </a:p>
+          <a:p>
+            <a:pPr lvl="1"/>
+            <a:r>
+              <a:t>Python: Use xml.etree.ElementTree</a:t>
+            </a:r>
+          </a:p>
+          <a:p>
+            <a:endParaRPr/>
+          </a:p>
+          <a:p>
+            <a:r>
+              <a:t>📚 Reference: github.com/nsrr/edf-editor-translator/wiki</a:t>
+            </a:r>
           </a:p>
         </p:txBody>
       </p:sp>
@@ -29758,7 +30378,7 @@
           <a:p>
             <a:r>
               <a:rPr sz="3200" dirty="0"/>
-              <a:t>Tips for Success</a:t>
+              <a:t>Signal Processing Considerations</a:t>
             </a:r>
           </a:p>
         </p:txBody>
@@ -29784,60 +30404,65 @@
           </a:p>
           <a:p>
             <a:r>
-              <a:t>Start early and work consistently</a:t>
+              <a:t>Hardware Filtering Already Applied:</a:t>
             </a:r>
           </a:p>
           <a:p>
             <a:pPr lvl="1"/>
             <a:r>
-              <a:t>Don't wait until deadlines</a:t>
-            </a:r>
-          </a:p>
-          <a:p>
-            <a:r>
-              <a:t>Code first, optimize later</a:t>
+              <a:t>EEG/EOG/EMG/ECG: High-pass 0.15 Hz</a:t>
             </a:r>
           </a:p>
           <a:p>
             <a:pPr lvl="1"/>
             <a:r>
-              <a:t>Get something working, then improve</a:t>
-            </a:r>
-          </a:p>
-          <a:p>
-            <a:r>
-              <a:t>Test often - run pipeline after changes</a:t>
-            </a:r>
-          </a:p>
-          <a:p>
-            <a:r>
-              <a:t>Use caching to speed up development</a:t>
-            </a:r>
-          </a:p>
-          <a:p>
-            <a:r>
-              <a:t>Document as you go - not at the end</a:t>
-            </a:r>
-          </a:p>
-          <a:p>
-            <a:r>
-              <a:t>Communicate proactively with your team</a:t>
+              <a:t>Respiration: High-pass 0.05 Hz</a:t>
             </a:r>
           </a:p>
           <a:p>
             <a:pPr lvl="1"/>
             <a:r>
-              <a:t>Over-communication is better than under-communication</a:t>
-            </a:r>
-          </a:p>
-          <a:p>
-            <a:r>
-              <a:t>Ask for help early when stuck</a:t>
-            </a:r>
-          </a:p>
-          <a:p>
-            <a:r>
-              <a:t>Celebrate wins and learn from failures</a:t>
+              <a:t>Design additional filters accordingly</a:t>
+            </a:r>
+          </a:p>
+          <a:p>
+            <a:endParaRPr/>
+          </a:p>
+          <a:p>
+            <a:r>
+              <a:t>Different Sampling Rates:</a:t>
+            </a:r>
+          </a:p>
+          <a:p>
+            <a:pPr lvl="1"/>
+            <a:r>
+              <a:t>Primary signals (EEG/EMG/ECG): 125 Hz</a:t>
+            </a:r>
+          </a:p>
+          <a:p>
+            <a:pPr lvl="1"/>
+            <a:r>
+              <a:t>EOG signals: 50 Hz</a:t>
+            </a:r>
+          </a:p>
+          <a:p>
+            <a:pPr lvl="1"/>
+            <a:r>
+              <a:t>Respiration/Airflow: 10 Hz</a:t>
+            </a:r>
+          </a:p>
+          <a:p>
+            <a:pPr lvl="1"/>
+            <a:r>
+              <a:t>SpO2/Heart Rate: 1 Hz</a:t>
+            </a:r>
+          </a:p>
+          <a:p>
+            <a:endParaRPr/>
+          </a:p>
+          <a:p>
+            <a:r>
+              <a:t>30-second epochs = different sample counts per signal</a:t>
             </a:r>
           </a:p>
         </p:txBody>
@@ -29991,94 +30616,33 @@
         <p:spPr/>
         <p:txBody>
           <a:bodyPr>
-            <a:normAutofit fontScale="90000"/>
+            <a:normAutofit/>
           </a:bodyPr>
           <a:lstStyle/>
           <a:p>
             <a:r>
               <a:rPr sz="3200" dirty="0"/>
-              <a:t>Team Organization (3 members)</a:t>
-            </a:r>
-          </a:p>
-        </p:txBody>
-      </p:sp>
-      <p:sp>
-        <p:nvSpPr>
-          <p:cNvPr id="3" name="Content Placeholder 2"/>
-          <p:cNvSpPr>
-            <a:spLocks noGrp="1"/>
-          </p:cNvSpPr>
-          <p:nvPr>
-            <p:ph idx="1"/>
+              <a:t>Tips for Success</a:t>
+            </a:r>
+          </a:p>
+        </p:txBody>
+      </p:sp>
+      <p:sp>
+        <p:nvSpPr>
+          <p:cNvPr id="3" name="Text Placeholder 2"/>
+          <p:cNvSpPr>
+            <a:spLocks noGrp="1"/>
+          </p:cNvSpPr>
+          <p:nvPr>
+            <p:ph type="body" idx="1"/>
           </p:nvPr>
         </p:nvSpPr>
         <p:spPr/>
         <p:txBody>
-          <a:bodyPr>
-            <a:noAutofit/>
-          </a:bodyPr>
+          <a:bodyPr/>
           <a:lstStyle/>
           <a:p>
             <a:endParaRPr/>
-          </a:p>
-          <a:p>
-            <a:r>
-              <a:t>Project Manager:</a:t>
-            </a:r>
-          </a:p>
-          <a:p>
-            <a:pPr lvl="1"/>
-            <a:r>
-              <a:t>Coordination, ClickUp, integration, documentation</a:t>
-            </a:r>
-          </a:p>
-          <a:p>
-            <a:r>
-              <a:t>Preprocessing Lead:</a:t>
-            </a:r>
-          </a:p>
-          <a:p>
-            <a:pPr lvl="1"/>
-            <a:r>
-              <a:t>Signal cleaning, filtering, artifact removal</a:t>
-            </a:r>
-          </a:p>
-          <a:p>
-            <a:r>
-              <a:t>Feature Engineer:</a:t>
-            </a:r>
-          </a:p>
-          <a:p>
-            <a:pPr lvl="1"/>
-            <a:r>
-              <a:t>Feature extraction, selection, analysis</a:t>
-            </a:r>
-          </a:p>
-          <a:p>
-            <a:endParaRPr/>
-          </a:p>
-          <a:p>
-            <a:r>
-              <a:t>Note: With 3 members, roles overlap!</a:t>
-            </a:r>
-          </a:p>
-          <a:p>
-            <a:pPr lvl="1"/>
-            <a:r>
-              <a:t>Everyone should contribute to multiple areas</a:t>
-            </a:r>
-          </a:p>
-          <a:p>
-            <a:pPr lvl="1"/>
-            <a:r>
-              <a:t>Cross-train and help each other</a:t>
-            </a:r>
-          </a:p>
-          <a:p>
-            <a:pPr lvl="1"/>
-            <a:r>
-              <a:t>ML/classification can be shared responsibility</a:t>
-            </a:r>
           </a:p>
         </p:txBody>
       </p:sp>
@@ -30126,7 +30690,7 @@
           <a:p>
             <a:r>
               <a:rPr sz="3200" dirty="0"/>
-              <a:t>Resources &amp; Documentation</a:t>
+              <a:t>Tips for Success</a:t>
             </a:r>
           </a:p>
         </p:txBody>
@@ -30148,94 +30712,65 @@
           </a:bodyPr>
           <a:lstStyle/>
           <a:p>
-            <a:endParaRPr dirty="0"/>
-          </a:p>
-          <a:p>
-            <a:r>
-              <a:rPr dirty="0"/>
-              <a:t>Project documentation:</a:t>
+            <a:endParaRPr/>
+          </a:p>
+          <a:p>
+            <a:r>
+              <a:t>Start early and work consistently</a:t>
             </a:r>
           </a:p>
           <a:p>
             <a:pPr lvl="1"/>
             <a:r>
-              <a:rPr dirty="0" err="1"/>
-              <a:t>PROJECT_GUIDE.md</a:t>
-            </a:r>
-            <a:r>
-              <a:rPr dirty="0"/>
-              <a:t> - Complete project guide</a:t>
+              <a:t>Don't wait until deadlines</a:t>
+            </a:r>
+          </a:p>
+          <a:p>
+            <a:r>
+              <a:t>Code first, optimize later</a:t>
             </a:r>
           </a:p>
           <a:p>
             <a:pPr lvl="1"/>
             <a:r>
-              <a:rPr dirty="0" err="1"/>
-              <a:t>CLAUDE.md</a:t>
-            </a:r>
-            <a:r>
-              <a:rPr dirty="0"/>
-              <a:t> - Codebase overview</a:t>
+              <a:t>Get something working, then improve</a:t>
+            </a:r>
+          </a:p>
+          <a:p>
+            <a:r>
+              <a:t>Test often - run pipeline after changes</a:t>
+            </a:r>
+          </a:p>
+          <a:p>
+            <a:r>
+              <a:t>Use caching to speed up development</a:t>
+            </a:r>
+          </a:p>
+          <a:p>
+            <a:r>
+              <a:t>Document as you go - not at the end</a:t>
+            </a:r>
+          </a:p>
+          <a:p>
+            <a:r>
+              <a:t>Communicate proactively with your team</a:t>
             </a:r>
           </a:p>
           <a:p>
             <a:pPr lvl="1"/>
             <a:r>
-              <a:rPr dirty="0"/>
-              <a:t>Python/</a:t>
-            </a:r>
-            <a:r>
-              <a:rPr dirty="0" err="1"/>
-              <a:t>README.md</a:t>
-            </a:r>
-            <a:r>
-              <a:rPr dirty="0"/>
-              <a:t> - Python jumpstart guide</a:t>
-            </a:r>
-          </a:p>
-          <a:p>
-            <a:endParaRPr dirty="0"/>
-          </a:p>
-          <a:p>
-            <a:r>
-              <a:rPr dirty="0"/>
-              <a:t>Key libraries:</a:t>
-            </a:r>
-          </a:p>
-          <a:p>
-            <a:pPr lvl="1"/>
-            <a:r>
-              <a:rPr dirty="0"/>
-              <a:t>MNE - EEG/</a:t>
-            </a:r>
-            <a:r>
-              <a:rPr dirty="0" err="1"/>
-              <a:t>biosignal</a:t>
-            </a:r>
-            <a:r>
-              <a:rPr dirty="0"/>
-              <a:t> processing</a:t>
-            </a:r>
-          </a:p>
-          <a:p>
-            <a:pPr lvl="1"/>
-            <a:r>
-              <a:rPr dirty="0"/>
-              <a:t>scikit-learn - Machine learning</a:t>
-            </a:r>
-          </a:p>
-          <a:p>
-            <a:pPr lvl="1"/>
-            <a:r>
-              <a:rPr dirty="0"/>
-              <a:t>NumPy/SciPy - Signal processing</a:t>
-            </a:r>
-          </a:p>
-          <a:p>
-            <a:pPr marL="0" indent="0">
-              <a:buNone/>
-            </a:pPr>
-            <a:endParaRPr dirty="0"/>
+              <a:t>Over-communication is better than under-communication</a:t>
+            </a:r>
+          </a:p>
+          <a:p>
+            <a:r>
+              <a:t>Ask for help early when stuck</a:t>
+            </a:r>
+          </a:p>
+          <a:p>
+            <a:r>
+              <a:t>Celebrate wins and learn from failures</a:t>
+            </a:r>
           </a:p>
         </p:txBody>
       </p:sp>
@@ -30266,13 +30801,7 @@
       </p:grpSpPr>
       <p:sp>
         <p:nvSpPr>
-          <p:cNvPr id="2" name="Title 1">
-            <a:extLst>
-              <a:ext uri="{FF2B5EF4-FFF2-40B4-BE49-F238E27FC236}">
-                <a16:creationId xmlns:a16="http://schemas.microsoft.com/office/drawing/2014/main" id="{40DE0C74-4F9E-172E-3879-3212A70ED9DB}"/>
-              </a:ext>
-            </a:extLst>
-          </p:cNvPr>
+          <p:cNvPr id="2" name="Title 1"/>
           <p:cNvSpPr>
             <a:spLocks noGrp="1"/>
           </p:cNvSpPr>
@@ -30282,29 +30811,21 @@
         </p:nvSpPr>
         <p:spPr/>
         <p:txBody>
-          <a:bodyPr/>
-          <a:lstStyle/>
-          <a:p>
-            <a:r>
-              <a:rPr lang="en-GB" dirty="0"/>
-              <a:t>Guidelines for Contacting the Teaching Team</a:t>
-            </a:r>
-            <a:br>
-              <a:rPr lang="en-GB" dirty="0"/>
-            </a:br>
-            <a:endParaRPr lang="en-GB" dirty="0"/>
-          </a:p>
-        </p:txBody>
-      </p:sp>
-      <p:sp>
-        <p:nvSpPr>
-          <p:cNvPr id="3" name="Content Placeholder 2">
-            <a:extLst>
-              <a:ext uri="{FF2B5EF4-FFF2-40B4-BE49-F238E27FC236}">
-                <a16:creationId xmlns:a16="http://schemas.microsoft.com/office/drawing/2014/main" id="{C85C35F1-D28C-B7E9-A38D-26C29CE34BCF}"/>
-              </a:ext>
-            </a:extLst>
-          </p:cNvPr>
+          <a:bodyPr>
+            <a:normAutofit fontScale="90000"/>
+          </a:bodyPr>
+          <a:lstStyle/>
+          <a:p>
+            <a:r>
+              <a:rPr sz="3200" dirty="0"/>
+              <a:t>Team Organization (3 members)</a:t>
+            </a:r>
+          </a:p>
+        </p:txBody>
+      </p:sp>
+      <p:sp>
+        <p:nvSpPr>
+          <p:cNvPr id="3" name="Content Placeholder 2"/>
           <p:cNvSpPr>
             <a:spLocks noGrp="1"/>
           </p:cNvSpPr>
@@ -30314,92 +30835,75 @@
         </p:nvSpPr>
         <p:spPr/>
         <p:txBody>
-          <a:bodyPr/>
-          <a:lstStyle/>
-          <a:p>
-            <a:r>
-              <a:rPr lang="en-GB" b="1" dirty="0"/>
-              <a:t>Support Team</a:t>
+          <a:bodyPr>
+            <a:noAutofit/>
+          </a:bodyPr>
+          <a:lstStyle/>
+          <a:p>
+            <a:endParaRPr/>
+          </a:p>
+          <a:p>
+            <a:r>
+              <a:t>Project Manager:</a:t>
             </a:r>
           </a:p>
           <a:p>
             <a:pPr lvl="1"/>
             <a:r>
-              <a:rPr lang="en-GB" dirty="0"/>
-              <a:t>Farhad Abtahi, </a:t>
-            </a:r>
-            <a:r>
-              <a:rPr lang="en-GB" dirty="0">
-                <a:hlinkClick r:id="rId2"/>
-              </a:rPr>
-              <a:t>sabt@kth.se</a:t>
-            </a:r>
-            <a:r>
-              <a:rPr lang="en-GB" dirty="0"/>
-              <a:t> (CC)</a:t>
+              <a:t>Coordination, ClickUp, integration, documentation</a:t>
+            </a:r>
+          </a:p>
+          <a:p>
+            <a:r>
+              <a:t>Preprocessing Lead:</a:t>
             </a:r>
           </a:p>
           <a:p>
             <a:pPr lvl="1"/>
             <a:r>
-              <a:rPr lang="en-GB" dirty="0"/>
-              <a:t>Fardin Afdideh, </a:t>
-            </a:r>
-            <a:r>
-              <a:rPr lang="en-GB" dirty="0">
-                <a:hlinkClick r:id="rId3"/>
-              </a:rPr>
-              <a:t>fardia@kth.se</a:t>
-            </a:r>
-            <a:r>
-              <a:rPr lang="en-GB" dirty="0"/>
-              <a:t>  (main contact) </a:t>
+              <a:t>Signal cleaning, filtering, artifact removal</a:t>
+            </a:r>
+          </a:p>
+          <a:p>
+            <a:r>
+              <a:t>Feature Engineer:</a:t>
             </a:r>
           </a:p>
           <a:p>
             <a:pPr lvl="1"/>
             <a:r>
-              <a:rPr lang="en-GB" dirty="0"/>
-              <a:t>Eduardo Illueca Fernandez, </a:t>
-            </a:r>
-            <a:r>
-              <a:rPr lang="en-GB" dirty="0">
-                <a:hlinkClick r:id="rId4"/>
-              </a:rPr>
-              <a:t>eduardo.illueca@ki.</a:t>
-            </a:r>
-            <a:r>
-              <a:rPr lang="en-GB">
-                <a:hlinkClick r:id="rId4"/>
-              </a:rPr>
-              <a:t>se</a:t>
-            </a:r>
-            <a:r>
-              <a:rPr lang="en-GB"/>
-              <a:t> (CC)</a:t>
-            </a:r>
-            <a:endParaRPr lang="en-GB" dirty="0"/>
-          </a:p>
-          <a:p>
-            <a:pPr marL="0" indent="0">
-              <a:buNone/>
-            </a:pPr>
-            <a:br>
-              <a:rPr lang="en-GB" dirty="0"/>
-            </a:br>
-            <a:r>
-              <a:rPr lang="en-GB" dirty="0"/>
-              <a:t> </a:t>
+              <a:t>Feature extraction, selection, analysis</a:t>
+            </a:r>
+          </a:p>
+          <a:p>
+            <a:endParaRPr/>
+          </a:p>
+          <a:p>
+            <a:r>
+              <a:t>Note: With 3 members, roles overlap!</a:t>
+            </a:r>
+          </a:p>
+          <a:p>
+            <a:pPr lvl="1"/>
+            <a:r>
+              <a:t>Everyone should contribute to multiple areas</a:t>
+            </a:r>
+          </a:p>
+          <a:p>
+            <a:pPr lvl="1"/>
+            <a:r>
+              <a:t>Cross-train and help each other</a:t>
+            </a:r>
+          </a:p>
+          <a:p>
+            <a:pPr lvl="1"/>
+            <a:r>
+              <a:t>ML/classification can be shared responsibility</a:t>
             </a:r>
           </a:p>
         </p:txBody>
       </p:sp>
     </p:spTree>
-    <p:extLst>
-      <p:ext uri="{BB962C8B-B14F-4D97-AF65-F5344CB8AC3E}">
-        <p14:creationId xmlns:p14="http://schemas.microsoft.com/office/powerpoint/2010/main" val="26051892"/>
-      </p:ext>
-    </p:extLst>
   </p:cSld>
   <p:clrMapOvr>
     <a:masterClrMapping/>
@@ -30426,13 +30930,7 @@
       </p:grpSpPr>
       <p:sp>
         <p:nvSpPr>
-          <p:cNvPr id="2" name="Title 1">
-            <a:extLst>
-              <a:ext uri="{FF2B5EF4-FFF2-40B4-BE49-F238E27FC236}">
-                <a16:creationId xmlns:a16="http://schemas.microsoft.com/office/drawing/2014/main" id="{7F246AB1-C2C3-8791-32B0-D11EC8D23D73}"/>
-              </a:ext>
-            </a:extLst>
-          </p:cNvPr>
+          <p:cNvPr id="2" name="Title 1"/>
           <p:cNvSpPr>
             <a:spLocks noGrp="1"/>
           </p:cNvSpPr>
@@ -30442,29 +30940,21 @@
         </p:nvSpPr>
         <p:spPr/>
         <p:txBody>
-          <a:bodyPr/>
-          <a:lstStyle/>
-          <a:p>
-            <a:r>
-              <a:rPr lang="en-GB" dirty="0"/>
-              <a:t>Guidelines for Contacting the Teaching Team</a:t>
-            </a:r>
-            <a:br>
-              <a:rPr lang="en-GB" dirty="0"/>
-            </a:br>
-            <a:endParaRPr lang="en-GB" dirty="0"/>
-          </a:p>
-        </p:txBody>
-      </p:sp>
-      <p:sp>
-        <p:nvSpPr>
-          <p:cNvPr id="3" name="Content Placeholder 2">
-            <a:extLst>
-              <a:ext uri="{FF2B5EF4-FFF2-40B4-BE49-F238E27FC236}">
-                <a16:creationId xmlns:a16="http://schemas.microsoft.com/office/drawing/2014/main" id="{61E54B28-4B87-4B38-036E-FE9DCAAA8F9E}"/>
-              </a:ext>
-            </a:extLst>
-          </p:cNvPr>
+          <a:bodyPr>
+            <a:normAutofit fontScale="90000"/>
+          </a:bodyPr>
+          <a:lstStyle/>
+          <a:p>
+            <a:r>
+              <a:rPr sz="3200" dirty="0"/>
+              <a:t>Resources &amp; Documentation</a:t>
+            </a:r>
+          </a:p>
+        </p:txBody>
+      </p:sp>
+      <p:sp>
+        <p:nvSpPr>
+          <p:cNvPr id="3" name="Content Placeholder 2"/>
           <p:cNvSpPr>
             <a:spLocks noGrp="1"/>
           </p:cNvSpPr>
@@ -30474,71 +30964,103 @@
         </p:nvSpPr>
         <p:spPr/>
         <p:txBody>
-          <a:bodyPr/>
-          <a:lstStyle/>
+          <a:bodyPr>
+            <a:noAutofit/>
+          </a:bodyPr>
+          <a:lstStyle/>
+          <a:p>
+            <a:endParaRPr dirty="0"/>
+          </a:p>
+          <a:p>
+            <a:r>
+              <a:rPr dirty="0"/>
+              <a:t>Project documentation:</a:t>
+            </a:r>
+          </a:p>
+          <a:p>
+            <a:pPr lvl="1"/>
+            <a:r>
+              <a:rPr dirty="0" err="1"/>
+              <a:t>PROJECT_GUIDE.md</a:t>
+            </a:r>
+            <a:r>
+              <a:rPr dirty="0"/>
+              <a:t> - Complete project guide</a:t>
+            </a:r>
+          </a:p>
+          <a:p>
+            <a:pPr lvl="1"/>
+            <a:r>
+              <a:rPr dirty="0" err="1"/>
+              <a:t>CLAUDE.md</a:t>
+            </a:r>
+            <a:r>
+              <a:rPr dirty="0"/>
+              <a:t> - Codebase overview</a:t>
+            </a:r>
+          </a:p>
+          <a:p>
+            <a:pPr lvl="1"/>
+            <a:r>
+              <a:rPr dirty="0"/>
+              <a:t>Python/</a:t>
+            </a:r>
+            <a:r>
+              <a:rPr dirty="0" err="1"/>
+              <a:t>README.md</a:t>
+            </a:r>
+            <a:r>
+              <a:rPr dirty="0"/>
+              <a:t> - Python jumpstart guide</a:t>
+            </a:r>
+          </a:p>
+          <a:p>
+            <a:endParaRPr dirty="0"/>
+          </a:p>
+          <a:p>
+            <a:r>
+              <a:rPr dirty="0"/>
+              <a:t>Key libraries:</a:t>
+            </a:r>
+          </a:p>
+          <a:p>
+            <a:pPr lvl="1"/>
+            <a:r>
+              <a:rPr dirty="0"/>
+              <a:t>MNE - EEG/</a:t>
+            </a:r>
+            <a:r>
+              <a:rPr dirty="0" err="1"/>
+              <a:t>biosignal</a:t>
+            </a:r>
+            <a:r>
+              <a:rPr dirty="0"/>
+              <a:t> processing</a:t>
+            </a:r>
+          </a:p>
+          <a:p>
+            <a:pPr lvl="1"/>
+            <a:r>
+              <a:rPr dirty="0"/>
+              <a:t>scikit-learn - Machine learning</a:t>
+            </a:r>
+          </a:p>
+          <a:p>
+            <a:pPr lvl="1"/>
+            <a:r>
+              <a:rPr dirty="0"/>
+              <a:t>NumPy/SciPy - Signal processing</a:t>
+            </a:r>
+          </a:p>
           <a:p>
             <a:pPr marL="0" indent="0">
               <a:buNone/>
             </a:pPr>
-            <a:r>
-              <a:rPr lang="en-GB" b="1" dirty="0"/>
-              <a:t>⁠Primary Contact Method</a:t>
-            </a:r>
-          </a:p>
-          <a:p>
-            <a:pPr lvl="1"/>
-            <a:r>
-              <a:rPr lang="en-GB" dirty="0"/>
-              <a:t>Use email.</a:t>
-            </a:r>
-          </a:p>
-          <a:p>
-            <a:pPr lvl="1"/>
-            <a:r>
-              <a:rPr lang="en-GB" dirty="0"/>
-              <a:t>Clearly include: [Course Code] + [Topic] in the subject line.</a:t>
-            </a:r>
-          </a:p>
-          <a:p>
-            <a:pPr marL="0" indent="0">
-              <a:buNone/>
-            </a:pPr>
-            <a:r>
-              <a:rPr lang="en-GB" b="1" dirty="0"/>
-              <a:t>⁠Before Contacting</a:t>
-            </a:r>
-          </a:p>
-          <a:p>
-            <a:pPr lvl="1"/>
-            <a:r>
-              <a:rPr lang="en-GB" dirty="0"/>
-              <a:t>Re-check lecture slides, assignments, forum, and FAQs</a:t>
-            </a:r>
-          </a:p>
-          <a:p>
-            <a:pPr marL="0" indent="0">
-              <a:buNone/>
-            </a:pPr>
-            <a:r>
-              <a:rPr lang="en-GB" b="1" dirty="0"/>
-              <a:t>Booked Sessions</a:t>
-            </a:r>
-          </a:p>
-          <a:p>
-            <a:pPr lvl="1"/>
-            <a:r>
-              <a:rPr lang="en-GB" dirty="0"/>
-              <a:t>Come prepared with specific questions or code snippets — not just “I don’t understand.”</a:t>
-            </a:r>
+            <a:endParaRPr dirty="0"/>
           </a:p>
         </p:txBody>
       </p:sp>
     </p:spTree>
-    <p:extLst>
-      <p:ext uri="{BB962C8B-B14F-4D97-AF65-F5344CB8AC3E}">
-        <p14:creationId xmlns:p14="http://schemas.microsoft.com/office/powerpoint/2010/main" val="2256097771"/>
-      </p:ext>
-    </p:extLst>
   </p:cSld>
   <p:clrMapOvr>
     <a:masterClrMapping/>
@@ -30568,7 +31090,7 @@
           <p:cNvPr id="2" name="Title 1">
             <a:extLst>
               <a:ext uri="{FF2B5EF4-FFF2-40B4-BE49-F238E27FC236}">
-                <a16:creationId xmlns:a16="http://schemas.microsoft.com/office/drawing/2014/main" id="{9CC46C69-FB4E-0B86-59F1-CB3C00409294}"/>
+                <a16:creationId xmlns:a16="http://schemas.microsoft.com/office/drawing/2014/main" id="{40DE0C74-4F9E-172E-3879-3212A70ED9DB}"/>
               </a:ext>
             </a:extLst>
           </p:cNvPr>
@@ -30600,7 +31122,7 @@
           <p:cNvPr id="3" name="Content Placeholder 2">
             <a:extLst>
               <a:ext uri="{FF2B5EF4-FFF2-40B4-BE49-F238E27FC236}">
-                <a16:creationId xmlns:a16="http://schemas.microsoft.com/office/drawing/2014/main" id="{26CE8F54-027A-E6DA-C9A2-B355FDE91908}"/>
+                <a16:creationId xmlns:a16="http://schemas.microsoft.com/office/drawing/2014/main" id="{C85C35F1-D28C-B7E9-A38D-26C29CE34BCF}"/>
               </a:ext>
             </a:extLst>
           </p:cNvPr>
@@ -30615,66 +31137,80 @@
         <p:txBody>
           <a:bodyPr/>
           <a:lstStyle/>
+          <a:p>
+            <a:r>
+              <a:rPr lang="en-GB" b="1" dirty="0"/>
+              <a:t>Support Team</a:t>
+            </a:r>
+          </a:p>
+          <a:p>
+            <a:pPr lvl="1"/>
+            <a:r>
+              <a:rPr lang="en-GB" dirty="0"/>
+              <a:t>Farhad Abtahi, </a:t>
+            </a:r>
+            <a:r>
+              <a:rPr lang="en-GB" dirty="0">
+                <a:hlinkClick r:id="rId2"/>
+              </a:rPr>
+              <a:t>sabt@kth.se</a:t>
+            </a:r>
+            <a:r>
+              <a:rPr lang="en-GB" dirty="0"/>
+              <a:t> (CC)</a:t>
+            </a:r>
+          </a:p>
+          <a:p>
+            <a:pPr lvl="1"/>
+            <a:r>
+              <a:rPr lang="en-GB" dirty="0"/>
+              <a:t>Fardin Afdideh, </a:t>
+            </a:r>
+            <a:r>
+              <a:rPr lang="en-GB" dirty="0">
+                <a:hlinkClick r:id="rId3"/>
+              </a:rPr>
+              <a:t>fardia@kth.se</a:t>
+            </a:r>
+            <a:r>
+              <a:rPr lang="en-GB" dirty="0"/>
+              <a:t>  (main contact) </a:t>
+            </a:r>
+          </a:p>
+          <a:p>
+            <a:pPr lvl="1"/>
+            <a:r>
+              <a:rPr lang="en-GB" dirty="0"/>
+              <a:t>Eduardo Illueca Fernandez, </a:t>
+            </a:r>
+            <a:r>
+              <a:rPr lang="en-GB" dirty="0">
+                <a:hlinkClick r:id="rId4"/>
+              </a:rPr>
+              <a:t>eduardo.illueca@ki.</a:t>
+            </a:r>
+            <a:r>
+              <a:rPr lang="en-GB">
+                <a:hlinkClick r:id="rId4"/>
+              </a:rPr>
+              <a:t>se</a:t>
+            </a:r>
+            <a:r>
+              <a:rPr lang="en-GB"/>
+              <a:t> (CC)</a:t>
+            </a:r>
+            <a:endParaRPr lang="en-GB" dirty="0"/>
+          </a:p>
           <a:p>
             <a:pPr marL="0" indent="0">
               <a:buNone/>
             </a:pPr>
-            <a:r>
-              <a:rPr lang="en-GB" b="1" dirty="0"/>
-              <a:t>Email Etiquette</a:t>
-            </a:r>
-          </a:p>
-          <a:p>
-            <a:pPr lvl="1"/>
-            <a:r>
+            <a:br>
               <a:rPr lang="en-GB" dirty="0"/>
-              <a:t>Be concise but include enough detail (assignment number, error messages, screenshots).</a:t>
-            </a:r>
-          </a:p>
-          <a:p>
-            <a:pPr lvl="1"/>
+            </a:br>
             <a:r>
               <a:rPr lang="en-GB" dirty="0"/>
-              <a:t>Avoid last-minute emails right before deadlines.</a:t>
-            </a:r>
-          </a:p>
-          <a:p>
-            <a:pPr marL="0" indent="0">
-              <a:buNone/>
-            </a:pPr>
-            <a:r>
-              <a:rPr lang="en-GB" b="1" dirty="0"/>
-              <a:t>Group Support</a:t>
-            </a:r>
-          </a:p>
-          <a:p>
-            <a:pPr lvl="1"/>
-            <a:r>
-              <a:rPr lang="en-GB" dirty="0"/>
-              <a:t>If several students have the same question, we may answer it once on the forum instead of multiple emails.</a:t>
-            </a:r>
-          </a:p>
-          <a:p>
-            <a:pPr marL="0" indent="0">
-              <a:buNone/>
-            </a:pPr>
-            <a:r>
-              <a:rPr lang="en-GB" b="1" dirty="0"/>
-              <a:t>Workload Balance</a:t>
-            </a:r>
-          </a:p>
-          <a:p>
-            <a:pPr lvl="1"/>
-            <a:r>
-              <a:rPr lang="en-GB" dirty="0"/>
-              <a:t>TAs are here to help, not to solve assignments for you.</a:t>
-            </a:r>
-          </a:p>
-          <a:p>
-            <a:pPr lvl="1"/>
-            <a:r>
-              <a:rPr lang="en-GB" dirty="0"/>
-              <a:t>Please attempt the problem first and show your work when asking for help.</a:t>
+              <a:t> </a:t>
             </a:r>
           </a:p>
         </p:txBody>
@@ -30682,7 +31218,7 @@
     </p:spTree>
     <p:extLst>
       <p:ext uri="{BB962C8B-B14F-4D97-AF65-F5344CB8AC3E}">
-        <p14:creationId xmlns:p14="http://schemas.microsoft.com/office/powerpoint/2010/main" val="1712982354"/>
+        <p14:creationId xmlns:p14="http://schemas.microsoft.com/office/powerpoint/2010/main" val="26051892"/>
       </p:ext>
     </p:extLst>
   </p:cSld>
@@ -30711,7 +31247,13 @@
       </p:grpSpPr>
       <p:sp>
         <p:nvSpPr>
-          <p:cNvPr id="2" name="Title 1"/>
+          <p:cNvPr id="2" name="Title 1">
+            <a:extLst>
+              <a:ext uri="{FF2B5EF4-FFF2-40B4-BE49-F238E27FC236}">
+                <a16:creationId xmlns:a16="http://schemas.microsoft.com/office/drawing/2014/main" id="{7F246AB1-C2C3-8791-32B0-D11EC8D23D73}"/>
+              </a:ext>
+            </a:extLst>
+          </p:cNvPr>
           <p:cNvSpPr>
             <a:spLocks noGrp="1"/>
           </p:cNvSpPr>
@@ -30721,26 +31263,34 @@
         </p:nvSpPr>
         <p:spPr/>
         <p:txBody>
-          <a:bodyPr>
-            <a:normAutofit/>
-          </a:bodyPr>
-          <a:lstStyle/>
-          <a:p>
-            <a:r>
-              <a:rPr sz="3200" dirty="0"/>
-              <a:t>Questions?</a:t>
-            </a:r>
-          </a:p>
-        </p:txBody>
-      </p:sp>
-      <p:sp>
-        <p:nvSpPr>
-          <p:cNvPr id="3" name="Text Placeholder 2"/>
-          <p:cNvSpPr>
-            <a:spLocks noGrp="1"/>
-          </p:cNvSpPr>
-          <p:nvPr>
-            <p:ph type="body" idx="1"/>
+          <a:bodyPr/>
+          <a:lstStyle/>
+          <a:p>
+            <a:r>
+              <a:rPr lang="en-GB" dirty="0"/>
+              <a:t>Guidelines for Contacting the Teaching Team</a:t>
+            </a:r>
+            <a:br>
+              <a:rPr lang="en-GB" dirty="0"/>
+            </a:br>
+            <a:endParaRPr lang="en-GB" dirty="0"/>
+          </a:p>
+        </p:txBody>
+      </p:sp>
+      <p:sp>
+        <p:nvSpPr>
+          <p:cNvPr id="3" name="Content Placeholder 2">
+            <a:extLst>
+              <a:ext uri="{FF2B5EF4-FFF2-40B4-BE49-F238E27FC236}">
+                <a16:creationId xmlns:a16="http://schemas.microsoft.com/office/drawing/2014/main" id="{61E54B28-4B87-4B38-036E-FE9DCAAA8F9E}"/>
+              </a:ext>
+            </a:extLst>
+          </p:cNvPr>
+          <p:cNvSpPr>
+            <a:spLocks noGrp="1"/>
+          </p:cNvSpPr>
+          <p:nvPr>
+            <p:ph idx="1"/>
           </p:nvPr>
         </p:nvSpPr>
         <p:spPr/>
@@ -30748,11 +31298,68 @@
           <a:bodyPr/>
           <a:lstStyle/>
           <a:p>
-            <a:endParaRPr/>
+            <a:pPr marL="0" indent="0">
+              <a:buNone/>
+            </a:pPr>
+            <a:r>
+              <a:rPr lang="en-GB" b="1" dirty="0"/>
+              <a:t>⁠Primary Contact Method</a:t>
+            </a:r>
+          </a:p>
+          <a:p>
+            <a:pPr lvl="1"/>
+            <a:r>
+              <a:rPr lang="en-GB" dirty="0"/>
+              <a:t>Use email.</a:t>
+            </a:r>
+          </a:p>
+          <a:p>
+            <a:pPr lvl="1"/>
+            <a:r>
+              <a:rPr lang="en-GB" dirty="0"/>
+              <a:t>Clearly include: [Course Code] + [Topic] in the subject line.</a:t>
+            </a:r>
+          </a:p>
+          <a:p>
+            <a:pPr marL="0" indent="0">
+              <a:buNone/>
+            </a:pPr>
+            <a:r>
+              <a:rPr lang="en-GB" b="1" dirty="0"/>
+              <a:t>⁠Before Contacting</a:t>
+            </a:r>
+          </a:p>
+          <a:p>
+            <a:pPr lvl="1"/>
+            <a:r>
+              <a:rPr lang="en-GB" dirty="0"/>
+              <a:t>Re-check lecture slides, assignments, forum, and FAQs</a:t>
+            </a:r>
+          </a:p>
+          <a:p>
+            <a:pPr marL="0" indent="0">
+              <a:buNone/>
+            </a:pPr>
+            <a:r>
+              <a:rPr lang="en-GB" b="1" dirty="0"/>
+              <a:t>Booked Sessions</a:t>
+            </a:r>
+          </a:p>
+          <a:p>
+            <a:pPr lvl="1"/>
+            <a:r>
+              <a:rPr lang="en-GB" dirty="0"/>
+              <a:t>Come prepared with specific questions or code snippets — not just “I don’t understand.”</a:t>
+            </a:r>
           </a:p>
         </p:txBody>
       </p:sp>
     </p:spTree>
+    <p:extLst>
+      <p:ext uri="{BB962C8B-B14F-4D97-AF65-F5344CB8AC3E}">
+        <p14:creationId xmlns:p14="http://schemas.microsoft.com/office/powerpoint/2010/main" val="2256097771"/>
+      </p:ext>
+    </p:extLst>
   </p:cSld>
   <p:clrMapOvr>
     <a:masterClrMapping/>
@@ -30779,6 +31386,152 @@
       </p:grpSpPr>
       <p:sp>
         <p:nvSpPr>
+          <p:cNvPr id="2" name="Title 1">
+            <a:extLst>
+              <a:ext uri="{FF2B5EF4-FFF2-40B4-BE49-F238E27FC236}">
+                <a16:creationId xmlns:a16="http://schemas.microsoft.com/office/drawing/2014/main" id="{9CC46C69-FB4E-0B86-59F1-CB3C00409294}"/>
+              </a:ext>
+            </a:extLst>
+          </p:cNvPr>
+          <p:cNvSpPr>
+            <a:spLocks noGrp="1"/>
+          </p:cNvSpPr>
+          <p:nvPr>
+            <p:ph type="title"/>
+          </p:nvPr>
+        </p:nvSpPr>
+        <p:spPr/>
+        <p:txBody>
+          <a:bodyPr/>
+          <a:lstStyle/>
+          <a:p>
+            <a:r>
+              <a:rPr lang="en-GB" dirty="0"/>
+              <a:t>Guidelines for Contacting the Teaching Team</a:t>
+            </a:r>
+            <a:br>
+              <a:rPr lang="en-GB" dirty="0"/>
+            </a:br>
+            <a:endParaRPr lang="en-GB" dirty="0"/>
+          </a:p>
+        </p:txBody>
+      </p:sp>
+      <p:sp>
+        <p:nvSpPr>
+          <p:cNvPr id="3" name="Content Placeholder 2">
+            <a:extLst>
+              <a:ext uri="{FF2B5EF4-FFF2-40B4-BE49-F238E27FC236}">
+                <a16:creationId xmlns:a16="http://schemas.microsoft.com/office/drawing/2014/main" id="{26CE8F54-027A-E6DA-C9A2-B355FDE91908}"/>
+              </a:ext>
+            </a:extLst>
+          </p:cNvPr>
+          <p:cNvSpPr>
+            <a:spLocks noGrp="1"/>
+          </p:cNvSpPr>
+          <p:nvPr>
+            <p:ph idx="1"/>
+          </p:nvPr>
+        </p:nvSpPr>
+        <p:spPr/>
+        <p:txBody>
+          <a:bodyPr/>
+          <a:lstStyle/>
+          <a:p>
+            <a:pPr marL="0" indent="0">
+              <a:buNone/>
+            </a:pPr>
+            <a:r>
+              <a:rPr lang="en-GB" b="1" dirty="0"/>
+              <a:t>Email Etiquette</a:t>
+            </a:r>
+          </a:p>
+          <a:p>
+            <a:pPr lvl="1"/>
+            <a:r>
+              <a:rPr lang="en-GB" dirty="0"/>
+              <a:t>Be concise but include enough detail (assignment number, error messages, screenshots).</a:t>
+            </a:r>
+          </a:p>
+          <a:p>
+            <a:pPr lvl="1"/>
+            <a:r>
+              <a:rPr lang="en-GB" dirty="0"/>
+              <a:t>Avoid last-minute emails right before deadlines.</a:t>
+            </a:r>
+          </a:p>
+          <a:p>
+            <a:pPr marL="0" indent="0">
+              <a:buNone/>
+            </a:pPr>
+            <a:r>
+              <a:rPr lang="en-GB" b="1" dirty="0"/>
+              <a:t>Group Support</a:t>
+            </a:r>
+          </a:p>
+          <a:p>
+            <a:pPr lvl="1"/>
+            <a:r>
+              <a:rPr lang="en-GB" dirty="0"/>
+              <a:t>If several students have the same question, we may answer it once on the forum instead of multiple emails.</a:t>
+            </a:r>
+          </a:p>
+          <a:p>
+            <a:pPr marL="0" indent="0">
+              <a:buNone/>
+            </a:pPr>
+            <a:r>
+              <a:rPr lang="en-GB" b="1" dirty="0"/>
+              <a:t>Workload Balance</a:t>
+            </a:r>
+          </a:p>
+          <a:p>
+            <a:pPr lvl="1"/>
+            <a:r>
+              <a:rPr lang="en-GB" dirty="0"/>
+              <a:t>TAs are here to help, not to solve assignments for you.</a:t>
+            </a:r>
+          </a:p>
+          <a:p>
+            <a:pPr lvl="1"/>
+            <a:r>
+              <a:rPr lang="en-GB" dirty="0"/>
+              <a:t>Please attempt the problem first and show your work when asking for help.</a:t>
+            </a:r>
+          </a:p>
+        </p:txBody>
+      </p:sp>
+    </p:spTree>
+    <p:extLst>
+      <p:ext uri="{BB962C8B-B14F-4D97-AF65-F5344CB8AC3E}">
+        <p14:creationId xmlns:p14="http://schemas.microsoft.com/office/powerpoint/2010/main" val="1712982354"/>
+      </p:ext>
+    </p:extLst>
+  </p:cSld>
+  <p:clrMapOvr>
+    <a:masterClrMapping/>
+  </p:clrMapOvr>
+</p:sld>
+</file>
+
+<file path=ppt/slides/slide47.xml><?xml version="1.0" encoding="utf-8"?>
+<p:sld xmlns:a="http://schemas.openxmlformats.org/drawingml/2006/main" xmlns:r="http://schemas.openxmlformats.org/officeDocument/2006/relationships" xmlns:p="http://schemas.openxmlformats.org/presentationml/2006/main">
+  <p:cSld>
+    <p:spTree>
+      <p:nvGrpSpPr>
+        <p:cNvPr id="1" name=""/>
+        <p:cNvGrpSpPr/>
+        <p:nvPr/>
+      </p:nvGrpSpPr>
+      <p:grpSpPr>
+        <a:xfrm>
+          <a:off x="0" y="0"/>
+          <a:ext cx="0" cy="0"/>
+          <a:chOff x="0" y="0"/>
+          <a:chExt cx="0" cy="0"/>
+        </a:xfrm>
+      </p:grpSpPr>
+      <p:sp>
+        <p:nvSpPr>
           <p:cNvPr id="2" name="Title 1"/>
           <p:cNvSpPr>
             <a:spLocks noGrp="1"/>
@@ -30790,97 +31543,33 @@
         <p:spPr/>
         <p:txBody>
           <a:bodyPr>
-            <a:normAutofit fontScale="90000"/>
+            <a:normAutofit/>
           </a:bodyPr>
           <a:lstStyle/>
           <a:p>
             <a:r>
               <a:rPr sz="3200" dirty="0"/>
-              <a:t>Summary - Key Takeaways</a:t>
-            </a:r>
-          </a:p>
-        </p:txBody>
-      </p:sp>
-      <p:sp>
-        <p:nvSpPr>
-          <p:cNvPr id="3" name="Content Placeholder 2"/>
-          <p:cNvSpPr>
-            <a:spLocks noGrp="1"/>
-          </p:cNvSpPr>
-          <p:nvPr>
-            <p:ph idx="1"/>
+              <a:t>Questions?</a:t>
+            </a:r>
+          </a:p>
+        </p:txBody>
+      </p:sp>
+      <p:sp>
+        <p:nvSpPr>
+          <p:cNvPr id="3" name="Text Placeholder 2"/>
+          <p:cNvSpPr>
+            <a:spLocks noGrp="1"/>
+          </p:cNvSpPr>
+          <p:nvPr>
+            <p:ph type="body" idx="1"/>
           </p:nvPr>
         </p:nvSpPr>
         <p:spPr/>
         <p:txBody>
-          <a:bodyPr>
-            <a:noAutofit/>
-          </a:bodyPr>
-          <a:lstStyle/>
-          <a:p>
-            <a:endParaRPr sz="1800" dirty="0"/>
-          </a:p>
-          <a:p>
-            <a:r>
-              <a:rPr sz="1800" dirty="0"/>
-              <a:t>✓ Iterative agile development over 10 weeks</a:t>
-            </a:r>
-          </a:p>
-          <a:p>
-            <a:r>
-              <a:rPr sz="1800" dirty="0"/>
-              <a:t>✓ 4 sprints with clear milestones and deadlines</a:t>
-            </a:r>
-          </a:p>
-          <a:p>
-            <a:r>
-              <a:rPr sz="1800" dirty="0"/>
-              <a:t>✓ Assessment based on process, not just accuracy</a:t>
-            </a:r>
-          </a:p>
-          <a:p>
-            <a:r>
-              <a:rPr sz="1800" dirty="0"/>
-              <a:t>✓ Use </a:t>
-            </a:r>
-            <a:r>
-              <a:rPr sz="1800" dirty="0" err="1"/>
-              <a:t>ClickUp</a:t>
-            </a:r>
-            <a:r>
-              <a:rPr sz="1800" dirty="0"/>
-              <a:t> for project management and collaboration</a:t>
-            </a:r>
-          </a:p>
-          <a:p>
-            <a:r>
-              <a:rPr sz="1800" dirty="0"/>
-              <a:t>✓ Python jumpstart provides structure, you implement algorithms</a:t>
-            </a:r>
-          </a:p>
-          <a:p>
-            <a:r>
-              <a:rPr sz="1800" dirty="0"/>
-              <a:t>✓ Focus on learning and continuous improvement</a:t>
-            </a:r>
-          </a:p>
-          <a:p>
-            <a:endParaRPr sz="1800" dirty="0"/>
-          </a:p>
-          <a:p>
-            <a:r>
-              <a:rPr sz="1800" dirty="0"/>
-              <a:t>Start with Iteration 1: Get basic pipeline working!</a:t>
-            </a:r>
-          </a:p>
-          <a:p>
-            <a:endParaRPr sz="1800" dirty="0"/>
-          </a:p>
-          <a:p>
-            <a:r>
-              <a:rPr sz="1800" dirty="0"/>
-              <a:t>Good luck! 🚀</a:t>
-            </a:r>
+          <a:bodyPr/>
+          <a:lstStyle/>
+          <a:p>
+            <a:endParaRPr/>
           </a:p>
         </p:txBody>
       </p:sp>
@@ -30892,7 +31581,139 @@
 </p:sld>
 </file>
 
-<file path=ppt/slides/slide47.xml><?xml version="1.0" encoding="utf-8"?>
+<file path=ppt/slides/slide48.xml><?xml version="1.0" encoding="utf-8"?>
+<p:sld xmlns:a="http://schemas.openxmlformats.org/drawingml/2006/main" xmlns:r="http://schemas.openxmlformats.org/officeDocument/2006/relationships" xmlns:p="http://schemas.openxmlformats.org/presentationml/2006/main">
+  <p:cSld>
+    <p:spTree>
+      <p:nvGrpSpPr>
+        <p:cNvPr id="1" name=""/>
+        <p:cNvGrpSpPr/>
+        <p:nvPr/>
+      </p:nvGrpSpPr>
+      <p:grpSpPr>
+        <a:xfrm>
+          <a:off x="0" y="0"/>
+          <a:ext cx="0" cy="0"/>
+          <a:chOff x="0" y="0"/>
+          <a:chExt cx="0" cy="0"/>
+        </a:xfrm>
+      </p:grpSpPr>
+      <p:sp>
+        <p:nvSpPr>
+          <p:cNvPr id="2" name="Title 1"/>
+          <p:cNvSpPr>
+            <a:spLocks noGrp="1"/>
+          </p:cNvSpPr>
+          <p:nvPr>
+            <p:ph type="title"/>
+          </p:nvPr>
+        </p:nvSpPr>
+        <p:spPr/>
+        <p:txBody>
+          <a:bodyPr>
+            <a:normAutofit fontScale="90000"/>
+          </a:bodyPr>
+          <a:lstStyle/>
+          <a:p>
+            <a:r>
+              <a:rPr sz="3200" dirty="0"/>
+              <a:t>Summary - Key Takeaways</a:t>
+            </a:r>
+          </a:p>
+        </p:txBody>
+      </p:sp>
+      <p:sp>
+        <p:nvSpPr>
+          <p:cNvPr id="3" name="Content Placeholder 2"/>
+          <p:cNvSpPr>
+            <a:spLocks noGrp="1"/>
+          </p:cNvSpPr>
+          <p:nvPr>
+            <p:ph idx="1"/>
+          </p:nvPr>
+        </p:nvSpPr>
+        <p:spPr/>
+        <p:txBody>
+          <a:bodyPr>
+            <a:noAutofit/>
+          </a:bodyPr>
+          <a:lstStyle/>
+          <a:p>
+            <a:endParaRPr sz="1800" dirty="0"/>
+          </a:p>
+          <a:p>
+            <a:r>
+              <a:rPr sz="1800" dirty="0"/>
+              <a:t>✓ Iterative agile development over 10 weeks</a:t>
+            </a:r>
+          </a:p>
+          <a:p>
+            <a:r>
+              <a:rPr sz="1800" dirty="0"/>
+              <a:t>✓ 4 sprints with clear milestones and deadlines</a:t>
+            </a:r>
+          </a:p>
+          <a:p>
+            <a:r>
+              <a:rPr sz="1800" dirty="0"/>
+              <a:t>✓ Assessment based on process, not just accuracy</a:t>
+            </a:r>
+          </a:p>
+          <a:p>
+            <a:r>
+              <a:rPr sz="1800" dirty="0"/>
+              <a:t>✓ Use </a:t>
+            </a:r>
+            <a:r>
+              <a:rPr sz="1800" dirty="0" err="1"/>
+              <a:t>ClickUp</a:t>
+            </a:r>
+            <a:r>
+              <a:rPr sz="1800" dirty="0"/>
+              <a:t> for project management and collaboration</a:t>
+            </a:r>
+          </a:p>
+          <a:p>
+            <a:r>
+              <a:rPr sz="1800" dirty="0"/>
+              <a:t>✓ Python jumpstart provides structure, you implement algorithms</a:t>
+            </a:r>
+          </a:p>
+          <a:p>
+            <a:r>
+              <a:rPr sz="1800" dirty="0"/>
+              <a:t>✓ Focus on learning and continuous improvement</a:t>
+            </a:r>
+          </a:p>
+          <a:p>
+            <a:endParaRPr sz="1800" dirty="0"/>
+          </a:p>
+          <a:p>
+            <a:r>
+              <a:rPr sz="1800" dirty="0"/>
+              <a:t>Start with Iteration 1: Get basic pipeline working!</a:t>
+            </a:r>
+          </a:p>
+          <a:p>
+            <a:endParaRPr sz="1800" dirty="0"/>
+          </a:p>
+          <a:p>
+            <a:r>
+              <a:rPr sz="1800" dirty="0"/>
+              <a:t>Good luck! 🚀</a:t>
+            </a:r>
+          </a:p>
+        </p:txBody>
+      </p:sp>
+    </p:spTree>
+  </p:cSld>
+  <p:clrMapOvr>
+    <a:masterClrMapping/>
+  </p:clrMapOvr>
+</p:sld>
+</file>
+
+<file path=ppt/slides/slide49.xml><?xml version="1.0" encoding="utf-8"?>
 <p:sld xmlns:a="http://schemas.openxmlformats.org/drawingml/2006/main" xmlns:r="http://schemas.openxmlformats.org/officeDocument/2006/relationships" xmlns:p="http://schemas.openxmlformats.org/presentationml/2006/main">
   <p:cSld>
     <p:spTree>
@@ -31363,7 +32184,7 @@
           </a:bodyPr>
           <a:lstStyle/>
           <a:p>
-            <a:endParaRPr/>
+            <a:endParaRPr dirty="0"/>
           </a:p>
           <a:p>
             <a:pPr>
@@ -31373,7 +32194,7 @@
               <a:defRPr sz="1200"/>
             </a:pPr>
             <a:r>
-              <a:rPr sz="1200"/>
+              <a:rPr sz="1200" dirty="0"/>
               <a:t>✓ Iterative cycles (sprints)</a:t>
             </a:r>
           </a:p>
@@ -31385,7 +32206,7 @@
               <a:defRPr sz="1200"/>
             </a:pPr>
             <a:r>
-              <a:rPr sz="1200"/>
+              <a:rPr sz="1200" dirty="0"/>
               <a:t>✓ Feedback after each iteration</a:t>
             </a:r>
           </a:p>
@@ -31397,7 +32218,7 @@
               <a:defRPr sz="1200"/>
             </a:pPr>
             <a:r>
-              <a:rPr sz="1200"/>
+              <a:rPr sz="1200" dirty="0"/>
               <a:t>✓ Low risk (incremental)</a:t>
             </a:r>
           </a:p>
@@ -31409,7 +32230,7 @@
               <a:defRPr sz="1200"/>
             </a:pPr>
             <a:r>
-              <a:rPr sz="1200"/>
+              <a:rPr sz="1200" dirty="0"/>
               <a:t>✓ Flexible - adapt to results</a:t>
             </a:r>
           </a:p>
@@ -31421,7 +32242,7 @@
               <a:defRPr sz="1200"/>
             </a:pPr>
             <a:r>
-              <a:rPr sz="1200"/>
+              <a:rPr sz="1200" dirty="0"/>
               <a:t>✓ Early problem detection</a:t>
             </a:r>
           </a:p>
@@ -31433,7 +32254,7 @@
               <a:defRPr sz="1200"/>
             </a:pPr>
             <a:r>
-              <a:rPr sz="1200"/>
+              <a:rPr sz="1200" dirty="0"/>
               <a:t>✓ Perfect for research projects</a:t>
             </a:r>
           </a:p>
@@ -31448,6 +32269,212 @@
 </file>
 
 <file path=ppt/slides/slide7.xml><?xml version="1.0" encoding="utf-8"?>
+<p:sld xmlns:a="http://schemas.openxmlformats.org/drawingml/2006/main" xmlns:r="http://schemas.openxmlformats.org/officeDocument/2006/relationships" xmlns:p="http://schemas.openxmlformats.org/presentationml/2006/main">
+  <p:cSld>
+    <p:spTree>
+      <p:nvGrpSpPr>
+        <p:cNvPr id="1" name=""/>
+        <p:cNvGrpSpPr/>
+        <p:nvPr/>
+      </p:nvGrpSpPr>
+      <p:grpSpPr>
+        <a:xfrm>
+          <a:off x="0" y="0"/>
+          <a:ext cx="0" cy="0"/>
+          <a:chOff x="0" y="0"/>
+          <a:chExt cx="0" cy="0"/>
+        </a:xfrm>
+      </p:grpSpPr>
+      <p:sp>
+        <p:nvSpPr>
+          <p:cNvPr id="2" name="Title 1">
+            <a:extLst>
+              <a:ext uri="{FF2B5EF4-FFF2-40B4-BE49-F238E27FC236}">
+                <a16:creationId xmlns:a16="http://schemas.microsoft.com/office/drawing/2014/main" id="{6374F524-F566-7A5D-691B-2F36C58B1894}"/>
+              </a:ext>
+            </a:extLst>
+          </p:cNvPr>
+          <p:cNvSpPr>
+            <a:spLocks noGrp="1"/>
+          </p:cNvSpPr>
+          <p:nvPr>
+            <p:ph type="title"/>
+          </p:nvPr>
+        </p:nvSpPr>
+        <p:spPr/>
+        <p:txBody>
+          <a:bodyPr/>
+          <a:lstStyle/>
+          <a:p>
+            <a:r>
+              <a:rPr lang="en-GB" dirty="0"/>
+              <a:t>Waterfall vs. Agile Methodology</a:t>
+            </a:r>
+          </a:p>
+        </p:txBody>
+      </p:sp>
+      <p:pic>
+        <p:nvPicPr>
+          <p:cNvPr id="3" name="Picture 2" descr="Iterative Model in Software Development: Pros and Cons">
+            <a:extLst>
+              <a:ext uri="{FF2B5EF4-FFF2-40B4-BE49-F238E27FC236}">
+                <a16:creationId xmlns:a16="http://schemas.microsoft.com/office/drawing/2014/main" id="{BD8728DA-48CE-DD73-0D3A-A8F9C182D074}"/>
+              </a:ext>
+            </a:extLst>
+          </p:cNvPr>
+          <p:cNvPicPr>
+            <a:picLocks noChangeAspect="1" noChangeArrowheads="1"/>
+          </p:cNvPicPr>
+          <p:nvPr/>
+        </p:nvPicPr>
+        <p:blipFill>
+          <a:blip r:embed="rId2">
+            <a:extLst>
+              <a:ext uri="{28A0092B-C50C-407E-A947-70E740481C1C}">
+                <a14:useLocalDpi xmlns:a14="http://schemas.microsoft.com/office/drawing/2010/main" val="0"/>
+              </a:ext>
+            </a:extLst>
+          </a:blip>
+          <a:srcRect/>
+          <a:stretch>
+            <a:fillRect/>
+          </a:stretch>
+        </p:blipFill>
+        <p:spPr bwMode="auto">
+          <a:xfrm>
+            <a:off x="3223902" y="2621564"/>
+            <a:ext cx="5581960" cy="3140804"/>
+          </a:xfrm>
+          <a:prstGeom prst="rect">
+            <a:avLst/>
+          </a:prstGeom>
+          <a:noFill/>
+          <a:ln>
+            <a:noFill/>
+          </a:ln>
+          <a:extLst>
+            <a:ext uri="{909E8E84-426E-40DD-AFC4-6F175D3DCCD1}">
+              <a14:hiddenFill xmlns:a14="http://schemas.microsoft.com/office/drawing/2010/main">
+                <a:solidFill>
+                  <a:srgbClr val="FFFFFF"/>
+                </a:solidFill>
+              </a14:hiddenFill>
+            </a:ext>
+            <a:ext uri="{91240B29-F687-4F45-9708-019B960494DF}">
+              <a14:hiddenLine xmlns:a14="http://schemas.microsoft.com/office/drawing/2010/main" w="9525">
+                <a:solidFill>
+                  <a:srgbClr val="000000"/>
+                </a:solidFill>
+                <a:miter lim="800000"/>
+                <a:headEnd/>
+                <a:tailEnd/>
+              </a14:hiddenLine>
+            </a:ext>
+          </a:extLst>
+        </p:spPr>
+      </p:pic>
+    </p:spTree>
+    <p:extLst>
+      <p:ext uri="{BB962C8B-B14F-4D97-AF65-F5344CB8AC3E}">
+        <p14:creationId xmlns:p14="http://schemas.microsoft.com/office/powerpoint/2010/main" val="2606194971"/>
+      </p:ext>
+    </p:extLst>
+  </p:cSld>
+  <p:clrMapOvr>
+    <a:masterClrMapping/>
+  </p:clrMapOvr>
+</p:sld>
+</file>
+
+<file path=ppt/slides/slide8.xml><?xml version="1.0" encoding="utf-8"?>
+<p:sld xmlns:a="http://schemas.openxmlformats.org/drawingml/2006/main" xmlns:r="http://schemas.openxmlformats.org/officeDocument/2006/relationships" xmlns:p="http://schemas.openxmlformats.org/presentationml/2006/main">
+  <p:cSld>
+    <p:spTree>
+      <p:nvGrpSpPr>
+        <p:cNvPr id="1" name=""/>
+        <p:cNvGrpSpPr/>
+        <p:nvPr/>
+      </p:nvGrpSpPr>
+      <p:grpSpPr>
+        <a:xfrm>
+          <a:off x="0" y="0"/>
+          <a:ext cx="0" cy="0"/>
+          <a:chOff x="0" y="0"/>
+          <a:chExt cx="0" cy="0"/>
+        </a:xfrm>
+      </p:grpSpPr>
+      <p:sp>
+        <p:nvSpPr>
+          <p:cNvPr id="2" name="Title 1">
+            <a:extLst>
+              <a:ext uri="{FF2B5EF4-FFF2-40B4-BE49-F238E27FC236}">
+                <a16:creationId xmlns:a16="http://schemas.microsoft.com/office/drawing/2014/main" id="{E3A69B62-631D-4B7E-609D-B926709F915B}"/>
+              </a:ext>
+            </a:extLst>
+          </p:cNvPr>
+          <p:cNvSpPr>
+            <a:spLocks noGrp="1"/>
+          </p:cNvSpPr>
+          <p:nvPr>
+            <p:ph type="title"/>
+          </p:nvPr>
+        </p:nvSpPr>
+        <p:spPr/>
+        <p:txBody>
+          <a:bodyPr/>
+          <a:lstStyle/>
+          <a:p>
+            <a:r>
+              <a:rPr lang="en-GB" dirty="0"/>
+              <a:t>Minimum Valuable Product (MVP)</a:t>
+            </a:r>
+          </a:p>
+        </p:txBody>
+      </p:sp>
+      <p:pic>
+        <p:nvPicPr>
+          <p:cNvPr id="3" name="Picture 2">
+            <a:extLst>
+              <a:ext uri="{FF2B5EF4-FFF2-40B4-BE49-F238E27FC236}">
+                <a16:creationId xmlns:a16="http://schemas.microsoft.com/office/drawing/2014/main" id="{5BF5095C-7682-75C2-7CB5-9F30A7439D84}"/>
+              </a:ext>
+            </a:extLst>
+          </p:cNvPr>
+          <p:cNvPicPr>
+            <a:picLocks noChangeAspect="1"/>
+          </p:cNvPicPr>
+          <p:nvPr/>
+        </p:nvPicPr>
+        <p:blipFill>
+          <a:blip r:embed="rId2"/>
+          <a:stretch>
+            <a:fillRect/>
+          </a:stretch>
+        </p:blipFill>
+        <p:spPr>
+          <a:xfrm>
+            <a:off x="2290286" y="1590290"/>
+            <a:ext cx="6985794" cy="5267710"/>
+          </a:xfrm>
+          <a:prstGeom prst="rect">
+            <a:avLst/>
+          </a:prstGeom>
+        </p:spPr>
+      </p:pic>
+    </p:spTree>
+    <p:extLst>
+      <p:ext uri="{BB962C8B-B14F-4D97-AF65-F5344CB8AC3E}">
+        <p14:creationId xmlns:p14="http://schemas.microsoft.com/office/powerpoint/2010/main" val="1140467033"/>
+      </p:ext>
+    </p:extLst>
+  </p:cSld>
+  <p:clrMapOvr>
+    <a:masterClrMapping/>
+  </p:clrMapOvr>
+</p:sld>
+</file>
+
+<file path=ppt/slides/slide9.xml><?xml version="1.0" encoding="utf-8"?>
 <p:sld xmlns:a="http://schemas.openxmlformats.org/drawingml/2006/main" xmlns:r="http://schemas.openxmlformats.org/officeDocument/2006/relationships" xmlns:p="http://schemas.openxmlformats.org/presentationml/2006/main">
   <p:cSld>
     <p:spTree>
@@ -31874,640 +32901,6 @@
             <a:r>
               <a:rPr sz="1200"/>
               <a:t>Repeat for each of 4 iterations</a:t>
-            </a:r>
-          </a:p>
-        </p:txBody>
-      </p:sp>
-    </p:spTree>
-  </p:cSld>
-  <p:clrMapOvr>
-    <a:masterClrMapping/>
-  </p:clrMapOvr>
-</p:sld>
-</file>
-
-<file path=ppt/slides/slide8.xml><?xml version="1.0" encoding="utf-8"?>
-<p:sld xmlns:a="http://schemas.openxmlformats.org/drawingml/2006/main" xmlns:r="http://schemas.openxmlformats.org/officeDocument/2006/relationships" xmlns:p="http://schemas.openxmlformats.org/presentationml/2006/main">
-  <p:cSld>
-    <p:spTree>
-      <p:nvGrpSpPr>
-        <p:cNvPr id="1" name=""/>
-        <p:cNvGrpSpPr/>
-        <p:nvPr/>
-      </p:nvGrpSpPr>
-      <p:grpSpPr>
-        <a:xfrm>
-          <a:off x="0" y="0"/>
-          <a:ext cx="0" cy="0"/>
-          <a:chOff x="0" y="0"/>
-          <a:chExt cx="0" cy="0"/>
-        </a:xfrm>
-      </p:grpSpPr>
-      <p:sp>
-        <p:nvSpPr>
-          <p:cNvPr id="2" name="Title 1"/>
-          <p:cNvSpPr>
-            <a:spLocks noGrp="1"/>
-          </p:cNvSpPr>
-          <p:nvPr>
-            <p:ph type="title"/>
-          </p:nvPr>
-        </p:nvSpPr>
-        <p:spPr/>
-        <p:txBody>
-          <a:bodyPr>
-            <a:normAutofit/>
-          </a:bodyPr>
-          <a:lstStyle/>
-          <a:p>
-            <a:r>
-              <a:rPr sz="3200" dirty="0"/>
-              <a:t>Iteration Planning:</a:t>
-            </a:r>
-          </a:p>
-          <a:p>
-            <a:r>
-              <a:rPr sz="3200" dirty="0"/>
-              <a:t>4 Sprints Over 10 Weeks</a:t>
-            </a:r>
-          </a:p>
-        </p:txBody>
-      </p:sp>
-      <p:sp>
-        <p:nvSpPr>
-          <p:cNvPr id="3" name="Text Placeholder 2"/>
-          <p:cNvSpPr>
-            <a:spLocks noGrp="1"/>
-          </p:cNvSpPr>
-          <p:nvPr>
-            <p:ph type="body" idx="1"/>
-          </p:nvPr>
-        </p:nvSpPr>
-        <p:spPr/>
-        <p:txBody>
-          <a:bodyPr/>
-          <a:lstStyle/>
-          <a:p>
-            <a:endParaRPr/>
-          </a:p>
-        </p:txBody>
-      </p:sp>
-    </p:spTree>
-  </p:cSld>
-  <p:clrMapOvr>
-    <a:masterClrMapping/>
-  </p:clrMapOvr>
-</p:sld>
-</file>
-
-<file path=ppt/slides/slide9.xml><?xml version="1.0" encoding="utf-8"?>
-<p:sld xmlns:a="http://schemas.openxmlformats.org/drawingml/2006/main" xmlns:r="http://schemas.openxmlformats.org/officeDocument/2006/relationships" xmlns:p="http://schemas.openxmlformats.org/presentationml/2006/main">
-  <p:cSld>
-    <p:spTree>
-      <p:nvGrpSpPr>
-        <p:cNvPr id="1" name=""/>
-        <p:cNvGrpSpPr/>
-        <p:nvPr/>
-      </p:nvGrpSpPr>
-      <p:grpSpPr>
-        <a:xfrm>
-          <a:off x="0" y="0"/>
-          <a:ext cx="0" cy="0"/>
-          <a:chOff x="0" y="0"/>
-          <a:chExt cx="0" cy="0"/>
-        </a:xfrm>
-      </p:grpSpPr>
-      <p:sp>
-        <p:nvSpPr>
-          <p:cNvPr id="2" name="Title 1"/>
-          <p:cNvSpPr>
-            <a:spLocks noGrp="1"/>
-          </p:cNvSpPr>
-          <p:nvPr>
-            <p:ph type="title"/>
-          </p:nvPr>
-        </p:nvSpPr>
-        <p:spPr/>
-        <p:txBody>
-          <a:bodyPr>
-            <a:normAutofit fontScale="90000"/>
-          </a:bodyPr>
-          <a:lstStyle/>
-          <a:p>
-            <a:r>
-              <a:rPr sz="3200" dirty="0"/>
-              <a:t>Project Timeline - Key Milestones</a:t>
-            </a:r>
-          </a:p>
-        </p:txBody>
-      </p:sp>
-      <p:cxnSp>
-        <p:nvCxnSpPr>
-          <p:cNvPr id="3" name="Connector 2"/>
-          <p:cNvCxnSpPr/>
-          <p:nvPr/>
-        </p:nvCxnSpPr>
-        <p:spPr>
-          <a:xfrm>
-            <a:off x="2438400" y="3657600"/>
-            <a:ext cx="7315200" cy="0"/>
-          </a:xfrm>
-          <a:prstGeom prst="line">
-            <a:avLst/>
-          </a:prstGeom>
-          <a:ln w="38100">
-            <a:solidFill>
-              <a:srgbClr val="4472C4"/>
-            </a:solidFill>
-          </a:ln>
-        </p:spPr>
-        <p:style>
-          <a:lnRef idx="2">
-            <a:schemeClr val="accent1"/>
-          </a:lnRef>
-          <a:fillRef idx="0">
-            <a:schemeClr val="accent1"/>
-          </a:fillRef>
-          <a:effectRef idx="1">
-            <a:schemeClr val="accent1"/>
-          </a:effectRef>
-          <a:fontRef idx="minor">
-            <a:schemeClr val="tx1"/>
-          </a:fontRef>
-        </p:style>
-      </p:cxnSp>
-      <p:sp>
-        <p:nvSpPr>
-          <p:cNvPr id="4" name="Oval 3"/>
-          <p:cNvSpPr/>
-          <p:nvPr/>
-        </p:nvSpPr>
-        <p:spPr>
-          <a:xfrm>
-            <a:off x="2209800" y="3429000"/>
-            <a:ext cx="457200" cy="457200"/>
-          </a:xfrm>
-          <a:prstGeom prst="ellipse">
-            <a:avLst/>
-          </a:prstGeom>
-          <a:solidFill>
-            <a:srgbClr val="4472C4"/>
-          </a:solidFill>
-          <a:ln w="25400">
-            <a:solidFill>
-              <a:srgbClr val="FFFFFF"/>
-            </a:solidFill>
-          </a:ln>
-        </p:spPr>
-        <p:style>
-          <a:lnRef idx="1">
-            <a:schemeClr val="accent1"/>
-          </a:lnRef>
-          <a:fillRef idx="3">
-            <a:schemeClr val="accent1"/>
-          </a:fillRef>
-          <a:effectRef idx="2">
-            <a:schemeClr val="accent1"/>
-          </a:effectRef>
-          <a:fontRef idx="minor">
-            <a:schemeClr val="lt1"/>
-          </a:fontRef>
-        </p:style>
-        <p:txBody>
-          <a:bodyPr rtlCol="0" anchor="ctr"/>
-          <a:lstStyle/>
-          <a:p>
-            <a:pPr algn="ctr"/>
-            <a:endParaRPr/>
-          </a:p>
-        </p:txBody>
-      </p:sp>
-      <p:sp>
-        <p:nvSpPr>
-          <p:cNvPr id="5" name="TextBox 4"/>
-          <p:cNvSpPr txBox="1"/>
-          <p:nvPr/>
-        </p:nvSpPr>
-        <p:spPr>
-          <a:xfrm>
-            <a:off x="1815890" y="2286001"/>
-            <a:ext cx="1245021" cy="584775"/>
-          </a:xfrm>
-          <a:prstGeom prst="rect">
-            <a:avLst/>
-          </a:prstGeom>
-          <a:noFill/>
-        </p:spPr>
-        <p:txBody>
-          <a:bodyPr wrap="none">
-            <a:spAutoFit/>
-          </a:bodyPr>
-          <a:lstStyle/>
-          <a:p>
-            <a:pPr algn="ctr">
-              <a:defRPr sz="1400" b="1"/>
-            </a:pPr>
-            <a:r>
-              <a:rPr sz="1400"/>
-              <a:t>Iteration 1</a:t>
-            </a:r>
-          </a:p>
-          <a:p>
-            <a:r>
-              <a:t>Basic EEG</a:t>
-            </a:r>
-          </a:p>
-        </p:txBody>
-      </p:sp>
-      <p:sp>
-        <p:nvSpPr>
-          <p:cNvPr id="6" name="TextBox 5"/>
-          <p:cNvSpPr txBox="1"/>
-          <p:nvPr/>
-        </p:nvSpPr>
-        <p:spPr>
-          <a:xfrm>
-            <a:off x="1943714" y="4206240"/>
-            <a:ext cx="989373" cy="261610"/>
-          </a:xfrm>
-          <a:prstGeom prst="rect">
-            <a:avLst/>
-          </a:prstGeom>
-          <a:noFill/>
-        </p:spPr>
-        <p:txBody>
-          <a:bodyPr wrap="none">
-            <a:spAutoFit/>
-          </a:bodyPr>
-          <a:lstStyle/>
-          <a:p>
-            <a:pPr algn="ctr">
-              <a:defRPr sz="1100">
-                <a:solidFill>
-                  <a:srgbClr val="646464"/>
-                </a:solidFill>
-              </a:defRPr>
-            </a:pPr>
-            <a:r>
-              <a:rPr sz="1100"/>
-              <a:t>Oct 31, 2025</a:t>
-            </a:r>
-          </a:p>
-        </p:txBody>
-      </p:sp>
-      <p:sp>
-        <p:nvSpPr>
-          <p:cNvPr id="7" name="Oval 6"/>
-          <p:cNvSpPr/>
-          <p:nvPr/>
-        </p:nvSpPr>
-        <p:spPr>
-          <a:xfrm>
-            <a:off x="4648200" y="3429000"/>
-            <a:ext cx="457200" cy="457200"/>
-          </a:xfrm>
-          <a:prstGeom prst="ellipse">
-            <a:avLst/>
-          </a:prstGeom>
-          <a:solidFill>
-            <a:srgbClr val="70AD47"/>
-          </a:solidFill>
-          <a:ln w="25400">
-            <a:solidFill>
-              <a:srgbClr val="FFFFFF"/>
-            </a:solidFill>
-          </a:ln>
-        </p:spPr>
-        <p:style>
-          <a:lnRef idx="1">
-            <a:schemeClr val="accent1"/>
-          </a:lnRef>
-          <a:fillRef idx="3">
-            <a:schemeClr val="accent1"/>
-          </a:fillRef>
-          <a:effectRef idx="2">
-            <a:schemeClr val="accent1"/>
-          </a:effectRef>
-          <a:fontRef idx="minor">
-            <a:schemeClr val="lt1"/>
-          </a:fontRef>
-        </p:style>
-        <p:txBody>
-          <a:bodyPr rtlCol="0" anchor="ctr"/>
-          <a:lstStyle/>
-          <a:p>
-            <a:pPr algn="ctr"/>
-            <a:endParaRPr/>
-          </a:p>
-        </p:txBody>
-      </p:sp>
-      <p:sp>
-        <p:nvSpPr>
-          <p:cNvPr id="8" name="TextBox 7"/>
-          <p:cNvSpPr txBox="1"/>
-          <p:nvPr/>
-        </p:nvSpPr>
-        <p:spPr>
-          <a:xfrm>
-            <a:off x="4243454" y="2286001"/>
-            <a:ext cx="1266693" cy="584775"/>
-          </a:xfrm>
-          <a:prstGeom prst="rect">
-            <a:avLst/>
-          </a:prstGeom>
-          <a:noFill/>
-        </p:spPr>
-        <p:txBody>
-          <a:bodyPr wrap="none">
-            <a:spAutoFit/>
-          </a:bodyPr>
-          <a:lstStyle/>
-          <a:p>
-            <a:pPr algn="ctr">
-              <a:defRPr sz="1400" b="1"/>
-            </a:pPr>
-            <a:r>
-              <a:rPr sz="1400"/>
-              <a:t>Iteration 2</a:t>
-            </a:r>
-          </a:p>
-          <a:p>
-            <a:r>
-              <a:t>EEG+EOG</a:t>
-            </a:r>
-          </a:p>
-        </p:txBody>
-      </p:sp>
-      <p:sp>
-        <p:nvSpPr>
-          <p:cNvPr id="9" name="TextBox 8"/>
-          <p:cNvSpPr txBox="1"/>
-          <p:nvPr/>
-        </p:nvSpPr>
-        <p:spPr>
-          <a:xfrm>
-            <a:off x="4367687" y="4206240"/>
-            <a:ext cx="1018227" cy="261610"/>
-          </a:xfrm>
-          <a:prstGeom prst="rect">
-            <a:avLst/>
-          </a:prstGeom>
-          <a:noFill/>
-        </p:spPr>
-        <p:txBody>
-          <a:bodyPr wrap="none">
-            <a:spAutoFit/>
-          </a:bodyPr>
-          <a:lstStyle/>
-          <a:p>
-            <a:pPr algn="ctr">
-              <a:defRPr sz="1100">
-                <a:solidFill>
-                  <a:srgbClr val="646464"/>
-                </a:solidFill>
-              </a:defRPr>
-            </a:pPr>
-            <a:r>
-              <a:rPr sz="1100"/>
-              <a:t>Nov 19, 2025</a:t>
-            </a:r>
-          </a:p>
-        </p:txBody>
-      </p:sp>
-      <p:sp>
-        <p:nvSpPr>
-          <p:cNvPr id="10" name="Oval 9"/>
-          <p:cNvSpPr/>
-          <p:nvPr/>
-        </p:nvSpPr>
-        <p:spPr>
-          <a:xfrm>
-            <a:off x="7086600" y="3429000"/>
-            <a:ext cx="457200" cy="457200"/>
-          </a:xfrm>
-          <a:prstGeom prst="ellipse">
-            <a:avLst/>
-          </a:prstGeom>
-          <a:solidFill>
-            <a:srgbClr val="ED7D31"/>
-          </a:solidFill>
-          <a:ln w="25400">
-            <a:solidFill>
-              <a:srgbClr val="FFFFFF"/>
-            </a:solidFill>
-          </a:ln>
-        </p:spPr>
-        <p:style>
-          <a:lnRef idx="1">
-            <a:schemeClr val="accent1"/>
-          </a:lnRef>
-          <a:fillRef idx="3">
-            <a:schemeClr val="accent1"/>
-          </a:fillRef>
-          <a:effectRef idx="2">
-            <a:schemeClr val="accent1"/>
-          </a:effectRef>
-          <a:fontRef idx="minor">
-            <a:schemeClr val="lt1"/>
-          </a:fontRef>
-        </p:style>
-        <p:txBody>
-          <a:bodyPr rtlCol="0" anchor="ctr"/>
-          <a:lstStyle/>
-          <a:p>
-            <a:pPr algn="ctr"/>
-            <a:endParaRPr/>
-          </a:p>
-        </p:txBody>
-      </p:sp>
-      <p:sp>
-        <p:nvSpPr>
-          <p:cNvPr id="11" name="TextBox 10"/>
-          <p:cNvSpPr txBox="1"/>
-          <p:nvPr/>
-        </p:nvSpPr>
-        <p:spPr>
-          <a:xfrm>
-            <a:off x="6356445" y="2286001"/>
-            <a:ext cx="1917513" cy="584775"/>
-          </a:xfrm>
-          <a:prstGeom prst="rect">
-            <a:avLst/>
-          </a:prstGeom>
-          <a:noFill/>
-        </p:spPr>
-        <p:txBody>
-          <a:bodyPr wrap="none">
-            <a:spAutoFit/>
-          </a:bodyPr>
-          <a:lstStyle/>
-          <a:p>
-            <a:pPr algn="ctr">
-              <a:defRPr sz="1400" b="1"/>
-            </a:pPr>
-            <a:r>
-              <a:rPr sz="1400"/>
-              <a:t>Iteration 3</a:t>
-            </a:r>
-          </a:p>
-          <a:p>
-            <a:r>
-              <a:t>EEG+EOG+EMG</a:t>
-            </a:r>
-          </a:p>
-        </p:txBody>
-      </p:sp>
-      <p:sp>
-        <p:nvSpPr>
-          <p:cNvPr id="12" name="TextBox 11"/>
-          <p:cNvSpPr txBox="1"/>
-          <p:nvPr/>
-        </p:nvSpPr>
-        <p:spPr>
-          <a:xfrm>
-            <a:off x="6840551" y="4206240"/>
-            <a:ext cx="949299" cy="261610"/>
-          </a:xfrm>
-          <a:prstGeom prst="rect">
-            <a:avLst/>
-          </a:prstGeom>
-          <a:noFill/>
-        </p:spPr>
-        <p:txBody>
-          <a:bodyPr wrap="none">
-            <a:spAutoFit/>
-          </a:bodyPr>
-          <a:lstStyle/>
-          <a:p>
-            <a:pPr algn="ctr">
-              <a:defRPr sz="1100">
-                <a:solidFill>
-                  <a:srgbClr val="646464"/>
-                </a:solidFill>
-              </a:defRPr>
-            </a:pPr>
-            <a:r>
-              <a:rPr sz="1100"/>
-              <a:t>Dec 5, 2025</a:t>
-            </a:r>
-          </a:p>
-        </p:txBody>
-      </p:sp>
-      <p:sp>
-        <p:nvSpPr>
-          <p:cNvPr id="13" name="Oval 12"/>
-          <p:cNvSpPr/>
-          <p:nvPr/>
-        </p:nvSpPr>
-        <p:spPr>
-          <a:xfrm>
-            <a:off x="9525000" y="3429000"/>
-            <a:ext cx="457200" cy="457200"/>
-          </a:xfrm>
-          <a:prstGeom prst="ellipse">
-            <a:avLst/>
-          </a:prstGeom>
-          <a:solidFill>
-            <a:srgbClr val="A5A5A5"/>
-          </a:solidFill>
-          <a:ln w="25400">
-            <a:solidFill>
-              <a:srgbClr val="FFFFFF"/>
-            </a:solidFill>
-          </a:ln>
-        </p:spPr>
-        <p:style>
-          <a:lnRef idx="1">
-            <a:schemeClr val="accent1"/>
-          </a:lnRef>
-          <a:fillRef idx="3">
-            <a:schemeClr val="accent1"/>
-          </a:fillRef>
-          <a:effectRef idx="2">
-            <a:schemeClr val="accent1"/>
-          </a:effectRef>
-          <a:fontRef idx="minor">
-            <a:schemeClr val="lt1"/>
-          </a:fontRef>
-        </p:style>
-        <p:txBody>
-          <a:bodyPr rtlCol="0" anchor="ctr"/>
-          <a:lstStyle/>
-          <a:p>
-            <a:pPr algn="ctr"/>
-            <a:endParaRPr/>
-          </a:p>
-        </p:txBody>
-      </p:sp>
-      <p:sp>
-        <p:nvSpPr>
-          <p:cNvPr id="14" name="TextBox 13"/>
-          <p:cNvSpPr txBox="1"/>
-          <p:nvPr/>
-        </p:nvSpPr>
-        <p:spPr>
-          <a:xfrm>
-            <a:off x="9004837" y="2286001"/>
-            <a:ext cx="1497526" cy="584775"/>
-          </a:xfrm>
-          <a:prstGeom prst="rect">
-            <a:avLst/>
-          </a:prstGeom>
-          <a:noFill/>
-        </p:spPr>
-        <p:txBody>
-          <a:bodyPr wrap="none">
-            <a:spAutoFit/>
-          </a:bodyPr>
-          <a:lstStyle/>
-          <a:p>
-            <a:pPr algn="ctr">
-              <a:defRPr sz="1400" b="1"/>
-            </a:pPr>
-            <a:r>
-              <a:rPr sz="1400"/>
-              <a:t>Iteration 4</a:t>
-            </a:r>
-          </a:p>
-          <a:p>
-            <a:r>
-              <a:t>Final System</a:t>
-            </a:r>
-          </a:p>
-        </p:txBody>
-      </p:sp>
-      <p:sp>
-        <p:nvSpPr>
-          <p:cNvPr id="15" name="TextBox 14"/>
-          <p:cNvSpPr txBox="1"/>
-          <p:nvPr/>
-        </p:nvSpPr>
-        <p:spPr>
-          <a:xfrm>
-            <a:off x="9247693" y="4206240"/>
-            <a:ext cx="1011815" cy="261610"/>
-          </a:xfrm>
-          <a:prstGeom prst="rect">
-            <a:avLst/>
-          </a:prstGeom>
-          <a:noFill/>
-        </p:spPr>
-        <p:txBody>
-          <a:bodyPr wrap="none">
-            <a:spAutoFit/>
-          </a:bodyPr>
-          <a:lstStyle/>
-          <a:p>
-            <a:pPr algn="ctr">
-              <a:defRPr sz="1100">
-                <a:solidFill>
-                  <a:srgbClr val="646464"/>
-                </a:solidFill>
-              </a:defRPr>
-            </a:pPr>
-            <a:r>
-              <a:rPr sz="1100"/>
-              <a:t>Dec 18, 2025</a:t>
             </a:r>
           </a:p>
         </p:txBody>
